--- a/빅데이터인턴십/기획/200908_서현택_워크샵.pptx
+++ b/빅데이터인턴십/기획/200908_서현택_워크샵.pptx
@@ -5,12 +5,13 @@
     <p:sldMasterId id="2147483648" r:id="rId1"/>
   </p:sldMasterIdLst>
   <p:notesMasterIdLst>
-    <p:notesMasterId r:id="rId5"/>
+    <p:notesMasterId r:id="rId6"/>
   </p:notesMasterIdLst>
   <p:sldIdLst>
     <p:sldId id="10100" r:id="rId2"/>
     <p:sldId id="10098" r:id="rId3"/>
     <p:sldId id="10099" r:id="rId4"/>
+    <p:sldId id="10102" r:id="rId5"/>
   </p:sldIdLst>
   <p:sldSz cx="12192000" cy="6858000"/>
   <p:notesSz cx="6858000" cy="9144000"/>
@@ -109,6 +110,11 @@
       </a:defRPr>
     </a:lvl9pPr>
   </p:defaultTextStyle>
+  <p:extLst>
+    <p:ext uri="{EFAFB233-063F-42B5-8137-9DF3F51BA10A}">
+      <p15:sldGuideLst xmlns:p15="http://schemas.microsoft.com/office/powerpoint/2012/main"/>
+    </p:ext>
+  </p:extLst>
 </p:presentation>
 </file>
 
@@ -194,7 +200,7 @@
           <a:p>
             <a:fld id="{BCAE92E2-3C62-4B83-8398-77164584B2E7}" type="datetimeFigureOut">
               <a:rPr lang="ko-KR" altLang="en-US" smtClean="0"/>
-              <a:t>2020-09-08</a:t>
+              <a:t>2020-09-10</a:t>
             </a:fld>
             <a:endParaRPr lang="ko-KR" altLang="en-US"/>
           </a:p>
@@ -896,7 +902,7 @@
           <a:p>
             <a:fld id="{04E535F5-765F-4B1B-8F15-3F2EB3C823DC}" type="datetimeFigureOut">
               <a:rPr lang="ko-KR" altLang="en-US" smtClean="0"/>
-              <a:t>2020-09-08</a:t>
+              <a:t>2020-09-10</a:t>
             </a:fld>
             <a:endParaRPr lang="ko-KR" altLang="en-US"/>
           </a:p>
@@ -1094,7 +1100,7 @@
           <a:p>
             <a:fld id="{04E535F5-765F-4B1B-8F15-3F2EB3C823DC}" type="datetimeFigureOut">
               <a:rPr lang="ko-KR" altLang="en-US" smtClean="0"/>
-              <a:t>2020-09-08</a:t>
+              <a:t>2020-09-10</a:t>
             </a:fld>
             <a:endParaRPr lang="ko-KR" altLang="en-US"/>
           </a:p>
@@ -1302,7 +1308,7 @@
           <a:p>
             <a:fld id="{04E535F5-765F-4B1B-8F15-3F2EB3C823DC}" type="datetimeFigureOut">
               <a:rPr lang="ko-KR" altLang="en-US" smtClean="0"/>
-              <a:t>2020-09-08</a:t>
+              <a:t>2020-09-10</a:t>
             </a:fld>
             <a:endParaRPr lang="ko-KR" altLang="en-US"/>
           </a:p>
@@ -1856,6 +1862,224 @@
 </p:sldLayout>
 </file>
 
+<file path=ppt/slideLayouts/slideLayout14.xml><?xml version="1.0" encoding="utf-8"?>
+<p:sldLayout xmlns:a="http://schemas.openxmlformats.org/drawingml/2006/main" xmlns:r="http://schemas.openxmlformats.org/officeDocument/2006/relationships" xmlns:p="http://schemas.openxmlformats.org/presentationml/2006/main" userDrawn="1">
+  <p:cSld name="1_제목만">
+    <p:spTree>
+      <p:nvGrpSpPr>
+        <p:cNvPr id="1" name=""/>
+        <p:cNvGrpSpPr/>
+        <p:nvPr/>
+      </p:nvGrpSpPr>
+      <p:grpSpPr>
+        <a:xfrm>
+          <a:off x="0" y="0"/>
+          <a:ext cx="0" cy="0"/>
+          <a:chOff x="0" y="0"/>
+          <a:chExt cx="0" cy="0"/>
+        </a:xfrm>
+      </p:grpSpPr>
+      <p:sp>
+        <p:nvSpPr>
+          <p:cNvPr id="2" name="Title 1"/>
+          <p:cNvSpPr>
+            <a:spLocks noGrp="1"/>
+          </p:cNvSpPr>
+          <p:nvPr>
+            <p:ph type="title"/>
+          </p:nvPr>
+        </p:nvSpPr>
+        <p:spPr/>
+        <p:txBody>
+          <a:bodyPr/>
+          <a:lstStyle/>
+          <a:p>
+            <a:r>
+              <a:rPr lang="ko-KR" altLang="en-US"/>
+              <a:t>마스터 제목 스타일 편집</a:t>
+            </a:r>
+            <a:endParaRPr lang="en-US" dirty="0"/>
+          </a:p>
+        </p:txBody>
+      </p:sp>
+      <p:sp>
+        <p:nvSpPr>
+          <p:cNvPr id="3" name="슬라이드 번호 개체 틀 2">
+            <a:extLst>
+              <a:ext uri="{FF2B5EF4-FFF2-40B4-BE49-F238E27FC236}">
+                <a16:creationId xmlns:a16="http://schemas.microsoft.com/office/drawing/2014/main" id="{EF020BC2-BBC0-468B-B092-4EBF97E48041}"/>
+              </a:ext>
+            </a:extLst>
+          </p:cNvPr>
+          <p:cNvSpPr>
+            <a:spLocks noGrp="1"/>
+          </p:cNvSpPr>
+          <p:nvPr>
+            <p:ph type="sldNum" sz="quarter" idx="4294967295"/>
+          </p:nvPr>
+        </p:nvSpPr>
+        <p:spPr>
+          <a:xfrm>
+            <a:off x="5931877" y="6451004"/>
+            <a:ext cx="328246" cy="309855"/>
+          </a:xfrm>
+          <a:prstGeom prst="rect">
+            <a:avLst/>
+          </a:prstGeom>
+        </p:spPr>
+        <p:txBody>
+          <a:bodyPr vert="horz" lIns="0" tIns="0" rIns="0" bIns="0" rtlCol="0" anchor="ctr"/>
+          <a:lstStyle>
+            <a:defPPr>
+              <a:defRPr lang="ko-KR"/>
+            </a:defPPr>
+            <a:lvl1pPr algn="r" rtl="0" fontAlgn="base" latinLnBrk="1">
+              <a:spcBef>
+                <a:spcPct val="0"/>
+              </a:spcBef>
+              <a:spcAft>
+                <a:spcPct val="0"/>
+              </a:spcAft>
+              <a:defRPr kumimoji="1" sz="1100" kern="1200">
+                <a:solidFill>
+                  <a:schemeClr val="tx1">
+                    <a:tint val="75000"/>
+                  </a:schemeClr>
+                </a:solidFill>
+                <a:latin typeface="KoPubWorld돋움체 Light" panose="00000300000000000000" pitchFamily="2" charset="-127"/>
+                <a:ea typeface="KoPubWorld돋움체 Light" panose="00000300000000000000" pitchFamily="2" charset="-127"/>
+                <a:cs typeface="KoPubWorld돋움체 Light" panose="00000300000000000000" pitchFamily="2" charset="-127"/>
+              </a:defRPr>
+            </a:lvl1pPr>
+            <a:lvl2pPr marL="457200" algn="l" rtl="0" fontAlgn="base" latinLnBrk="1">
+              <a:spcBef>
+                <a:spcPct val="0"/>
+              </a:spcBef>
+              <a:spcAft>
+                <a:spcPct val="0"/>
+              </a:spcAft>
+              <a:defRPr kumimoji="1" kern="1200">
+                <a:solidFill>
+                  <a:schemeClr val="tx1"/>
+                </a:solidFill>
+                <a:latin typeface="굴림" charset="-127"/>
+                <a:ea typeface="굴림" charset="-127"/>
+                <a:cs typeface="+mn-cs"/>
+              </a:defRPr>
+            </a:lvl2pPr>
+            <a:lvl3pPr marL="914400" algn="l" rtl="0" fontAlgn="base" latinLnBrk="1">
+              <a:spcBef>
+                <a:spcPct val="0"/>
+              </a:spcBef>
+              <a:spcAft>
+                <a:spcPct val="0"/>
+              </a:spcAft>
+              <a:defRPr kumimoji="1" kern="1200">
+                <a:solidFill>
+                  <a:schemeClr val="tx1"/>
+                </a:solidFill>
+                <a:latin typeface="굴림" charset="-127"/>
+                <a:ea typeface="굴림" charset="-127"/>
+                <a:cs typeface="+mn-cs"/>
+              </a:defRPr>
+            </a:lvl3pPr>
+            <a:lvl4pPr marL="1371600" algn="l" rtl="0" fontAlgn="base" latinLnBrk="1">
+              <a:spcBef>
+                <a:spcPct val="0"/>
+              </a:spcBef>
+              <a:spcAft>
+                <a:spcPct val="0"/>
+              </a:spcAft>
+              <a:defRPr kumimoji="1" kern="1200">
+                <a:solidFill>
+                  <a:schemeClr val="tx1"/>
+                </a:solidFill>
+                <a:latin typeface="굴림" charset="-127"/>
+                <a:ea typeface="굴림" charset="-127"/>
+                <a:cs typeface="+mn-cs"/>
+              </a:defRPr>
+            </a:lvl4pPr>
+            <a:lvl5pPr marL="1828800" algn="l" rtl="0" fontAlgn="base" latinLnBrk="1">
+              <a:spcBef>
+                <a:spcPct val="0"/>
+              </a:spcBef>
+              <a:spcAft>
+                <a:spcPct val="0"/>
+              </a:spcAft>
+              <a:defRPr kumimoji="1" kern="1200">
+                <a:solidFill>
+                  <a:schemeClr val="tx1"/>
+                </a:solidFill>
+                <a:latin typeface="굴림" charset="-127"/>
+                <a:ea typeface="굴림" charset="-127"/>
+                <a:cs typeface="+mn-cs"/>
+              </a:defRPr>
+            </a:lvl5pPr>
+            <a:lvl6pPr marL="2286000" algn="l" defTabSz="914400" rtl="0" eaLnBrk="1" latinLnBrk="1" hangingPunct="1">
+              <a:defRPr kumimoji="1" kern="1200">
+                <a:solidFill>
+                  <a:schemeClr val="tx1"/>
+                </a:solidFill>
+                <a:latin typeface="굴림" charset="-127"/>
+                <a:ea typeface="굴림" charset="-127"/>
+                <a:cs typeface="+mn-cs"/>
+              </a:defRPr>
+            </a:lvl6pPr>
+            <a:lvl7pPr marL="2743200" algn="l" defTabSz="914400" rtl="0" eaLnBrk="1" latinLnBrk="1" hangingPunct="1">
+              <a:defRPr kumimoji="1" kern="1200">
+                <a:solidFill>
+                  <a:schemeClr val="tx1"/>
+                </a:solidFill>
+                <a:latin typeface="굴림" charset="-127"/>
+                <a:ea typeface="굴림" charset="-127"/>
+                <a:cs typeface="+mn-cs"/>
+              </a:defRPr>
+            </a:lvl7pPr>
+            <a:lvl8pPr marL="3200400" algn="l" defTabSz="914400" rtl="0" eaLnBrk="1" latinLnBrk="1" hangingPunct="1">
+              <a:defRPr kumimoji="1" kern="1200">
+                <a:solidFill>
+                  <a:schemeClr val="tx1"/>
+                </a:solidFill>
+                <a:latin typeface="굴림" charset="-127"/>
+                <a:ea typeface="굴림" charset="-127"/>
+                <a:cs typeface="+mn-cs"/>
+              </a:defRPr>
+            </a:lvl8pPr>
+            <a:lvl9pPr marL="3657600" algn="l" defTabSz="914400" rtl="0" eaLnBrk="1" latinLnBrk="1" hangingPunct="1">
+              <a:defRPr kumimoji="1" kern="1200">
+                <a:solidFill>
+                  <a:schemeClr val="tx1"/>
+                </a:solidFill>
+                <a:latin typeface="굴림" charset="-127"/>
+                <a:ea typeface="굴림" charset="-127"/>
+                <a:cs typeface="+mn-cs"/>
+              </a:defRPr>
+            </a:lvl9pPr>
+          </a:lstStyle>
+          <a:p>
+            <a:pPr algn="ctr"/>
+            <a:fld id="{DB3245F4-CD3B-4646-9A8D-F52A63463ECC}" type="slidenum">
+              <a:rPr lang="ko-KR" altLang="en-US" smtClean="0"/>
+              <a:pPr algn="ctr"/>
+              <a:t>‹#›</a:t>
+            </a:fld>
+            <a:endParaRPr lang="ko-KR" altLang="en-US" dirty="0"/>
+          </a:p>
+        </p:txBody>
+      </p:sp>
+    </p:spTree>
+    <p:extLst>
+      <p:ext uri="{BB962C8B-B14F-4D97-AF65-F5344CB8AC3E}">
+        <p14:creationId xmlns:p14="http://schemas.microsoft.com/office/powerpoint/2010/main" val="490222230"/>
+      </p:ext>
+    </p:extLst>
+  </p:cSld>
+  <p:clrMapOvr>
+    <a:masterClrMapping/>
+  </p:clrMapOvr>
+</p:sldLayout>
+</file>
+
 <file path=ppt/slideLayouts/slideLayout2.xml><?xml version="1.0" encoding="utf-8"?>
 <p:sldLayout xmlns:a="http://schemas.openxmlformats.org/drawingml/2006/main" xmlns:r="http://schemas.openxmlformats.org/officeDocument/2006/relationships" xmlns:p="http://schemas.openxmlformats.org/presentationml/2006/main" type="obj" preserve="1">
   <p:cSld name="제목 및 내용">
@@ -1981,7 +2205,7 @@
           <a:p>
             <a:fld id="{04E535F5-765F-4B1B-8F15-3F2EB3C823DC}" type="datetimeFigureOut">
               <a:rPr lang="ko-KR" altLang="en-US" smtClean="0"/>
-              <a:t>2020-09-08</a:t>
+              <a:t>2020-09-10</a:t>
             </a:fld>
             <a:endParaRPr lang="ko-KR" altLang="en-US"/>
           </a:p>
@@ -2256,7 +2480,7 @@
           <a:p>
             <a:fld id="{04E535F5-765F-4B1B-8F15-3F2EB3C823DC}" type="datetimeFigureOut">
               <a:rPr lang="ko-KR" altLang="en-US" smtClean="0"/>
-              <a:t>2020-09-08</a:t>
+              <a:t>2020-09-10</a:t>
             </a:fld>
             <a:endParaRPr lang="ko-KR" altLang="en-US"/>
           </a:p>
@@ -2521,7 +2745,7 @@
           <a:p>
             <a:fld id="{04E535F5-765F-4B1B-8F15-3F2EB3C823DC}" type="datetimeFigureOut">
               <a:rPr lang="ko-KR" altLang="en-US" smtClean="0"/>
-              <a:t>2020-09-08</a:t>
+              <a:t>2020-09-10</a:t>
             </a:fld>
             <a:endParaRPr lang="ko-KR" altLang="en-US"/>
           </a:p>
@@ -2933,7 +3157,7 @@
           <a:p>
             <a:fld id="{04E535F5-765F-4B1B-8F15-3F2EB3C823DC}" type="datetimeFigureOut">
               <a:rPr lang="ko-KR" altLang="en-US" smtClean="0"/>
-              <a:t>2020-09-08</a:t>
+              <a:t>2020-09-10</a:t>
             </a:fld>
             <a:endParaRPr lang="ko-KR" altLang="en-US"/>
           </a:p>
@@ -3074,7 +3298,7 @@
           <a:p>
             <a:fld id="{04E535F5-765F-4B1B-8F15-3F2EB3C823DC}" type="datetimeFigureOut">
               <a:rPr lang="ko-KR" altLang="en-US" smtClean="0"/>
-              <a:t>2020-09-08</a:t>
+              <a:t>2020-09-10</a:t>
             </a:fld>
             <a:endParaRPr lang="ko-KR" altLang="en-US"/>
           </a:p>
@@ -3187,7 +3411,7 @@
           <a:p>
             <a:fld id="{04E535F5-765F-4B1B-8F15-3F2EB3C823DC}" type="datetimeFigureOut">
               <a:rPr lang="ko-KR" altLang="en-US" smtClean="0"/>
-              <a:t>2020-09-08</a:t>
+              <a:t>2020-09-10</a:t>
             </a:fld>
             <a:endParaRPr lang="ko-KR" altLang="en-US"/>
           </a:p>
@@ -3498,7 +3722,7 @@
           <a:p>
             <a:fld id="{04E535F5-765F-4B1B-8F15-3F2EB3C823DC}" type="datetimeFigureOut">
               <a:rPr lang="ko-KR" altLang="en-US" smtClean="0"/>
-              <a:t>2020-09-08</a:t>
+              <a:t>2020-09-10</a:t>
             </a:fld>
             <a:endParaRPr lang="ko-KR" altLang="en-US"/>
           </a:p>
@@ -3786,7 +4010,7 @@
           <a:p>
             <a:fld id="{04E535F5-765F-4B1B-8F15-3F2EB3C823DC}" type="datetimeFigureOut">
               <a:rPr lang="ko-KR" altLang="en-US" smtClean="0"/>
-              <a:t>2020-09-08</a:t>
+              <a:t>2020-09-10</a:t>
             </a:fld>
             <a:endParaRPr lang="ko-KR" altLang="en-US"/>
           </a:p>
@@ -4027,7 +4251,7 @@
           <a:p>
             <a:fld id="{04E535F5-765F-4B1B-8F15-3F2EB3C823DC}" type="datetimeFigureOut">
               <a:rPr lang="ko-KR" altLang="en-US" smtClean="0"/>
-              <a:t>2020-09-08</a:t>
+              <a:t>2020-09-10</a:t>
             </a:fld>
             <a:endParaRPr lang="ko-KR" altLang="en-US"/>
           </a:p>
@@ -4145,6 +4369,7 @@
     <p:sldLayoutId id="2147483659" r:id="rId11"/>
     <p:sldLayoutId id="2147483660" r:id="rId12"/>
     <p:sldLayoutId id="2147483661" r:id="rId13"/>
+    <p:sldLayoutId id="2147483662" r:id="rId14"/>
   </p:sldLayoutIdLst>
   <p:txStyles>
     <p:titleStyle>
@@ -12959,6 +13184,4786 @@
 </p:sld>
 </file>
 
+<file path=ppt/slides/slide4.xml><?xml version="1.0" encoding="utf-8"?>
+<p:sld xmlns:a="http://schemas.openxmlformats.org/drawingml/2006/main" xmlns:r="http://schemas.openxmlformats.org/officeDocument/2006/relationships" xmlns:p="http://schemas.openxmlformats.org/presentationml/2006/main">
+  <p:cSld>
+    <p:spTree>
+      <p:nvGrpSpPr>
+        <p:cNvPr id="1" name=""/>
+        <p:cNvGrpSpPr/>
+        <p:nvPr/>
+      </p:nvGrpSpPr>
+      <p:grpSpPr>
+        <a:xfrm>
+          <a:off x="0" y="0"/>
+          <a:ext cx="0" cy="0"/>
+          <a:chOff x="0" y="0"/>
+          <a:chExt cx="0" cy="0"/>
+        </a:xfrm>
+      </p:grpSpPr>
+      <p:sp>
+        <p:nvSpPr>
+          <p:cNvPr id="2" name="제목 1">
+            <a:extLst>
+              <a:ext uri="{FF2B5EF4-FFF2-40B4-BE49-F238E27FC236}">
+                <a16:creationId xmlns:a16="http://schemas.microsoft.com/office/drawing/2014/main" id="{7203ACB8-1E8D-40AF-996F-4D0B7C817228}"/>
+              </a:ext>
+            </a:extLst>
+          </p:cNvPr>
+          <p:cNvSpPr>
+            <a:spLocks noGrp="1"/>
+          </p:cNvSpPr>
+          <p:nvPr>
+            <p:ph type="title"/>
+          </p:nvPr>
+        </p:nvSpPr>
+        <p:spPr>
+          <a:xfrm>
+            <a:off x="838200" y="338493"/>
+            <a:ext cx="10613994" cy="567030"/>
+          </a:xfrm>
+        </p:spPr>
+        <p:txBody>
+          <a:bodyPr>
+            <a:normAutofit fontScale="90000"/>
+          </a:bodyPr>
+          <a:lstStyle/>
+          <a:p>
+            <a:r>
+              <a:rPr lang="ko-KR" altLang="en-US" dirty="0"/>
+              <a:t>워크샵</a:t>
+            </a:r>
+            <a:r>
+              <a:rPr lang="en-US" altLang="ko-KR" dirty="0"/>
+              <a:t>3</a:t>
+            </a:r>
+            <a:r>
+              <a:rPr lang="ko-KR" altLang="en-US" dirty="0"/>
+              <a:t> </a:t>
+            </a:r>
+            <a:r>
+              <a:rPr lang="en-US" altLang="ko-KR" dirty="0"/>
+              <a:t>| </a:t>
+            </a:r>
+            <a:r>
+              <a:rPr lang="ko-KR" altLang="en-US" dirty="0"/>
+              <a:t>분석 사례 개선사항 도출</a:t>
+            </a:r>
+          </a:p>
+        </p:txBody>
+      </p:sp>
+      <p:sp>
+        <p:nvSpPr>
+          <p:cNvPr id="3" name="슬라이드 번호 개체 틀 2">
+            <a:extLst>
+              <a:ext uri="{FF2B5EF4-FFF2-40B4-BE49-F238E27FC236}">
+                <a16:creationId xmlns:a16="http://schemas.microsoft.com/office/drawing/2014/main" id="{4169787A-4440-4624-8C10-07584EE02FD5}"/>
+              </a:ext>
+            </a:extLst>
+          </p:cNvPr>
+          <p:cNvSpPr>
+            <a:spLocks noGrp="1"/>
+          </p:cNvSpPr>
+          <p:nvPr>
+            <p:ph type="sldNum" sz="quarter" idx="4294967295"/>
+          </p:nvPr>
+        </p:nvSpPr>
+        <p:spPr>
+          <a:xfrm>
+            <a:off x="5962650" y="6451004"/>
+            <a:ext cx="266700" cy="309855"/>
+          </a:xfrm>
+        </p:spPr>
+        <p:txBody>
+          <a:bodyPr/>
+          <a:lstStyle/>
+          <a:p>
+            <a:pPr algn="ctr" fontAlgn="base">
+              <a:spcBef>
+                <a:spcPct val="0"/>
+              </a:spcBef>
+              <a:spcAft>
+                <a:spcPct val="0"/>
+              </a:spcAft>
+              <a:defRPr/>
+            </a:pPr>
+            <a:fld id="{DB3245F4-CD3B-4646-9A8D-F52A63463ECC}" type="slidenum">
+              <a:rPr kumimoji="1" lang="ko-KR" altLang="en-US" sz="1100">
+                <a:solidFill>
+                  <a:prstClr val="black">
+                    <a:tint val="75000"/>
+                  </a:prstClr>
+                </a:solidFill>
+                <a:latin typeface="KoPubWorld돋움체 Light" panose="00000300000000000000" pitchFamily="2" charset="-127"/>
+                <a:ea typeface="KoPubWorld돋움체 Light" panose="00000300000000000000" pitchFamily="2" charset="-127"/>
+              </a:rPr>
+              <a:pPr algn="ctr" fontAlgn="base">
+                <a:spcBef>
+                  <a:spcPct val="0"/>
+                </a:spcBef>
+                <a:spcAft>
+                  <a:spcPct val="0"/>
+                </a:spcAft>
+                <a:defRPr/>
+              </a:pPr>
+              <a:t>4</a:t>
+            </a:fld>
+            <a:endParaRPr kumimoji="1" lang="ko-KR" altLang="en-US" sz="1100" dirty="0">
+              <a:solidFill>
+                <a:prstClr val="black">
+                  <a:tint val="75000"/>
+                </a:prstClr>
+              </a:solidFill>
+              <a:latin typeface="KoPubWorld돋움체 Light" panose="00000300000000000000" pitchFamily="2" charset="-127"/>
+              <a:ea typeface="KoPubWorld돋움체 Light" panose="00000300000000000000" pitchFamily="2" charset="-127"/>
+            </a:endParaRPr>
+          </a:p>
+        </p:txBody>
+      </p:sp>
+      <p:graphicFrame>
+        <p:nvGraphicFramePr>
+          <p:cNvPr id="5" name="표 4">
+            <a:extLst>
+              <a:ext uri="{FF2B5EF4-FFF2-40B4-BE49-F238E27FC236}">
+                <a16:creationId xmlns:a16="http://schemas.microsoft.com/office/drawing/2014/main" id="{7BB5841E-CDBC-498A-814E-B342BCCDCB00}"/>
+              </a:ext>
+            </a:extLst>
+          </p:cNvPr>
+          <p:cNvGraphicFramePr>
+            <a:graphicFrameLocks noGrp="1"/>
+          </p:cNvGraphicFramePr>
+          <p:nvPr>
+            <p:extLst>
+              <p:ext uri="{D42A27DB-BD31-4B8C-83A1-F6EECF244321}">
+                <p14:modId xmlns:p14="http://schemas.microsoft.com/office/powerpoint/2010/main" val="3102731258"/>
+              </p:ext>
+            </p:extLst>
+          </p:nvPr>
+        </p:nvGraphicFramePr>
+        <p:xfrm>
+          <a:off x="1397477" y="980728"/>
+          <a:ext cx="9397044" cy="5865852"/>
+        </p:xfrm>
+        <a:graphic>
+          <a:graphicData uri="http://schemas.openxmlformats.org/drawingml/2006/table">
+            <a:tbl>
+              <a:tblPr firstRow="1" bandRow="1">
+                <a:tableStyleId>{5C22544A-7EE6-4342-B048-85BDC9FD1C3A}</a:tableStyleId>
+              </a:tblPr>
+              <a:tblGrid>
+                <a:gridCol w="1602179">
+                  <a:extLst>
+                    <a:ext uri="{9D8B030D-6E8A-4147-A177-3AD203B41FA5}">
+                      <a16:colId xmlns:a16="http://schemas.microsoft.com/office/drawing/2014/main" val="20000"/>
+                    </a:ext>
+                  </a:extLst>
+                </a:gridCol>
+                <a:gridCol w="993197">
+                  <a:extLst>
+                    <a:ext uri="{9D8B030D-6E8A-4147-A177-3AD203B41FA5}">
+                      <a16:colId xmlns:a16="http://schemas.microsoft.com/office/drawing/2014/main" val="20001"/>
+                    </a:ext>
+                  </a:extLst>
+                </a:gridCol>
+                <a:gridCol w="1700417">
+                  <a:extLst>
+                    <a:ext uri="{9D8B030D-6E8A-4147-A177-3AD203B41FA5}">
+                      <a16:colId xmlns:a16="http://schemas.microsoft.com/office/drawing/2014/main" val="20002"/>
+                    </a:ext>
+                  </a:extLst>
+                </a:gridCol>
+                <a:gridCol w="1700417">
+                  <a:extLst>
+                    <a:ext uri="{9D8B030D-6E8A-4147-A177-3AD203B41FA5}">
+                      <a16:colId xmlns:a16="http://schemas.microsoft.com/office/drawing/2014/main" val="20003"/>
+                    </a:ext>
+                  </a:extLst>
+                </a:gridCol>
+                <a:gridCol w="1700417">
+                  <a:extLst>
+                    <a:ext uri="{9D8B030D-6E8A-4147-A177-3AD203B41FA5}">
+                      <a16:colId xmlns:a16="http://schemas.microsoft.com/office/drawing/2014/main" val="20004"/>
+                    </a:ext>
+                  </a:extLst>
+                </a:gridCol>
+                <a:gridCol w="1700417">
+                  <a:extLst>
+                    <a:ext uri="{9D8B030D-6E8A-4147-A177-3AD203B41FA5}">
+                      <a16:colId xmlns:a16="http://schemas.microsoft.com/office/drawing/2014/main" val="20005"/>
+                    </a:ext>
+                  </a:extLst>
+                </a:gridCol>
+              </a:tblGrid>
+              <a:tr h="1063404">
+                <a:tc gridSpan="2">
+                  <a:txBody>
+                    <a:bodyPr/>
+                    <a:lstStyle/>
+                    <a:p>
+                      <a:pPr algn="ctr" latinLnBrk="1"/>
+                      <a:r>
+                        <a:rPr lang="ko-KR" altLang="en-US" sz="1100" b="0" dirty="0">
+                          <a:solidFill>
+                            <a:schemeClr val="tx1"/>
+                          </a:solidFill>
+                          <a:latin typeface="KoPubWorld돋움체 Medium" panose="00000600000000000000" pitchFamily="2" charset="-127"/>
+                          <a:ea typeface="KoPubWorld돋움체 Medium" panose="00000600000000000000" pitchFamily="2" charset="-127"/>
+                          <a:cs typeface="KoPubWorld돋움체 Medium" panose="00000600000000000000" pitchFamily="2" charset="-127"/>
+                        </a:rPr>
+                        <a:t>분석사례</a:t>
+                      </a:r>
+                    </a:p>
+                  </a:txBody>
+                  <a:tcPr marL="95991" marR="95991" marT="0" marB="0" anchor="ctr">
+                    <a:lnL w="12700" cap="flat" cmpd="sng" algn="ctr">
+                      <a:solidFill>
+                        <a:schemeClr val="bg2">
+                          <a:lumMod val="50000"/>
+                        </a:schemeClr>
+                      </a:solidFill>
+                      <a:prstDash val="solid"/>
+                      <a:round/>
+                      <a:headEnd type="none" w="med" len="med"/>
+                      <a:tailEnd type="none" w="med" len="med"/>
+                    </a:lnL>
+                    <a:lnR w="12700" cap="flat" cmpd="sng" algn="ctr">
+                      <a:solidFill>
+                        <a:schemeClr val="bg2">
+                          <a:lumMod val="50000"/>
+                        </a:schemeClr>
+                      </a:solidFill>
+                      <a:prstDash val="solid"/>
+                      <a:round/>
+                      <a:headEnd type="none" w="med" len="med"/>
+                      <a:tailEnd type="none" w="med" len="med"/>
+                    </a:lnR>
+                    <a:lnT w="12700" cap="flat" cmpd="sng" algn="ctr">
+                      <a:solidFill>
+                        <a:schemeClr val="bg2">
+                          <a:lumMod val="50000"/>
+                        </a:schemeClr>
+                      </a:solidFill>
+                      <a:prstDash val="solid"/>
+                      <a:round/>
+                      <a:headEnd type="none" w="med" len="med"/>
+                      <a:tailEnd type="none" w="med" len="med"/>
+                    </a:lnT>
+                    <a:lnB w="12700" cap="flat" cmpd="sng" algn="ctr">
+                      <a:solidFill>
+                        <a:schemeClr val="bg2">
+                          <a:lumMod val="50000"/>
+                        </a:schemeClr>
+                      </a:solidFill>
+                      <a:prstDash val="solid"/>
+                      <a:round/>
+                      <a:headEnd type="none" w="med" len="med"/>
+                      <a:tailEnd type="none" w="med" len="med"/>
+                    </a:lnB>
+                    <a:solidFill>
+                      <a:schemeClr val="bg1">
+                        <a:lumMod val="85000"/>
+                      </a:schemeClr>
+                    </a:solidFill>
+                  </a:tcPr>
+                </a:tc>
+                <a:tc hMerge="1">
+                  <a:txBody>
+                    <a:bodyPr/>
+                    <a:lstStyle/>
+                    <a:p>
+                      <a:pPr algn="ctr" latinLnBrk="1"/>
+                      <a:endParaRPr lang="ko-KR" altLang="en-US" sz="1050" b="0" dirty="0">
+                        <a:solidFill>
+                          <a:schemeClr val="tx1"/>
+                        </a:solidFill>
+                        <a:latin typeface="KoPubWorld돋움체 Medium" panose="00000600000000000000" pitchFamily="2" charset="-127"/>
+                        <a:ea typeface="KoPubWorld돋움체 Medium" panose="00000600000000000000" pitchFamily="2" charset="-127"/>
+                        <a:cs typeface="KoPubWorld돋움체 Medium" panose="00000600000000000000" pitchFamily="2" charset="-127"/>
+                      </a:endParaRPr>
+                    </a:p>
+                  </a:txBody>
+                  <a:tcPr marL="95991" marR="95991" marT="0" marB="0" anchor="ctr">
+                    <a:lnL w="12700" cap="flat" cmpd="sng" algn="ctr">
+                      <a:solidFill>
+                        <a:schemeClr val="bg2">
+                          <a:lumMod val="50000"/>
+                        </a:schemeClr>
+                      </a:solidFill>
+                      <a:prstDash val="solid"/>
+                      <a:round/>
+                      <a:headEnd type="none" w="med" len="med"/>
+                      <a:tailEnd type="none" w="med" len="med"/>
+                    </a:lnL>
+                    <a:lnR w="12700" cap="flat" cmpd="sng" algn="ctr">
+                      <a:solidFill>
+                        <a:schemeClr val="bg2">
+                          <a:lumMod val="50000"/>
+                        </a:schemeClr>
+                      </a:solidFill>
+                      <a:prstDash val="solid"/>
+                      <a:round/>
+                      <a:headEnd type="none" w="med" len="med"/>
+                      <a:tailEnd type="none" w="med" len="med"/>
+                    </a:lnR>
+                    <a:lnT w="12700" cap="flat" cmpd="sng" algn="ctr">
+                      <a:solidFill>
+                        <a:schemeClr val="bg2">
+                          <a:lumMod val="50000"/>
+                        </a:schemeClr>
+                      </a:solidFill>
+                      <a:prstDash val="solid"/>
+                      <a:round/>
+                      <a:headEnd type="none" w="med" len="med"/>
+                      <a:tailEnd type="none" w="med" len="med"/>
+                    </a:lnT>
+                    <a:lnB w="12700" cap="flat" cmpd="sng" algn="ctr">
+                      <a:solidFill>
+                        <a:schemeClr val="bg2">
+                          <a:lumMod val="50000"/>
+                        </a:schemeClr>
+                      </a:solidFill>
+                      <a:prstDash val="solid"/>
+                      <a:round/>
+                      <a:headEnd type="none" w="med" len="med"/>
+                      <a:tailEnd type="none" w="med" len="med"/>
+                    </a:lnB>
+                    <a:solidFill>
+                      <a:schemeClr val="bg1">
+                        <a:lumMod val="85000"/>
+                      </a:schemeClr>
+                    </a:solidFill>
+                  </a:tcPr>
+                </a:tc>
+                <a:tc>
+                  <a:txBody>
+                    <a:bodyPr/>
+                    <a:lstStyle/>
+                    <a:p>
+                      <a:pPr algn="ctr" latinLnBrk="1"/>
+                      <a:r>
+                        <a:rPr lang="ko-KR" altLang="en-US" sz="1050" b="0" dirty="0">
+                          <a:solidFill>
+                            <a:schemeClr val="tx1"/>
+                          </a:solidFill>
+                          <a:latin typeface="KoPubWorld돋움체 Medium" panose="00000600000000000000" pitchFamily="2" charset="-127"/>
+                          <a:ea typeface="KoPubWorld돋움체 Medium" panose="00000600000000000000" pitchFamily="2" charset="-127"/>
+                          <a:cs typeface="KoPubWorld돋움체 Medium" panose="00000600000000000000" pitchFamily="2" charset="-127"/>
+                        </a:rPr>
+                        <a:t>분석 모델 설계 관점</a:t>
+                      </a:r>
+                      <a:endParaRPr lang="en-US" altLang="ko-KR" sz="1050" b="0" dirty="0">
+                        <a:solidFill>
+                          <a:schemeClr val="tx1"/>
+                        </a:solidFill>
+                        <a:latin typeface="KoPubWorld돋움체 Medium" panose="00000600000000000000" pitchFamily="2" charset="-127"/>
+                        <a:ea typeface="KoPubWorld돋움체 Medium" panose="00000600000000000000" pitchFamily="2" charset="-127"/>
+                        <a:cs typeface="KoPubWorld돋움체 Medium" panose="00000600000000000000" pitchFamily="2" charset="-127"/>
+                      </a:endParaRPr>
+                    </a:p>
+                    <a:p>
+                      <a:pPr algn="ctr" latinLnBrk="1"/>
+                      <a:r>
+                        <a:rPr lang="en-US" altLang="ko-KR" sz="1050" b="0" dirty="0">
+                          <a:solidFill>
+                            <a:schemeClr val="tx1"/>
+                          </a:solidFill>
+                          <a:latin typeface="KoPubWorld돋움체 Medium" panose="00000600000000000000" pitchFamily="2" charset="-127"/>
+                          <a:ea typeface="KoPubWorld돋움체 Medium" panose="00000600000000000000" pitchFamily="2" charset="-127"/>
+                          <a:cs typeface="KoPubWorld돋움체 Medium" panose="00000600000000000000" pitchFamily="2" charset="-127"/>
+                        </a:rPr>
+                        <a:t>(ex. OOO</a:t>
+                      </a:r>
+                      <a:r>
+                        <a:rPr lang="ko-KR" altLang="en-US" sz="1050" b="0" dirty="0">
+                          <a:solidFill>
+                            <a:schemeClr val="tx1"/>
+                          </a:solidFill>
+                          <a:latin typeface="KoPubWorld돋움체 Medium" panose="00000600000000000000" pitchFamily="2" charset="-127"/>
+                          <a:ea typeface="KoPubWorld돋움체 Medium" panose="00000600000000000000" pitchFamily="2" charset="-127"/>
+                          <a:cs typeface="KoPubWorld돋움체 Medium" panose="00000600000000000000" pitchFamily="2" charset="-127"/>
+                        </a:rPr>
+                        <a:t>현황분석 미흡</a:t>
+                      </a:r>
+                      <a:r>
+                        <a:rPr lang="en-US" altLang="ko-KR" sz="1050" b="0" dirty="0">
+                          <a:solidFill>
+                            <a:schemeClr val="tx1"/>
+                          </a:solidFill>
+                          <a:latin typeface="KoPubWorld돋움체 Medium" panose="00000600000000000000" pitchFamily="2" charset="-127"/>
+                          <a:ea typeface="KoPubWorld돋움체 Medium" panose="00000600000000000000" pitchFamily="2" charset="-127"/>
+                          <a:cs typeface="KoPubWorld돋움체 Medium" panose="00000600000000000000" pitchFamily="2" charset="-127"/>
+                        </a:rPr>
+                        <a:t>)</a:t>
+                      </a:r>
+                      <a:endParaRPr lang="ko-KR" altLang="en-US" sz="1050" b="0" dirty="0">
+                        <a:solidFill>
+                          <a:schemeClr val="tx1"/>
+                        </a:solidFill>
+                        <a:latin typeface="KoPubWorld돋움체 Medium" panose="00000600000000000000" pitchFamily="2" charset="-127"/>
+                        <a:ea typeface="KoPubWorld돋움체 Medium" panose="00000600000000000000" pitchFamily="2" charset="-127"/>
+                        <a:cs typeface="KoPubWorld돋움체 Medium" panose="00000600000000000000" pitchFamily="2" charset="-127"/>
+                      </a:endParaRPr>
+                    </a:p>
+                  </a:txBody>
+                  <a:tcPr marL="95991" marR="95991" marT="0" marB="0" anchor="ctr">
+                    <a:lnL w="12700" cap="flat" cmpd="sng" algn="ctr">
+                      <a:solidFill>
+                        <a:schemeClr val="bg2">
+                          <a:lumMod val="50000"/>
+                        </a:schemeClr>
+                      </a:solidFill>
+                      <a:prstDash val="solid"/>
+                      <a:round/>
+                      <a:headEnd type="none" w="med" len="med"/>
+                      <a:tailEnd type="none" w="med" len="med"/>
+                    </a:lnL>
+                    <a:lnR w="12700" cap="flat" cmpd="sng" algn="ctr">
+                      <a:solidFill>
+                        <a:schemeClr val="bg2">
+                          <a:lumMod val="50000"/>
+                        </a:schemeClr>
+                      </a:solidFill>
+                      <a:prstDash val="solid"/>
+                      <a:round/>
+                      <a:headEnd type="none" w="med" len="med"/>
+                      <a:tailEnd type="none" w="med" len="med"/>
+                    </a:lnR>
+                    <a:lnT w="12700" cap="flat" cmpd="sng" algn="ctr">
+                      <a:solidFill>
+                        <a:schemeClr val="bg2">
+                          <a:lumMod val="50000"/>
+                        </a:schemeClr>
+                      </a:solidFill>
+                      <a:prstDash val="solid"/>
+                      <a:round/>
+                      <a:headEnd type="none" w="med" len="med"/>
+                      <a:tailEnd type="none" w="med" len="med"/>
+                    </a:lnT>
+                    <a:lnB w="12700" cap="flat" cmpd="sng" algn="ctr">
+                      <a:solidFill>
+                        <a:schemeClr val="bg2">
+                          <a:lumMod val="50000"/>
+                        </a:schemeClr>
+                      </a:solidFill>
+                      <a:prstDash val="solid"/>
+                      <a:round/>
+                      <a:headEnd type="none" w="med" len="med"/>
+                      <a:tailEnd type="none" w="med" len="med"/>
+                    </a:lnB>
+                    <a:solidFill>
+                      <a:schemeClr val="bg1">
+                        <a:lumMod val="85000"/>
+                      </a:schemeClr>
+                    </a:solidFill>
+                  </a:tcPr>
+                </a:tc>
+                <a:tc>
+                  <a:txBody>
+                    <a:bodyPr/>
+                    <a:lstStyle/>
+                    <a:p>
+                      <a:pPr algn="ctr" latinLnBrk="1"/>
+                      <a:r>
+                        <a:rPr lang="ko-KR" altLang="en-US" sz="1050" b="0" dirty="0">
+                          <a:solidFill>
+                            <a:schemeClr val="tx1"/>
+                          </a:solidFill>
+                          <a:latin typeface="KoPubWorld돋움체 Medium" panose="00000600000000000000" pitchFamily="2" charset="-127"/>
+                          <a:ea typeface="KoPubWorld돋움체 Medium" panose="00000600000000000000" pitchFamily="2" charset="-127"/>
+                          <a:cs typeface="KoPubWorld돋움체 Medium" panose="00000600000000000000" pitchFamily="2" charset="-127"/>
+                        </a:rPr>
+                        <a:t>데이터 수집</a:t>
+                      </a:r>
+                      <a:r>
+                        <a:rPr lang="en-US" altLang="ko-KR" sz="1050" b="0" dirty="0">
+                          <a:solidFill>
+                            <a:schemeClr val="tx1"/>
+                          </a:solidFill>
+                          <a:latin typeface="KoPubWorld돋움체 Medium" panose="00000600000000000000" pitchFamily="2" charset="-127"/>
+                          <a:ea typeface="KoPubWorld돋움체 Medium" panose="00000600000000000000" pitchFamily="2" charset="-127"/>
+                          <a:cs typeface="KoPubWorld돋움체 Medium" panose="00000600000000000000" pitchFamily="2" charset="-127"/>
+                        </a:rPr>
+                        <a:t>/</a:t>
+                      </a:r>
+                      <a:r>
+                        <a:rPr lang="ko-KR" altLang="en-US" sz="1050" b="0" dirty="0">
+                          <a:solidFill>
+                            <a:schemeClr val="tx1"/>
+                          </a:solidFill>
+                          <a:latin typeface="KoPubWorld돋움체 Medium" panose="00000600000000000000" pitchFamily="2" charset="-127"/>
+                          <a:ea typeface="KoPubWorld돋움체 Medium" panose="00000600000000000000" pitchFamily="2" charset="-127"/>
+                          <a:cs typeface="KoPubWorld돋움체 Medium" panose="00000600000000000000" pitchFamily="2" charset="-127"/>
+                        </a:rPr>
+                        <a:t>활용 관점</a:t>
+                      </a:r>
+                      <a:endParaRPr lang="en-US" altLang="ko-KR" sz="1050" b="0" dirty="0">
+                        <a:solidFill>
+                          <a:schemeClr val="tx1"/>
+                        </a:solidFill>
+                        <a:latin typeface="KoPubWorld돋움체 Medium" panose="00000600000000000000" pitchFamily="2" charset="-127"/>
+                        <a:ea typeface="KoPubWorld돋움체 Medium" panose="00000600000000000000" pitchFamily="2" charset="-127"/>
+                        <a:cs typeface="KoPubWorld돋움체 Medium" panose="00000600000000000000" pitchFamily="2" charset="-127"/>
+                      </a:endParaRPr>
+                    </a:p>
+                    <a:p>
+                      <a:pPr algn="ctr" latinLnBrk="1"/>
+                      <a:r>
+                        <a:rPr lang="en-US" altLang="ko-KR" sz="1000" b="0" dirty="0">
+                          <a:solidFill>
+                            <a:schemeClr val="tx1"/>
+                          </a:solidFill>
+                          <a:latin typeface="KoPubWorld돋움체 Medium" panose="00000600000000000000" pitchFamily="2" charset="-127"/>
+                          <a:ea typeface="KoPubWorld돋움체 Medium" panose="00000600000000000000" pitchFamily="2" charset="-127"/>
+                          <a:cs typeface="KoPubWorld돋움체 Medium" panose="00000600000000000000" pitchFamily="2" charset="-127"/>
+                        </a:rPr>
+                        <a:t>(ex. </a:t>
+                      </a:r>
+                      <a:r>
+                        <a:rPr lang="ko-KR" altLang="en-US" sz="1000" b="0" dirty="0">
+                          <a:solidFill>
+                            <a:schemeClr val="tx1"/>
+                          </a:solidFill>
+                          <a:latin typeface="KoPubWorld돋움체 Medium" panose="00000600000000000000" pitchFamily="2" charset="-127"/>
+                          <a:ea typeface="KoPubWorld돋움체 Medium" panose="00000600000000000000" pitchFamily="2" charset="-127"/>
+                          <a:cs typeface="KoPubWorld돋움체 Medium" panose="00000600000000000000" pitchFamily="2" charset="-127"/>
+                        </a:rPr>
+                        <a:t>서비스는 </a:t>
+                      </a:r>
+                      <a:r>
+                        <a:rPr lang="en-US" altLang="ko-KR" sz="1000" b="0" dirty="0">
+                          <a:solidFill>
+                            <a:schemeClr val="tx1"/>
+                          </a:solidFill>
+                          <a:latin typeface="KoPubWorld돋움체 Medium" panose="00000600000000000000" pitchFamily="2" charset="-127"/>
+                          <a:ea typeface="KoPubWorld돋움체 Medium" panose="00000600000000000000" pitchFamily="2" charset="-127"/>
+                          <a:cs typeface="KoPubWorld돋움체 Medium" panose="00000600000000000000" pitchFamily="2" charset="-127"/>
+                        </a:rPr>
+                        <a:t>1</a:t>
+                      </a:r>
+                      <a:r>
+                        <a:rPr lang="ko-KR" altLang="en-US" sz="1000" b="0" dirty="0">
+                          <a:solidFill>
+                            <a:schemeClr val="tx1"/>
+                          </a:solidFill>
+                          <a:latin typeface="KoPubWorld돋움체 Medium" panose="00000600000000000000" pitchFamily="2" charset="-127"/>
+                          <a:ea typeface="KoPubWorld돋움체 Medium" panose="00000600000000000000" pitchFamily="2" charset="-127"/>
+                          <a:cs typeface="KoPubWorld돋움체 Medium" panose="00000600000000000000" pitchFamily="2" charset="-127"/>
+                        </a:rPr>
+                        <a:t>시간 단위가 </a:t>
+                      </a:r>
+                      <a:r>
+                        <a:rPr lang="ko-KR" altLang="en-US" sz="1000" b="0" dirty="0" err="1">
+                          <a:solidFill>
+                            <a:schemeClr val="tx1"/>
+                          </a:solidFill>
+                          <a:latin typeface="KoPubWorld돋움체 Medium" panose="00000600000000000000" pitchFamily="2" charset="-127"/>
+                          <a:ea typeface="KoPubWorld돋움체 Medium" panose="00000600000000000000" pitchFamily="2" charset="-127"/>
+                          <a:cs typeface="KoPubWorld돋움체 Medium" panose="00000600000000000000" pitchFamily="2" charset="-127"/>
+                        </a:rPr>
+                        <a:t>의미있으나</a:t>
+                      </a:r>
+                      <a:r>
+                        <a:rPr lang="ko-KR" altLang="en-US" sz="1000" b="0" dirty="0">
+                          <a:solidFill>
+                            <a:schemeClr val="tx1"/>
+                          </a:solidFill>
+                          <a:latin typeface="KoPubWorld돋움체 Medium" panose="00000600000000000000" pitchFamily="2" charset="-127"/>
+                          <a:ea typeface="KoPubWorld돋움체 Medium" panose="00000600000000000000" pitchFamily="2" charset="-127"/>
+                          <a:cs typeface="KoPubWorld돋움체 Medium" panose="00000600000000000000" pitchFamily="2" charset="-127"/>
+                        </a:rPr>
+                        <a:t> 데이터가 </a:t>
+                      </a:r>
+                      <a:r>
+                        <a:rPr lang="en-US" altLang="ko-KR" sz="1000" b="0" dirty="0">
+                          <a:solidFill>
+                            <a:schemeClr val="tx1"/>
+                          </a:solidFill>
+                          <a:latin typeface="KoPubWorld돋움체 Medium" panose="00000600000000000000" pitchFamily="2" charset="-127"/>
+                          <a:ea typeface="KoPubWorld돋움체 Medium" panose="00000600000000000000" pitchFamily="2" charset="-127"/>
+                          <a:cs typeface="KoPubWorld돋움체 Medium" panose="00000600000000000000" pitchFamily="2" charset="-127"/>
+                        </a:rPr>
+                        <a:t>1</a:t>
+                      </a:r>
+                      <a:r>
+                        <a:rPr lang="ko-KR" altLang="en-US" sz="1000" b="0" dirty="0" err="1">
+                          <a:solidFill>
+                            <a:schemeClr val="tx1"/>
+                          </a:solidFill>
+                          <a:latin typeface="KoPubWorld돋움체 Medium" panose="00000600000000000000" pitchFamily="2" charset="-127"/>
+                          <a:ea typeface="KoPubWorld돋움체 Medium" panose="00000600000000000000" pitchFamily="2" charset="-127"/>
+                          <a:cs typeface="KoPubWorld돋움체 Medium" panose="00000600000000000000" pitchFamily="2" charset="-127"/>
+                        </a:rPr>
+                        <a:t>일단위</a:t>
+                      </a:r>
+                      <a:r>
+                        <a:rPr lang="ko-KR" altLang="en-US" sz="1000" b="0" dirty="0">
+                          <a:solidFill>
+                            <a:schemeClr val="tx1"/>
+                          </a:solidFill>
+                          <a:latin typeface="KoPubWorld돋움체 Medium" panose="00000600000000000000" pitchFamily="2" charset="-127"/>
+                          <a:ea typeface="KoPubWorld돋움체 Medium" panose="00000600000000000000" pitchFamily="2" charset="-127"/>
+                          <a:cs typeface="KoPubWorld돋움체 Medium" panose="00000600000000000000" pitchFamily="2" charset="-127"/>
+                        </a:rPr>
+                        <a:t> 데이터가 사용됨</a:t>
+                      </a:r>
+                      <a:r>
+                        <a:rPr lang="en-US" altLang="ko-KR" sz="1000" b="0" dirty="0">
+                          <a:solidFill>
+                            <a:schemeClr val="tx1"/>
+                          </a:solidFill>
+                          <a:latin typeface="KoPubWorld돋움체 Medium" panose="00000600000000000000" pitchFamily="2" charset="-127"/>
+                          <a:ea typeface="KoPubWorld돋움체 Medium" panose="00000600000000000000" pitchFamily="2" charset="-127"/>
+                          <a:cs typeface="KoPubWorld돋움체 Medium" panose="00000600000000000000" pitchFamily="2" charset="-127"/>
+                        </a:rPr>
+                        <a:t>)</a:t>
+                      </a:r>
+                      <a:endParaRPr lang="ko-KR" altLang="en-US" sz="1000" b="0" dirty="0">
+                        <a:solidFill>
+                          <a:schemeClr val="tx1"/>
+                        </a:solidFill>
+                        <a:latin typeface="KoPubWorld돋움체 Medium" panose="00000600000000000000" pitchFamily="2" charset="-127"/>
+                        <a:ea typeface="KoPubWorld돋움체 Medium" panose="00000600000000000000" pitchFamily="2" charset="-127"/>
+                        <a:cs typeface="KoPubWorld돋움체 Medium" panose="00000600000000000000" pitchFamily="2" charset="-127"/>
+                      </a:endParaRPr>
+                    </a:p>
+                  </a:txBody>
+                  <a:tcPr marL="95991" marR="95991" marT="0" marB="0" anchor="ctr">
+                    <a:lnL w="12700" cap="flat" cmpd="sng" algn="ctr">
+                      <a:solidFill>
+                        <a:schemeClr val="bg2">
+                          <a:lumMod val="50000"/>
+                        </a:schemeClr>
+                      </a:solidFill>
+                      <a:prstDash val="solid"/>
+                      <a:round/>
+                      <a:headEnd type="none" w="med" len="med"/>
+                      <a:tailEnd type="none" w="med" len="med"/>
+                    </a:lnL>
+                    <a:lnR w="12700" cap="flat" cmpd="sng" algn="ctr">
+                      <a:solidFill>
+                        <a:schemeClr val="bg2">
+                          <a:lumMod val="50000"/>
+                        </a:schemeClr>
+                      </a:solidFill>
+                      <a:prstDash val="solid"/>
+                      <a:round/>
+                      <a:headEnd type="none" w="med" len="med"/>
+                      <a:tailEnd type="none" w="med" len="med"/>
+                    </a:lnR>
+                    <a:lnT w="12700" cap="flat" cmpd="sng" algn="ctr">
+                      <a:solidFill>
+                        <a:schemeClr val="bg2">
+                          <a:lumMod val="50000"/>
+                        </a:schemeClr>
+                      </a:solidFill>
+                      <a:prstDash val="solid"/>
+                      <a:round/>
+                      <a:headEnd type="none" w="med" len="med"/>
+                      <a:tailEnd type="none" w="med" len="med"/>
+                    </a:lnT>
+                    <a:lnB w="12700" cap="flat" cmpd="sng" algn="ctr">
+                      <a:solidFill>
+                        <a:schemeClr val="bg2">
+                          <a:lumMod val="50000"/>
+                        </a:schemeClr>
+                      </a:solidFill>
+                      <a:prstDash val="solid"/>
+                      <a:round/>
+                      <a:headEnd type="none" w="med" len="med"/>
+                      <a:tailEnd type="none" w="med" len="med"/>
+                    </a:lnB>
+                    <a:solidFill>
+                      <a:schemeClr val="bg1">
+                        <a:lumMod val="85000"/>
+                      </a:schemeClr>
+                    </a:solidFill>
+                  </a:tcPr>
+                </a:tc>
+                <a:tc>
+                  <a:txBody>
+                    <a:bodyPr/>
+                    <a:lstStyle/>
+                    <a:p>
+                      <a:pPr algn="ctr" latinLnBrk="1"/>
+                      <a:r>
+                        <a:rPr lang="ko-KR" altLang="en-US" sz="1050" b="0" dirty="0">
+                          <a:solidFill>
+                            <a:schemeClr val="tx1"/>
+                          </a:solidFill>
+                          <a:latin typeface="KoPubWorld돋움체 Medium" panose="00000600000000000000" pitchFamily="2" charset="-127"/>
+                          <a:ea typeface="KoPubWorld돋움체 Medium" panose="00000600000000000000" pitchFamily="2" charset="-127"/>
+                          <a:cs typeface="KoPubWorld돋움체 Medium" panose="00000600000000000000" pitchFamily="2" charset="-127"/>
+                        </a:rPr>
+                        <a:t>활용된 분석모델 관점</a:t>
+                      </a:r>
+                      <a:endParaRPr lang="en-US" altLang="ko-KR" sz="1050" b="0" dirty="0">
+                        <a:solidFill>
+                          <a:schemeClr val="tx1"/>
+                        </a:solidFill>
+                        <a:latin typeface="KoPubWorld돋움체 Medium" panose="00000600000000000000" pitchFamily="2" charset="-127"/>
+                        <a:ea typeface="KoPubWorld돋움체 Medium" panose="00000600000000000000" pitchFamily="2" charset="-127"/>
+                        <a:cs typeface="KoPubWorld돋움체 Medium" panose="00000600000000000000" pitchFamily="2" charset="-127"/>
+                      </a:endParaRPr>
+                    </a:p>
+                    <a:p>
+                      <a:pPr algn="ctr" latinLnBrk="1"/>
+                      <a:r>
+                        <a:rPr lang="en-US" altLang="ko-KR" sz="1050" b="0" dirty="0">
+                          <a:solidFill>
+                            <a:schemeClr val="tx1"/>
+                          </a:solidFill>
+                          <a:latin typeface="KoPubWorld돋움체 Medium" panose="00000600000000000000" pitchFamily="2" charset="-127"/>
+                          <a:ea typeface="KoPubWorld돋움체 Medium" panose="00000600000000000000" pitchFamily="2" charset="-127"/>
+                          <a:cs typeface="KoPubWorld돋움체 Medium" panose="00000600000000000000" pitchFamily="2" charset="-127"/>
+                        </a:rPr>
+                        <a:t>(ex. </a:t>
+                      </a:r>
+                      <a:r>
+                        <a:rPr lang="ko-KR" altLang="en-US" sz="1050" b="0" dirty="0">
+                          <a:solidFill>
+                            <a:schemeClr val="tx1"/>
+                          </a:solidFill>
+                          <a:latin typeface="KoPubWorld돋움체 Medium" panose="00000600000000000000" pitchFamily="2" charset="-127"/>
+                          <a:ea typeface="KoPubWorld돋움체 Medium" panose="00000600000000000000" pitchFamily="2" charset="-127"/>
+                          <a:cs typeface="KoPubWorld돋움체 Medium" panose="00000600000000000000" pitchFamily="2" charset="-127"/>
+                        </a:rPr>
+                        <a:t>회귀모형은 과거데이터를 기반으로 하므로 현상 데이터가 변할 경우 모델예측도가 떨어짐</a:t>
+                      </a:r>
+                      <a:r>
+                        <a:rPr lang="en-US" altLang="ko-KR" sz="1050" b="0" dirty="0">
+                          <a:solidFill>
+                            <a:schemeClr val="tx1"/>
+                          </a:solidFill>
+                          <a:latin typeface="KoPubWorld돋움체 Medium" panose="00000600000000000000" pitchFamily="2" charset="-127"/>
+                          <a:ea typeface="KoPubWorld돋움체 Medium" panose="00000600000000000000" pitchFamily="2" charset="-127"/>
+                          <a:cs typeface="KoPubWorld돋움체 Medium" panose="00000600000000000000" pitchFamily="2" charset="-127"/>
+                        </a:rPr>
+                        <a:t>. </a:t>
+                      </a:r>
+                      <a:r>
+                        <a:rPr lang="ko-KR" altLang="en-US" sz="1050" b="0" dirty="0" err="1">
+                          <a:solidFill>
+                            <a:schemeClr val="tx1"/>
+                          </a:solidFill>
+                          <a:latin typeface="KoPubWorld돋움체 Medium" panose="00000600000000000000" pitchFamily="2" charset="-127"/>
+                          <a:ea typeface="KoPubWorld돋움체 Medium" panose="00000600000000000000" pitchFamily="2" charset="-127"/>
+                          <a:cs typeface="KoPubWorld돋움체 Medium" panose="00000600000000000000" pitchFamily="2" charset="-127"/>
+                        </a:rPr>
+                        <a:t>머신러닝</a:t>
+                      </a:r>
+                      <a:r>
+                        <a:rPr lang="ko-KR" altLang="en-US" sz="1050" b="0" dirty="0">
+                          <a:solidFill>
+                            <a:schemeClr val="tx1"/>
+                          </a:solidFill>
+                          <a:latin typeface="KoPubWorld돋움체 Medium" panose="00000600000000000000" pitchFamily="2" charset="-127"/>
+                          <a:ea typeface="KoPubWorld돋움체 Medium" panose="00000600000000000000" pitchFamily="2" charset="-127"/>
+                          <a:cs typeface="KoPubWorld돋움체 Medium" panose="00000600000000000000" pitchFamily="2" charset="-127"/>
+                        </a:rPr>
+                        <a:t> 적용 필요</a:t>
+                      </a:r>
+                      <a:r>
+                        <a:rPr lang="en-US" altLang="ko-KR" sz="1050" b="0" dirty="0">
+                          <a:solidFill>
+                            <a:schemeClr val="tx1"/>
+                          </a:solidFill>
+                          <a:latin typeface="KoPubWorld돋움체 Medium" panose="00000600000000000000" pitchFamily="2" charset="-127"/>
+                          <a:ea typeface="KoPubWorld돋움체 Medium" panose="00000600000000000000" pitchFamily="2" charset="-127"/>
+                          <a:cs typeface="KoPubWorld돋움체 Medium" panose="00000600000000000000" pitchFamily="2" charset="-127"/>
+                        </a:rPr>
+                        <a:t>)</a:t>
+                      </a:r>
+                      <a:endParaRPr lang="ko-KR" altLang="en-US" sz="1050" b="0" dirty="0">
+                        <a:solidFill>
+                          <a:schemeClr val="tx1"/>
+                        </a:solidFill>
+                        <a:latin typeface="KoPubWorld돋움체 Medium" panose="00000600000000000000" pitchFamily="2" charset="-127"/>
+                        <a:ea typeface="KoPubWorld돋움체 Medium" panose="00000600000000000000" pitchFamily="2" charset="-127"/>
+                        <a:cs typeface="KoPubWorld돋움체 Medium" panose="00000600000000000000" pitchFamily="2" charset="-127"/>
+                      </a:endParaRPr>
+                    </a:p>
+                  </a:txBody>
+                  <a:tcPr marL="95991" marR="95991" marT="0" marB="0" anchor="ctr">
+                    <a:lnL w="12700" cap="flat" cmpd="sng" algn="ctr">
+                      <a:solidFill>
+                        <a:schemeClr val="bg2">
+                          <a:lumMod val="50000"/>
+                        </a:schemeClr>
+                      </a:solidFill>
+                      <a:prstDash val="solid"/>
+                      <a:round/>
+                      <a:headEnd type="none" w="med" len="med"/>
+                      <a:tailEnd type="none" w="med" len="med"/>
+                    </a:lnL>
+                    <a:lnR w="12700" cap="flat" cmpd="sng" algn="ctr">
+                      <a:solidFill>
+                        <a:schemeClr val="bg2">
+                          <a:lumMod val="50000"/>
+                        </a:schemeClr>
+                      </a:solidFill>
+                      <a:prstDash val="solid"/>
+                      <a:round/>
+                      <a:headEnd type="none" w="med" len="med"/>
+                      <a:tailEnd type="none" w="med" len="med"/>
+                    </a:lnR>
+                    <a:lnT w="12700" cap="flat" cmpd="sng" algn="ctr">
+                      <a:solidFill>
+                        <a:schemeClr val="bg2">
+                          <a:lumMod val="50000"/>
+                        </a:schemeClr>
+                      </a:solidFill>
+                      <a:prstDash val="solid"/>
+                      <a:round/>
+                      <a:headEnd type="none" w="med" len="med"/>
+                      <a:tailEnd type="none" w="med" len="med"/>
+                    </a:lnT>
+                    <a:lnB w="12700" cap="flat" cmpd="sng" algn="ctr">
+                      <a:solidFill>
+                        <a:schemeClr val="bg2">
+                          <a:lumMod val="50000"/>
+                        </a:schemeClr>
+                      </a:solidFill>
+                      <a:prstDash val="solid"/>
+                      <a:round/>
+                      <a:headEnd type="none" w="med" len="med"/>
+                      <a:tailEnd type="none" w="med" len="med"/>
+                    </a:lnB>
+                    <a:solidFill>
+                      <a:schemeClr val="bg1">
+                        <a:lumMod val="85000"/>
+                      </a:schemeClr>
+                    </a:solidFill>
+                  </a:tcPr>
+                </a:tc>
+                <a:tc>
+                  <a:txBody>
+                    <a:bodyPr/>
+                    <a:lstStyle/>
+                    <a:p>
+                      <a:pPr algn="ctr" latinLnBrk="1"/>
+                      <a:r>
+                        <a:rPr lang="ko-KR" altLang="en-US" sz="1200" b="0" dirty="0">
+                          <a:solidFill>
+                            <a:schemeClr val="tx1"/>
+                          </a:solidFill>
+                          <a:latin typeface="KoPubWorld돋움체 Medium" panose="00000600000000000000" pitchFamily="2" charset="-127"/>
+                          <a:ea typeface="KoPubWorld돋움체 Medium" panose="00000600000000000000" pitchFamily="2" charset="-127"/>
+                          <a:cs typeface="KoPubWorld돋움체 Medium" panose="00000600000000000000" pitchFamily="2" charset="-127"/>
+                        </a:rPr>
+                        <a:t>시각화</a:t>
+                      </a:r>
+                      <a:r>
+                        <a:rPr lang="en-US" altLang="ko-KR" sz="1200" b="0" dirty="0">
+                          <a:solidFill>
+                            <a:schemeClr val="tx1"/>
+                          </a:solidFill>
+                          <a:latin typeface="KoPubWorld돋움체 Medium" panose="00000600000000000000" pitchFamily="2" charset="-127"/>
+                          <a:ea typeface="KoPubWorld돋움체 Medium" panose="00000600000000000000" pitchFamily="2" charset="-127"/>
+                          <a:cs typeface="KoPubWorld돋움체 Medium" panose="00000600000000000000" pitchFamily="2" charset="-127"/>
+                        </a:rPr>
+                        <a:t> </a:t>
+                      </a:r>
+                      <a:r>
+                        <a:rPr lang="ko-KR" altLang="en-US" sz="1200" b="0" dirty="0">
+                          <a:solidFill>
+                            <a:schemeClr val="tx1"/>
+                          </a:solidFill>
+                          <a:latin typeface="KoPubWorld돋움체 Medium" panose="00000600000000000000" pitchFamily="2" charset="-127"/>
+                          <a:ea typeface="KoPubWorld돋움체 Medium" panose="00000600000000000000" pitchFamily="2" charset="-127"/>
+                          <a:cs typeface="KoPubWorld돋움체 Medium" panose="00000600000000000000" pitchFamily="2" charset="-127"/>
+                        </a:rPr>
+                        <a:t>및 결과 활용</a:t>
+                      </a:r>
+                      <a:br>
+                        <a:rPr lang="en-US" altLang="ko-KR" sz="1200" b="0" dirty="0">
+                          <a:solidFill>
+                            <a:schemeClr val="tx1"/>
+                          </a:solidFill>
+                          <a:latin typeface="KoPubWorld돋움체 Medium" panose="00000600000000000000" pitchFamily="2" charset="-127"/>
+                          <a:ea typeface="KoPubWorld돋움체 Medium" panose="00000600000000000000" pitchFamily="2" charset="-127"/>
+                          <a:cs typeface="KoPubWorld돋움체 Medium" panose="00000600000000000000" pitchFamily="2" charset="-127"/>
+                        </a:rPr>
+                      </a:br>
+                      <a:r>
+                        <a:rPr lang="ko-KR" altLang="en-US" sz="1200" b="0" dirty="0">
+                          <a:solidFill>
+                            <a:schemeClr val="tx1"/>
+                          </a:solidFill>
+                          <a:latin typeface="KoPubWorld돋움체 Medium" panose="00000600000000000000" pitchFamily="2" charset="-127"/>
+                          <a:ea typeface="KoPubWorld돋움체 Medium" panose="00000600000000000000" pitchFamily="2" charset="-127"/>
+                          <a:cs typeface="KoPubWorld돋움체 Medium" panose="00000600000000000000" pitchFamily="2" charset="-127"/>
+                        </a:rPr>
+                        <a:t>서비스 관점</a:t>
+                      </a:r>
+                      <a:endParaRPr lang="en-US" altLang="ko-KR" sz="1200" b="0" dirty="0">
+                        <a:solidFill>
+                          <a:schemeClr val="tx1"/>
+                        </a:solidFill>
+                        <a:latin typeface="KoPubWorld돋움체 Medium" panose="00000600000000000000" pitchFamily="2" charset="-127"/>
+                        <a:ea typeface="KoPubWorld돋움체 Medium" panose="00000600000000000000" pitchFamily="2" charset="-127"/>
+                        <a:cs typeface="KoPubWorld돋움체 Medium" panose="00000600000000000000" pitchFamily="2" charset="-127"/>
+                      </a:endParaRPr>
+                    </a:p>
+                    <a:p>
+                      <a:pPr algn="ctr" latinLnBrk="1"/>
+                      <a:r>
+                        <a:rPr lang="en-US" altLang="ko-KR" sz="1050" b="0" dirty="0">
+                          <a:solidFill>
+                            <a:schemeClr val="tx1"/>
+                          </a:solidFill>
+                          <a:latin typeface="KoPubWorld돋움체 Medium" panose="00000600000000000000" pitchFamily="2" charset="-127"/>
+                          <a:ea typeface="KoPubWorld돋움체 Medium" panose="00000600000000000000" pitchFamily="2" charset="-127"/>
+                          <a:cs typeface="KoPubWorld돋움체 Medium" panose="00000600000000000000" pitchFamily="2" charset="-127"/>
+                        </a:rPr>
+                        <a:t>(ex. </a:t>
+                      </a:r>
+                      <a:r>
+                        <a:rPr lang="ko-KR" altLang="en-US" sz="1050" b="0" dirty="0">
+                          <a:solidFill>
+                            <a:schemeClr val="tx1"/>
+                          </a:solidFill>
+                          <a:latin typeface="KoPubWorld돋움체 Medium" panose="00000600000000000000" pitchFamily="2" charset="-127"/>
+                          <a:ea typeface="KoPubWorld돋움체 Medium" panose="00000600000000000000" pitchFamily="2" charset="-127"/>
+                          <a:cs typeface="KoPubWorld돋움체 Medium" panose="00000600000000000000" pitchFamily="2" charset="-127"/>
+                        </a:rPr>
+                        <a:t>단발성 분석으로 끝남</a:t>
+                      </a:r>
+                      <a:r>
+                        <a:rPr lang="en-US" altLang="ko-KR" sz="1050" b="0" dirty="0">
+                          <a:solidFill>
+                            <a:schemeClr val="tx1"/>
+                          </a:solidFill>
+                          <a:latin typeface="KoPubWorld돋움체 Medium" panose="00000600000000000000" pitchFamily="2" charset="-127"/>
+                          <a:ea typeface="KoPubWorld돋움체 Medium" panose="00000600000000000000" pitchFamily="2" charset="-127"/>
+                          <a:cs typeface="KoPubWorld돋움체 Medium" panose="00000600000000000000" pitchFamily="2" charset="-127"/>
+                        </a:rPr>
+                        <a:t>, </a:t>
+                      </a:r>
+                      <a:r>
+                        <a:rPr lang="ko-KR" altLang="en-US" sz="1050" b="0" dirty="0">
+                          <a:solidFill>
+                            <a:schemeClr val="tx1"/>
+                          </a:solidFill>
+                          <a:latin typeface="KoPubWorld돋움체 Medium" panose="00000600000000000000" pitchFamily="2" charset="-127"/>
+                          <a:ea typeface="KoPubWorld돋움체 Medium" panose="00000600000000000000" pitchFamily="2" charset="-127"/>
+                          <a:cs typeface="KoPubWorld돋움체 Medium" panose="00000600000000000000" pitchFamily="2" charset="-127"/>
+                        </a:rPr>
+                        <a:t>지속적으로 분석모델 업데이트 필요</a:t>
+                      </a:r>
+                      <a:r>
+                        <a:rPr lang="en-US" altLang="ko-KR" sz="1050" b="0" dirty="0">
+                          <a:solidFill>
+                            <a:schemeClr val="tx1"/>
+                          </a:solidFill>
+                          <a:latin typeface="KoPubWorld돋움체 Medium" panose="00000600000000000000" pitchFamily="2" charset="-127"/>
+                          <a:ea typeface="KoPubWorld돋움체 Medium" panose="00000600000000000000" pitchFamily="2" charset="-127"/>
+                          <a:cs typeface="KoPubWorld돋움체 Medium" panose="00000600000000000000" pitchFamily="2" charset="-127"/>
+                        </a:rPr>
+                        <a:t>)</a:t>
+                      </a:r>
+                      <a:endParaRPr lang="ko-KR" altLang="en-US" sz="1050" b="0" dirty="0">
+                        <a:solidFill>
+                          <a:schemeClr val="tx1"/>
+                        </a:solidFill>
+                        <a:latin typeface="KoPubWorld돋움체 Medium" panose="00000600000000000000" pitchFamily="2" charset="-127"/>
+                        <a:ea typeface="KoPubWorld돋움체 Medium" panose="00000600000000000000" pitchFamily="2" charset="-127"/>
+                        <a:cs typeface="KoPubWorld돋움체 Medium" panose="00000600000000000000" pitchFamily="2" charset="-127"/>
+                      </a:endParaRPr>
+                    </a:p>
+                  </a:txBody>
+                  <a:tcPr marL="95991" marR="95991" marT="0" marB="0" anchor="ctr">
+                    <a:lnL w="12700" cap="flat" cmpd="sng" algn="ctr">
+                      <a:solidFill>
+                        <a:schemeClr val="bg2">
+                          <a:lumMod val="50000"/>
+                        </a:schemeClr>
+                      </a:solidFill>
+                      <a:prstDash val="solid"/>
+                      <a:round/>
+                      <a:headEnd type="none" w="med" len="med"/>
+                      <a:tailEnd type="none" w="med" len="med"/>
+                    </a:lnL>
+                    <a:lnR w="12700" cap="flat" cmpd="sng" algn="ctr">
+                      <a:solidFill>
+                        <a:schemeClr val="bg2">
+                          <a:lumMod val="50000"/>
+                        </a:schemeClr>
+                      </a:solidFill>
+                      <a:prstDash val="solid"/>
+                      <a:round/>
+                      <a:headEnd type="none" w="med" len="med"/>
+                      <a:tailEnd type="none" w="med" len="med"/>
+                    </a:lnR>
+                    <a:lnT w="12700" cap="flat" cmpd="sng" algn="ctr">
+                      <a:solidFill>
+                        <a:schemeClr val="bg2">
+                          <a:lumMod val="50000"/>
+                        </a:schemeClr>
+                      </a:solidFill>
+                      <a:prstDash val="solid"/>
+                      <a:round/>
+                      <a:headEnd type="none" w="med" len="med"/>
+                      <a:tailEnd type="none" w="med" len="med"/>
+                    </a:lnT>
+                    <a:lnB w="12700" cap="flat" cmpd="sng" algn="ctr">
+                      <a:solidFill>
+                        <a:schemeClr val="bg2">
+                          <a:lumMod val="50000"/>
+                        </a:schemeClr>
+                      </a:solidFill>
+                      <a:prstDash val="solid"/>
+                      <a:round/>
+                      <a:headEnd type="none" w="med" len="med"/>
+                      <a:tailEnd type="none" w="med" len="med"/>
+                    </a:lnB>
+                    <a:solidFill>
+                      <a:schemeClr val="bg1">
+                        <a:lumMod val="85000"/>
+                      </a:schemeClr>
+                    </a:solidFill>
+                  </a:tcPr>
+                </a:tc>
+                <a:extLst>
+                  <a:ext uri="{0D108BD9-81ED-4DB2-BD59-A6C34878D82A}">
+                    <a16:rowId xmlns:a16="http://schemas.microsoft.com/office/drawing/2014/main" val="1524912093"/>
+                  </a:ext>
+                </a:extLst>
+              </a:tr>
+              <a:tr h="426088">
+                <a:tc rowSpan="2">
+                  <a:txBody>
+                    <a:bodyPr/>
+                    <a:lstStyle/>
+                    <a:p>
+                      <a:pPr algn="l" latinLnBrk="1"/>
+                      <a:endParaRPr lang="en-US" altLang="ko-KR" sz="1100" b="0" dirty="0">
+                        <a:solidFill>
+                          <a:schemeClr val="tx1"/>
+                        </a:solidFill>
+                        <a:latin typeface="KoPubWorld돋움체 Medium" panose="00000600000000000000" pitchFamily="2" charset="-127"/>
+                        <a:ea typeface="KoPubWorld돋움체 Medium" panose="00000600000000000000" pitchFamily="2" charset="-127"/>
+                        <a:cs typeface="KoPubWorld돋움체 Medium" panose="00000600000000000000" pitchFamily="2" charset="-127"/>
+                      </a:endParaRPr>
+                    </a:p>
+                    <a:p>
+                      <a:pPr algn="l" latinLnBrk="1"/>
+                      <a:r>
+                        <a:rPr lang="ko-KR" altLang="en-US" sz="1100" b="0" dirty="0">
+                          <a:solidFill>
+                            <a:schemeClr val="tx1"/>
+                          </a:solidFill>
+                          <a:latin typeface="KoPubWorld돋움체 Medium" panose="00000600000000000000" pitchFamily="2" charset="-127"/>
+                          <a:ea typeface="KoPubWorld돋움체 Medium" panose="00000600000000000000" pitchFamily="2" charset="-127"/>
+                          <a:cs typeface="KoPubWorld돋움체 Medium" panose="00000600000000000000" pitchFamily="2" charset="-127"/>
+                        </a:rPr>
+                        <a:t>빅데이터 기반의 맞춤형 지진대응체계 과학화</a:t>
+                      </a:r>
+                      <a:r>
+                        <a:rPr lang="en-US" altLang="ko-KR" sz="1100" b="0" dirty="0">
+                          <a:solidFill>
+                            <a:schemeClr val="tx1"/>
+                          </a:solidFill>
+                          <a:latin typeface="KoPubWorld돋움체 Medium" panose="00000600000000000000" pitchFamily="2" charset="-127"/>
+                          <a:ea typeface="KoPubWorld돋움체 Medium" panose="00000600000000000000" pitchFamily="2" charset="-127"/>
+                          <a:cs typeface="KoPubWorld돋움체 Medium" panose="00000600000000000000" pitchFamily="2" charset="-127"/>
+                        </a:rPr>
+                        <a:t> - </a:t>
+                      </a:r>
+                      <a:r>
+                        <a:rPr lang="ko-KR" altLang="en-US" sz="1100" b="0" dirty="0">
+                          <a:solidFill>
+                            <a:schemeClr val="tx1"/>
+                          </a:solidFill>
+                          <a:latin typeface="KoPubWorld돋움체 Medium" panose="00000600000000000000" pitchFamily="2" charset="-127"/>
+                          <a:ea typeface="KoPubWorld돋움체 Medium" panose="00000600000000000000" pitchFamily="2" charset="-127"/>
+                          <a:cs typeface="KoPubWorld돋움체 Medium" panose="00000600000000000000" pitchFamily="2" charset="-127"/>
+                        </a:rPr>
+                        <a:t>국립재난안전연구원</a:t>
+                      </a:r>
+                    </a:p>
+                  </a:txBody>
+                  <a:tcPr marL="95991" marR="95991" marT="0" marB="0">
+                    <a:lnL w="12700" cap="flat" cmpd="sng" algn="ctr">
+                      <a:solidFill>
+                        <a:schemeClr val="bg2">
+                          <a:lumMod val="50000"/>
+                        </a:schemeClr>
+                      </a:solidFill>
+                      <a:prstDash val="solid"/>
+                      <a:round/>
+                      <a:headEnd type="none" w="med" len="med"/>
+                      <a:tailEnd type="none" w="med" len="med"/>
+                    </a:lnL>
+                    <a:lnR w="12700" cap="flat" cmpd="sng" algn="ctr">
+                      <a:solidFill>
+                        <a:schemeClr val="bg2">
+                          <a:lumMod val="50000"/>
+                        </a:schemeClr>
+                      </a:solidFill>
+                      <a:prstDash val="solid"/>
+                      <a:round/>
+                      <a:headEnd type="none" w="med" len="med"/>
+                      <a:tailEnd type="none" w="med" len="med"/>
+                    </a:lnR>
+                    <a:lnT w="12700" cap="flat" cmpd="sng" algn="ctr">
+                      <a:solidFill>
+                        <a:schemeClr val="bg2">
+                          <a:lumMod val="50000"/>
+                        </a:schemeClr>
+                      </a:solidFill>
+                      <a:prstDash val="solid"/>
+                      <a:round/>
+                      <a:headEnd type="none" w="med" len="med"/>
+                      <a:tailEnd type="none" w="med" len="med"/>
+                    </a:lnT>
+                    <a:lnB w="12700" cap="flat" cmpd="sng" algn="ctr">
+                      <a:solidFill>
+                        <a:schemeClr val="bg2">
+                          <a:lumMod val="50000"/>
+                        </a:schemeClr>
+                      </a:solidFill>
+                      <a:prstDash val="solid"/>
+                      <a:round/>
+                      <a:headEnd type="none" w="med" len="med"/>
+                      <a:tailEnd type="none" w="med" len="med"/>
+                    </a:lnB>
+                    <a:solidFill>
+                      <a:schemeClr val="bg1">
+                        <a:lumMod val="85000"/>
+                      </a:schemeClr>
+                    </a:solidFill>
+                  </a:tcPr>
+                </a:tc>
+                <a:tc>
+                  <a:txBody>
+                    <a:bodyPr/>
+                    <a:lstStyle/>
+                    <a:p>
+                      <a:pPr algn="ctr" latinLnBrk="1"/>
+                      <a:r>
+                        <a:rPr lang="ko-KR" altLang="en-US" sz="1050" b="0" dirty="0">
+                          <a:solidFill>
+                            <a:schemeClr val="tx1"/>
+                          </a:solidFill>
+                          <a:latin typeface="KoPubWorld돋움체 Medium" panose="00000600000000000000" pitchFamily="2" charset="-127"/>
+                          <a:ea typeface="KoPubWorld돋움체 Medium" panose="00000600000000000000" pitchFamily="2" charset="-127"/>
+                          <a:cs typeface="KoPubWorld돋움체 Medium" panose="00000600000000000000" pitchFamily="2" charset="-127"/>
+                        </a:rPr>
+                        <a:t>개선</a:t>
+                      </a:r>
+                      <a:endParaRPr lang="en-US" altLang="ko-KR" sz="1050" b="0" dirty="0">
+                        <a:solidFill>
+                          <a:schemeClr val="tx1"/>
+                        </a:solidFill>
+                        <a:latin typeface="KoPubWorld돋움체 Medium" panose="00000600000000000000" pitchFamily="2" charset="-127"/>
+                        <a:ea typeface="KoPubWorld돋움체 Medium" panose="00000600000000000000" pitchFamily="2" charset="-127"/>
+                        <a:cs typeface="KoPubWorld돋움체 Medium" panose="00000600000000000000" pitchFamily="2" charset="-127"/>
+                      </a:endParaRPr>
+                    </a:p>
+                    <a:p>
+                      <a:pPr algn="ctr" latinLnBrk="1"/>
+                      <a:r>
+                        <a:rPr lang="ko-KR" altLang="en-US" sz="1050" b="0" dirty="0" err="1">
+                          <a:solidFill>
+                            <a:schemeClr val="tx1"/>
+                          </a:solidFill>
+                          <a:latin typeface="KoPubWorld돋움체 Medium" panose="00000600000000000000" pitchFamily="2" charset="-127"/>
+                          <a:ea typeface="KoPubWorld돋움체 Medium" panose="00000600000000000000" pitchFamily="2" charset="-127"/>
+                          <a:cs typeface="KoPubWorld돋움체 Medium" panose="00000600000000000000" pitchFamily="2" charset="-127"/>
+                        </a:rPr>
+                        <a:t>필요점</a:t>
+                      </a:r>
+                      <a:endParaRPr lang="ko-KR" altLang="en-US" sz="1050" b="0" dirty="0">
+                        <a:solidFill>
+                          <a:schemeClr val="tx1"/>
+                        </a:solidFill>
+                        <a:latin typeface="KoPubWorld돋움체 Medium" panose="00000600000000000000" pitchFamily="2" charset="-127"/>
+                        <a:ea typeface="KoPubWorld돋움체 Medium" panose="00000600000000000000" pitchFamily="2" charset="-127"/>
+                        <a:cs typeface="KoPubWorld돋움체 Medium" panose="00000600000000000000" pitchFamily="2" charset="-127"/>
+                      </a:endParaRPr>
+                    </a:p>
+                  </a:txBody>
+                  <a:tcPr marL="95991" marR="95991" marT="0" marB="0" anchor="ctr">
+                    <a:lnL w="12700" cap="flat" cmpd="sng" algn="ctr">
+                      <a:solidFill>
+                        <a:schemeClr val="bg2">
+                          <a:lumMod val="50000"/>
+                        </a:schemeClr>
+                      </a:solidFill>
+                      <a:prstDash val="solid"/>
+                      <a:round/>
+                      <a:headEnd type="none" w="med" len="med"/>
+                      <a:tailEnd type="none" w="med" len="med"/>
+                    </a:lnL>
+                    <a:lnR w="12700" cap="flat" cmpd="sng" algn="ctr">
+                      <a:solidFill>
+                        <a:schemeClr val="bg2">
+                          <a:lumMod val="50000"/>
+                        </a:schemeClr>
+                      </a:solidFill>
+                      <a:prstDash val="solid"/>
+                      <a:round/>
+                      <a:headEnd type="none" w="med" len="med"/>
+                      <a:tailEnd type="none" w="med" len="med"/>
+                    </a:lnR>
+                    <a:lnT w="12700" cap="flat" cmpd="sng" algn="ctr">
+                      <a:solidFill>
+                        <a:schemeClr val="bg2">
+                          <a:lumMod val="50000"/>
+                        </a:schemeClr>
+                      </a:solidFill>
+                      <a:prstDash val="solid"/>
+                      <a:round/>
+                      <a:headEnd type="none" w="med" len="med"/>
+                      <a:tailEnd type="none" w="med" len="med"/>
+                    </a:lnT>
+                    <a:lnB w="12700" cap="flat" cmpd="sng" algn="ctr">
+                      <a:solidFill>
+                        <a:schemeClr val="bg2">
+                          <a:lumMod val="50000"/>
+                        </a:schemeClr>
+                      </a:solidFill>
+                      <a:prstDash val="solid"/>
+                      <a:round/>
+                      <a:headEnd type="none" w="med" len="med"/>
+                      <a:tailEnd type="none" w="med" len="med"/>
+                    </a:lnB>
+                    <a:solidFill>
+                      <a:schemeClr val="bg1">
+                        <a:lumMod val="85000"/>
+                      </a:schemeClr>
+                    </a:solidFill>
+                  </a:tcPr>
+                </a:tc>
+                <a:tc>
+                  <a:txBody>
+                    <a:bodyPr/>
+                    <a:lstStyle/>
+                    <a:p>
+                      <a:pPr algn="ctr" latinLnBrk="1"/>
+                      <a:r>
+                        <a:rPr lang="ko-KR" altLang="en-US" sz="1050" b="0" dirty="0">
+                          <a:solidFill>
+                            <a:schemeClr val="tx1"/>
+                          </a:solidFill>
+                          <a:latin typeface="KoPubWorld돋움체 Medium" panose="00000600000000000000" pitchFamily="2" charset="-127"/>
+                          <a:ea typeface="KoPubWorld돋움체 Medium" panose="00000600000000000000" pitchFamily="2" charset="-127"/>
+                          <a:cs typeface="KoPubWorld돋움체 Medium" panose="00000600000000000000" pitchFamily="2" charset="-127"/>
+                        </a:rPr>
+                        <a:t>인적 자원 피해 상황에 대한 데이터 부족</a:t>
+                      </a:r>
+                    </a:p>
+                  </a:txBody>
+                  <a:tcPr marL="95991" marR="95991" marT="0" marB="0" anchor="ctr">
+                    <a:lnL w="12700" cap="flat" cmpd="sng" algn="ctr">
+                      <a:solidFill>
+                        <a:schemeClr val="bg2">
+                          <a:lumMod val="50000"/>
+                        </a:schemeClr>
+                      </a:solidFill>
+                      <a:prstDash val="solid"/>
+                      <a:round/>
+                      <a:headEnd type="none" w="med" len="med"/>
+                      <a:tailEnd type="none" w="med" len="med"/>
+                    </a:lnL>
+                    <a:lnR w="12700" cap="flat" cmpd="sng" algn="ctr">
+                      <a:solidFill>
+                        <a:schemeClr val="bg2">
+                          <a:lumMod val="50000"/>
+                        </a:schemeClr>
+                      </a:solidFill>
+                      <a:prstDash val="solid"/>
+                      <a:round/>
+                      <a:headEnd type="none" w="med" len="med"/>
+                      <a:tailEnd type="none" w="med" len="med"/>
+                    </a:lnR>
+                    <a:lnT w="12700" cap="flat" cmpd="sng" algn="ctr">
+                      <a:solidFill>
+                        <a:schemeClr val="bg2">
+                          <a:lumMod val="50000"/>
+                        </a:schemeClr>
+                      </a:solidFill>
+                      <a:prstDash val="solid"/>
+                      <a:round/>
+                      <a:headEnd type="none" w="med" len="med"/>
+                      <a:tailEnd type="none" w="med" len="med"/>
+                    </a:lnT>
+                    <a:lnB w="12700" cap="flat" cmpd="sng" algn="ctr">
+                      <a:solidFill>
+                        <a:schemeClr val="bg2">
+                          <a:lumMod val="50000"/>
+                        </a:schemeClr>
+                      </a:solidFill>
+                      <a:prstDash val="solid"/>
+                      <a:round/>
+                      <a:headEnd type="none" w="med" len="med"/>
+                      <a:tailEnd type="none" w="med" len="med"/>
+                    </a:lnB>
+                    <a:solidFill>
+                      <a:schemeClr val="bg1"/>
+                    </a:solidFill>
+                  </a:tcPr>
+                </a:tc>
+                <a:tc>
+                  <a:txBody>
+                    <a:bodyPr/>
+                    <a:lstStyle/>
+                    <a:p>
+                      <a:pPr algn="ctr" latinLnBrk="1"/>
+                      <a:r>
+                        <a:rPr lang="ko-KR" altLang="en-US" sz="1050" b="0" dirty="0">
+                          <a:solidFill>
+                            <a:schemeClr val="tx1"/>
+                          </a:solidFill>
+                          <a:latin typeface="KoPubWorld돋움체 Medium" panose="00000600000000000000" pitchFamily="2" charset="-127"/>
+                          <a:ea typeface="KoPubWorld돋움체 Medium" panose="00000600000000000000" pitchFamily="2" charset="-127"/>
+                          <a:cs typeface="KoPubWorld돋움체 Medium" panose="00000600000000000000" pitchFamily="2" charset="-127"/>
+                        </a:rPr>
+                        <a:t>새롭게 예측될 곳의 현황을 파악할 수 없음</a:t>
+                      </a:r>
+                    </a:p>
+                  </a:txBody>
+                  <a:tcPr marL="95991" marR="95991" marT="0" marB="0" anchor="ctr">
+                    <a:lnL w="12700" cap="flat" cmpd="sng" algn="ctr">
+                      <a:solidFill>
+                        <a:schemeClr val="bg2">
+                          <a:lumMod val="50000"/>
+                        </a:schemeClr>
+                      </a:solidFill>
+                      <a:prstDash val="solid"/>
+                      <a:round/>
+                      <a:headEnd type="none" w="med" len="med"/>
+                      <a:tailEnd type="none" w="med" len="med"/>
+                    </a:lnL>
+                    <a:lnR w="12700" cap="flat" cmpd="sng" algn="ctr">
+                      <a:solidFill>
+                        <a:schemeClr val="bg2">
+                          <a:lumMod val="50000"/>
+                        </a:schemeClr>
+                      </a:solidFill>
+                      <a:prstDash val="solid"/>
+                      <a:round/>
+                      <a:headEnd type="none" w="med" len="med"/>
+                      <a:tailEnd type="none" w="med" len="med"/>
+                    </a:lnR>
+                    <a:lnT w="12700" cap="flat" cmpd="sng" algn="ctr">
+                      <a:solidFill>
+                        <a:schemeClr val="bg2">
+                          <a:lumMod val="50000"/>
+                        </a:schemeClr>
+                      </a:solidFill>
+                      <a:prstDash val="solid"/>
+                      <a:round/>
+                      <a:headEnd type="none" w="med" len="med"/>
+                      <a:tailEnd type="none" w="med" len="med"/>
+                    </a:lnT>
+                    <a:lnB w="12700" cap="flat" cmpd="sng" algn="ctr">
+                      <a:solidFill>
+                        <a:schemeClr val="bg2">
+                          <a:lumMod val="50000"/>
+                        </a:schemeClr>
+                      </a:solidFill>
+                      <a:prstDash val="solid"/>
+                      <a:round/>
+                      <a:headEnd type="none" w="med" len="med"/>
+                      <a:tailEnd type="none" w="med" len="med"/>
+                    </a:lnB>
+                    <a:solidFill>
+                      <a:schemeClr val="bg1"/>
+                    </a:solidFill>
+                  </a:tcPr>
+                </a:tc>
+                <a:tc>
+                  <a:txBody>
+                    <a:bodyPr/>
+                    <a:lstStyle/>
+                    <a:p>
+                      <a:pPr algn="ctr" latinLnBrk="1"/>
+                      <a:r>
+                        <a:rPr lang="ko-KR" altLang="en-US" sz="1050" b="0" dirty="0">
+                          <a:solidFill>
+                            <a:schemeClr val="tx1"/>
+                          </a:solidFill>
+                          <a:latin typeface="KoPubWorld돋움체 Medium" panose="00000600000000000000" pitchFamily="2" charset="-127"/>
+                          <a:ea typeface="KoPubWorld돋움체 Medium" panose="00000600000000000000" pitchFamily="2" charset="-127"/>
+                          <a:cs typeface="KoPubWorld돋움체 Medium" panose="00000600000000000000" pitchFamily="2" charset="-127"/>
+                        </a:rPr>
+                        <a:t>지진이 다른 양상으로 발생하면 모델의 정확도 떨어짐</a:t>
+                      </a:r>
+                    </a:p>
+                  </a:txBody>
+                  <a:tcPr marL="95991" marR="95991" marT="0" marB="0" anchor="ctr">
+                    <a:lnL w="12700" cap="flat" cmpd="sng" algn="ctr">
+                      <a:solidFill>
+                        <a:schemeClr val="bg2">
+                          <a:lumMod val="50000"/>
+                        </a:schemeClr>
+                      </a:solidFill>
+                      <a:prstDash val="solid"/>
+                      <a:round/>
+                      <a:headEnd type="none" w="med" len="med"/>
+                      <a:tailEnd type="none" w="med" len="med"/>
+                    </a:lnL>
+                    <a:lnR w="12700" cap="flat" cmpd="sng" algn="ctr">
+                      <a:solidFill>
+                        <a:schemeClr val="bg2">
+                          <a:lumMod val="50000"/>
+                        </a:schemeClr>
+                      </a:solidFill>
+                      <a:prstDash val="solid"/>
+                      <a:round/>
+                      <a:headEnd type="none" w="med" len="med"/>
+                      <a:tailEnd type="none" w="med" len="med"/>
+                    </a:lnR>
+                    <a:lnT w="12700" cap="flat" cmpd="sng" algn="ctr">
+                      <a:solidFill>
+                        <a:schemeClr val="bg2">
+                          <a:lumMod val="50000"/>
+                        </a:schemeClr>
+                      </a:solidFill>
+                      <a:prstDash val="solid"/>
+                      <a:round/>
+                      <a:headEnd type="none" w="med" len="med"/>
+                      <a:tailEnd type="none" w="med" len="med"/>
+                    </a:lnT>
+                    <a:lnB w="12700" cap="flat" cmpd="sng" algn="ctr">
+                      <a:solidFill>
+                        <a:schemeClr val="bg2">
+                          <a:lumMod val="50000"/>
+                        </a:schemeClr>
+                      </a:solidFill>
+                      <a:prstDash val="solid"/>
+                      <a:round/>
+                      <a:headEnd type="none" w="med" len="med"/>
+                      <a:tailEnd type="none" w="med" len="med"/>
+                    </a:lnB>
+                    <a:solidFill>
+                      <a:schemeClr val="bg1"/>
+                    </a:solidFill>
+                  </a:tcPr>
+                </a:tc>
+                <a:tc>
+                  <a:txBody>
+                    <a:bodyPr/>
+                    <a:lstStyle/>
+                    <a:p>
+                      <a:pPr algn="ctr" latinLnBrk="1"/>
+                      <a:r>
+                        <a:rPr lang="ko-KR" altLang="en-US" sz="1200" b="0" dirty="0">
+                          <a:solidFill>
+                            <a:schemeClr val="tx1"/>
+                          </a:solidFill>
+                          <a:latin typeface="KoPubWorld돋움체 Medium" panose="00000600000000000000" pitchFamily="2" charset="-127"/>
+                          <a:ea typeface="KoPubWorld돋움체 Medium" panose="00000600000000000000" pitchFamily="2" charset="-127"/>
+                          <a:cs typeface="KoPubWorld돋움체 Medium" panose="00000600000000000000" pitchFamily="2" charset="-127"/>
+                        </a:rPr>
+                        <a:t>과밀화 현상 이외의 최적 대피소에 대한 결과가 도출되지 않았음</a:t>
+                      </a:r>
+                    </a:p>
+                  </a:txBody>
+                  <a:tcPr marL="95991" marR="95991" marT="0" marB="0" anchor="ctr">
+                    <a:lnL w="12700" cap="flat" cmpd="sng" algn="ctr">
+                      <a:solidFill>
+                        <a:schemeClr val="bg2">
+                          <a:lumMod val="50000"/>
+                        </a:schemeClr>
+                      </a:solidFill>
+                      <a:prstDash val="solid"/>
+                      <a:round/>
+                      <a:headEnd type="none" w="med" len="med"/>
+                      <a:tailEnd type="none" w="med" len="med"/>
+                    </a:lnL>
+                    <a:lnR w="12700" cap="flat" cmpd="sng" algn="ctr">
+                      <a:solidFill>
+                        <a:schemeClr val="bg2">
+                          <a:lumMod val="50000"/>
+                        </a:schemeClr>
+                      </a:solidFill>
+                      <a:prstDash val="solid"/>
+                      <a:round/>
+                      <a:headEnd type="none" w="med" len="med"/>
+                      <a:tailEnd type="none" w="med" len="med"/>
+                    </a:lnR>
+                    <a:lnT w="12700" cap="flat" cmpd="sng" algn="ctr">
+                      <a:solidFill>
+                        <a:schemeClr val="bg2">
+                          <a:lumMod val="50000"/>
+                        </a:schemeClr>
+                      </a:solidFill>
+                      <a:prstDash val="solid"/>
+                      <a:round/>
+                      <a:headEnd type="none" w="med" len="med"/>
+                      <a:tailEnd type="none" w="med" len="med"/>
+                    </a:lnT>
+                    <a:lnB w="12700" cap="flat" cmpd="sng" algn="ctr">
+                      <a:solidFill>
+                        <a:schemeClr val="bg2">
+                          <a:lumMod val="50000"/>
+                        </a:schemeClr>
+                      </a:solidFill>
+                      <a:prstDash val="solid"/>
+                      <a:round/>
+                      <a:headEnd type="none" w="med" len="med"/>
+                      <a:tailEnd type="none" w="med" len="med"/>
+                    </a:lnB>
+                    <a:solidFill>
+                      <a:schemeClr val="bg1"/>
+                    </a:solidFill>
+                  </a:tcPr>
+                </a:tc>
+                <a:extLst>
+                  <a:ext uri="{0D108BD9-81ED-4DB2-BD59-A6C34878D82A}">
+                    <a16:rowId xmlns:a16="http://schemas.microsoft.com/office/drawing/2014/main" val="10000"/>
+                  </a:ext>
+                </a:extLst>
+              </a:tr>
+              <a:tr h="558492">
+                <a:tc vMerge="1">
+                  <a:txBody>
+                    <a:bodyPr/>
+                    <a:lstStyle/>
+                    <a:p>
+                      <a:pPr latinLnBrk="1"/>
+                      <a:endParaRPr lang="ko-KR" altLang="en-US" sz="1000" dirty="0">
+                        <a:solidFill>
+                          <a:schemeClr val="tx1"/>
+                        </a:solidFill>
+                      </a:endParaRPr>
+                    </a:p>
+                  </a:txBody>
+                  <a:tcPr anchor="ctr">
+                    <a:lnL w="12700" cap="flat" cmpd="sng" algn="ctr">
+                      <a:solidFill>
+                        <a:schemeClr val="bg1"/>
+                      </a:solidFill>
+                      <a:prstDash val="solid"/>
+                      <a:round/>
+                      <a:headEnd type="none" w="med" len="med"/>
+                      <a:tailEnd type="none" w="med" len="med"/>
+                    </a:lnL>
+                    <a:lnR w="12700" cap="flat" cmpd="sng" algn="ctr">
+                      <a:solidFill>
+                        <a:schemeClr val="tx1">
+                          <a:lumMod val="50000"/>
+                          <a:lumOff val="50000"/>
+                        </a:schemeClr>
+                      </a:solidFill>
+                      <a:prstDash val="solid"/>
+                      <a:round/>
+                      <a:headEnd type="none" w="med" len="med"/>
+                      <a:tailEnd type="none" w="med" len="med"/>
+                    </a:lnR>
+                    <a:lnT w="12700" cap="flat" cmpd="sng" algn="ctr">
+                      <a:solidFill>
+                        <a:schemeClr val="bg2">
+                          <a:lumMod val="50000"/>
+                        </a:schemeClr>
+                      </a:solidFill>
+                      <a:prstDash val="solid"/>
+                      <a:round/>
+                      <a:headEnd type="none" w="med" len="med"/>
+                      <a:tailEnd type="none" w="med" len="med"/>
+                    </a:lnT>
+                    <a:lnB w="12700" cap="flat" cmpd="sng" algn="ctr">
+                      <a:solidFill>
+                        <a:schemeClr val="tx1">
+                          <a:lumMod val="50000"/>
+                          <a:lumOff val="50000"/>
+                        </a:schemeClr>
+                      </a:solidFill>
+                      <a:prstDash val="solid"/>
+                      <a:round/>
+                      <a:headEnd type="none" w="med" len="med"/>
+                      <a:tailEnd type="none" w="med" len="med"/>
+                    </a:lnB>
+                    <a:solidFill>
+                      <a:schemeClr val="bg1"/>
+                    </a:solidFill>
+                  </a:tcPr>
+                </a:tc>
+                <a:tc>
+                  <a:txBody>
+                    <a:bodyPr/>
+                    <a:lstStyle/>
+                    <a:p>
+                      <a:pPr algn="ctr" latinLnBrk="1"/>
+                      <a:r>
+                        <a:rPr lang="ko-KR" altLang="en-US" sz="1050" b="0" dirty="0">
+                          <a:solidFill>
+                            <a:schemeClr val="tx1"/>
+                          </a:solidFill>
+                          <a:latin typeface="KoPubWorld돋움체 Medium" panose="00000600000000000000" pitchFamily="2" charset="-127"/>
+                          <a:ea typeface="KoPubWorld돋움체 Medium" panose="00000600000000000000" pitchFamily="2" charset="-127"/>
+                          <a:cs typeface="KoPubWorld돋움체 Medium" panose="00000600000000000000" pitchFamily="2" charset="-127"/>
+                        </a:rPr>
+                        <a:t>해결</a:t>
+                      </a:r>
+                      <a:endParaRPr lang="en-US" altLang="ko-KR" sz="1050" b="0" dirty="0">
+                        <a:solidFill>
+                          <a:schemeClr val="tx1"/>
+                        </a:solidFill>
+                        <a:latin typeface="KoPubWorld돋움체 Medium" panose="00000600000000000000" pitchFamily="2" charset="-127"/>
+                        <a:ea typeface="KoPubWorld돋움체 Medium" panose="00000600000000000000" pitchFamily="2" charset="-127"/>
+                        <a:cs typeface="KoPubWorld돋움체 Medium" panose="00000600000000000000" pitchFamily="2" charset="-127"/>
+                      </a:endParaRPr>
+                    </a:p>
+                    <a:p>
+                      <a:pPr algn="ctr" latinLnBrk="1"/>
+                      <a:r>
+                        <a:rPr lang="ko-KR" altLang="en-US" sz="1050" b="0" dirty="0">
+                          <a:solidFill>
+                            <a:schemeClr val="tx1"/>
+                          </a:solidFill>
+                          <a:latin typeface="KoPubWorld돋움체 Medium" panose="00000600000000000000" pitchFamily="2" charset="-127"/>
+                          <a:ea typeface="KoPubWorld돋움체 Medium" panose="00000600000000000000" pitchFamily="2" charset="-127"/>
+                          <a:cs typeface="KoPubWorld돋움체 Medium" panose="00000600000000000000" pitchFamily="2" charset="-127"/>
+                        </a:rPr>
+                        <a:t>방안</a:t>
+                      </a:r>
+                    </a:p>
+                  </a:txBody>
+                  <a:tcPr marL="95991" marR="95991" marT="0" marB="0" anchor="ctr">
+                    <a:lnL w="12700" cap="flat" cmpd="sng" algn="ctr">
+                      <a:solidFill>
+                        <a:schemeClr val="tx1">
+                          <a:lumMod val="50000"/>
+                          <a:lumOff val="50000"/>
+                        </a:schemeClr>
+                      </a:solidFill>
+                      <a:prstDash val="solid"/>
+                      <a:round/>
+                      <a:headEnd type="none" w="med" len="med"/>
+                      <a:tailEnd type="none" w="med" len="med"/>
+                    </a:lnL>
+                    <a:lnR w="12700" cap="flat" cmpd="sng" algn="ctr">
+                      <a:solidFill>
+                        <a:schemeClr val="bg2">
+                          <a:lumMod val="50000"/>
+                        </a:schemeClr>
+                      </a:solidFill>
+                      <a:prstDash val="solid"/>
+                      <a:round/>
+                      <a:headEnd type="none" w="med" len="med"/>
+                      <a:tailEnd type="none" w="med" len="med"/>
+                    </a:lnR>
+                    <a:lnT w="12700" cap="flat" cmpd="sng" algn="ctr">
+                      <a:solidFill>
+                        <a:schemeClr val="bg2">
+                          <a:lumMod val="50000"/>
+                        </a:schemeClr>
+                      </a:solidFill>
+                      <a:prstDash val="solid"/>
+                      <a:round/>
+                      <a:headEnd type="none" w="med" len="med"/>
+                      <a:tailEnd type="none" w="med" len="med"/>
+                    </a:lnT>
+                    <a:lnB w="12700" cap="flat" cmpd="sng" algn="ctr">
+                      <a:solidFill>
+                        <a:schemeClr val="bg2">
+                          <a:lumMod val="50000"/>
+                        </a:schemeClr>
+                      </a:solidFill>
+                      <a:prstDash val="solid"/>
+                      <a:round/>
+                      <a:headEnd type="none" w="med" len="med"/>
+                      <a:tailEnd type="none" w="med" len="med"/>
+                    </a:lnB>
+                    <a:solidFill>
+                      <a:schemeClr val="bg1">
+                        <a:lumMod val="85000"/>
+                      </a:schemeClr>
+                    </a:solidFill>
+                  </a:tcPr>
+                </a:tc>
+                <a:tc>
+                  <a:txBody>
+                    <a:bodyPr/>
+                    <a:lstStyle/>
+                    <a:p>
+                      <a:pPr algn="ctr" latinLnBrk="1"/>
+                      <a:r>
+                        <a:rPr lang="ko-KR" altLang="en-US" sz="1050" b="0" dirty="0">
+                          <a:solidFill>
+                            <a:schemeClr val="tx1"/>
+                          </a:solidFill>
+                          <a:latin typeface="KoPubWorld돋움체 Medium" panose="00000600000000000000" pitchFamily="2" charset="-127"/>
+                          <a:ea typeface="KoPubWorld돋움체 Medium" panose="00000600000000000000" pitchFamily="2" charset="-127"/>
+                          <a:cs typeface="KoPubWorld돋움체 Medium" panose="00000600000000000000" pitchFamily="2" charset="-127"/>
+                        </a:rPr>
+                        <a:t>인적 자원 피해 상황에 대한 추가 조사</a:t>
+                      </a:r>
+                    </a:p>
+                  </a:txBody>
+                  <a:tcPr marL="95991" marR="95991" marT="0" marB="0" anchor="ctr">
+                    <a:lnL w="12700" cap="flat" cmpd="sng" algn="ctr">
+                      <a:solidFill>
+                        <a:schemeClr val="bg2">
+                          <a:lumMod val="50000"/>
+                        </a:schemeClr>
+                      </a:solidFill>
+                      <a:prstDash val="solid"/>
+                      <a:round/>
+                      <a:headEnd type="none" w="med" len="med"/>
+                      <a:tailEnd type="none" w="med" len="med"/>
+                    </a:lnL>
+                    <a:lnR w="12700" cap="flat" cmpd="sng" algn="ctr">
+                      <a:solidFill>
+                        <a:schemeClr val="bg2">
+                          <a:lumMod val="50000"/>
+                        </a:schemeClr>
+                      </a:solidFill>
+                      <a:prstDash val="solid"/>
+                      <a:round/>
+                      <a:headEnd type="none" w="med" len="med"/>
+                      <a:tailEnd type="none" w="med" len="med"/>
+                    </a:lnR>
+                    <a:lnT w="12700" cap="flat" cmpd="sng" algn="ctr">
+                      <a:solidFill>
+                        <a:schemeClr val="bg2">
+                          <a:lumMod val="50000"/>
+                        </a:schemeClr>
+                      </a:solidFill>
+                      <a:prstDash val="solid"/>
+                      <a:round/>
+                      <a:headEnd type="none" w="med" len="med"/>
+                      <a:tailEnd type="none" w="med" len="med"/>
+                    </a:lnT>
+                    <a:lnB w="12700" cap="flat" cmpd="sng" algn="ctr">
+                      <a:solidFill>
+                        <a:schemeClr val="bg2">
+                          <a:lumMod val="50000"/>
+                        </a:schemeClr>
+                      </a:solidFill>
+                      <a:prstDash val="solid"/>
+                      <a:round/>
+                      <a:headEnd type="none" w="med" len="med"/>
+                      <a:tailEnd type="none" w="med" len="med"/>
+                    </a:lnB>
+                    <a:solidFill>
+                      <a:schemeClr val="bg1"/>
+                    </a:solidFill>
+                  </a:tcPr>
+                </a:tc>
+                <a:tc>
+                  <a:txBody>
+                    <a:bodyPr/>
+                    <a:lstStyle/>
+                    <a:p>
+                      <a:pPr algn="ctr" latinLnBrk="1"/>
+                      <a:r>
+                        <a:rPr lang="ko-KR" altLang="en-US" sz="1050" b="0" dirty="0">
+                          <a:solidFill>
+                            <a:schemeClr val="tx1"/>
+                          </a:solidFill>
+                          <a:latin typeface="KoPubWorld돋움체 Medium" panose="00000600000000000000" pitchFamily="2" charset="-127"/>
+                          <a:ea typeface="KoPubWorld돋움체 Medium" panose="00000600000000000000" pitchFamily="2" charset="-127"/>
+                          <a:cs typeface="KoPubWorld돋움체 Medium" panose="00000600000000000000" pitchFamily="2" charset="-127"/>
+                        </a:rPr>
+                        <a:t>포항 이외의 지역에서도 데이터 수집</a:t>
+                      </a:r>
+                    </a:p>
+                  </a:txBody>
+                  <a:tcPr marL="95991" marR="95991" marT="0" marB="0" anchor="ctr">
+                    <a:lnL w="12700" cap="flat" cmpd="sng" algn="ctr">
+                      <a:solidFill>
+                        <a:schemeClr val="bg2">
+                          <a:lumMod val="50000"/>
+                        </a:schemeClr>
+                      </a:solidFill>
+                      <a:prstDash val="solid"/>
+                      <a:round/>
+                      <a:headEnd type="none" w="med" len="med"/>
+                      <a:tailEnd type="none" w="med" len="med"/>
+                    </a:lnL>
+                    <a:lnR w="12700" cap="flat" cmpd="sng" algn="ctr">
+                      <a:solidFill>
+                        <a:schemeClr val="bg2">
+                          <a:lumMod val="50000"/>
+                        </a:schemeClr>
+                      </a:solidFill>
+                      <a:prstDash val="solid"/>
+                      <a:round/>
+                      <a:headEnd type="none" w="med" len="med"/>
+                      <a:tailEnd type="none" w="med" len="med"/>
+                    </a:lnR>
+                    <a:lnT w="12700" cap="flat" cmpd="sng" algn="ctr">
+                      <a:solidFill>
+                        <a:schemeClr val="bg2">
+                          <a:lumMod val="50000"/>
+                        </a:schemeClr>
+                      </a:solidFill>
+                      <a:prstDash val="solid"/>
+                      <a:round/>
+                      <a:headEnd type="none" w="med" len="med"/>
+                      <a:tailEnd type="none" w="med" len="med"/>
+                    </a:lnT>
+                    <a:lnB w="12700" cap="flat" cmpd="sng" algn="ctr">
+                      <a:solidFill>
+                        <a:schemeClr val="bg2">
+                          <a:lumMod val="50000"/>
+                        </a:schemeClr>
+                      </a:solidFill>
+                      <a:prstDash val="solid"/>
+                      <a:round/>
+                      <a:headEnd type="none" w="med" len="med"/>
+                      <a:tailEnd type="none" w="med" len="med"/>
+                    </a:lnB>
+                    <a:solidFill>
+                      <a:schemeClr val="bg1"/>
+                    </a:solidFill>
+                  </a:tcPr>
+                </a:tc>
+                <a:tc>
+                  <a:txBody>
+                    <a:bodyPr/>
+                    <a:lstStyle/>
+                    <a:p>
+                      <a:pPr algn="ctr" latinLnBrk="1"/>
+                      <a:r>
+                        <a:rPr lang="ko-KR" altLang="en-US" sz="1050" b="0" dirty="0">
+                          <a:solidFill>
+                            <a:schemeClr val="tx1"/>
+                          </a:solidFill>
+                          <a:latin typeface="KoPubWorld돋움체 Medium" panose="00000600000000000000" pitchFamily="2" charset="-127"/>
+                          <a:ea typeface="KoPubWorld돋움체 Medium" panose="00000600000000000000" pitchFamily="2" charset="-127"/>
+                          <a:cs typeface="KoPubWorld돋움체 Medium" panose="00000600000000000000" pitchFamily="2" charset="-127"/>
+                        </a:rPr>
+                        <a:t>지진 발생 시 다양한 측면을 고려하여 모형 도출</a:t>
+                      </a:r>
+                    </a:p>
+                  </a:txBody>
+                  <a:tcPr marL="95991" marR="95991" marT="0" marB="0" anchor="ctr">
+                    <a:lnL w="12700" cap="flat" cmpd="sng" algn="ctr">
+                      <a:solidFill>
+                        <a:schemeClr val="bg2">
+                          <a:lumMod val="50000"/>
+                        </a:schemeClr>
+                      </a:solidFill>
+                      <a:prstDash val="solid"/>
+                      <a:round/>
+                      <a:headEnd type="none" w="med" len="med"/>
+                      <a:tailEnd type="none" w="med" len="med"/>
+                    </a:lnL>
+                    <a:lnR w="12700" cap="flat" cmpd="sng" algn="ctr">
+                      <a:solidFill>
+                        <a:schemeClr val="bg2">
+                          <a:lumMod val="50000"/>
+                        </a:schemeClr>
+                      </a:solidFill>
+                      <a:prstDash val="solid"/>
+                      <a:round/>
+                      <a:headEnd type="none" w="med" len="med"/>
+                      <a:tailEnd type="none" w="med" len="med"/>
+                    </a:lnR>
+                    <a:lnT w="12700" cap="flat" cmpd="sng" algn="ctr">
+                      <a:solidFill>
+                        <a:schemeClr val="bg2">
+                          <a:lumMod val="50000"/>
+                        </a:schemeClr>
+                      </a:solidFill>
+                      <a:prstDash val="solid"/>
+                      <a:round/>
+                      <a:headEnd type="none" w="med" len="med"/>
+                      <a:tailEnd type="none" w="med" len="med"/>
+                    </a:lnT>
+                    <a:lnB w="12700" cap="flat" cmpd="sng" algn="ctr">
+                      <a:solidFill>
+                        <a:schemeClr val="bg2">
+                          <a:lumMod val="50000"/>
+                        </a:schemeClr>
+                      </a:solidFill>
+                      <a:prstDash val="solid"/>
+                      <a:round/>
+                      <a:headEnd type="none" w="med" len="med"/>
+                      <a:tailEnd type="none" w="med" len="med"/>
+                    </a:lnB>
+                    <a:solidFill>
+                      <a:schemeClr val="bg1"/>
+                    </a:solidFill>
+                  </a:tcPr>
+                </a:tc>
+                <a:tc>
+                  <a:txBody>
+                    <a:bodyPr/>
+                    <a:lstStyle/>
+                    <a:p>
+                      <a:pPr algn="ctr" latinLnBrk="1"/>
+                      <a:r>
+                        <a:rPr lang="ko-KR" altLang="en-US" sz="1200" b="0" dirty="0">
+                          <a:solidFill>
+                            <a:schemeClr val="tx1"/>
+                          </a:solidFill>
+                          <a:latin typeface="KoPubWorld돋움체 Medium" panose="00000600000000000000" pitchFamily="2" charset="-127"/>
+                          <a:ea typeface="KoPubWorld돋움체 Medium" panose="00000600000000000000" pitchFamily="2" charset="-127"/>
+                          <a:cs typeface="KoPubWorld돋움체 Medium" panose="00000600000000000000" pitchFamily="2" charset="-127"/>
+                        </a:rPr>
+                        <a:t>최적 대피소에 대한 분석 진행</a:t>
+                      </a:r>
+                    </a:p>
+                  </a:txBody>
+                  <a:tcPr marL="95991" marR="95991" marT="0" marB="0" anchor="ctr">
+                    <a:lnL w="12700" cap="flat" cmpd="sng" algn="ctr">
+                      <a:solidFill>
+                        <a:schemeClr val="bg2">
+                          <a:lumMod val="50000"/>
+                        </a:schemeClr>
+                      </a:solidFill>
+                      <a:prstDash val="solid"/>
+                      <a:round/>
+                      <a:headEnd type="none" w="med" len="med"/>
+                      <a:tailEnd type="none" w="med" len="med"/>
+                    </a:lnL>
+                    <a:lnR w="12700" cap="flat" cmpd="sng" algn="ctr">
+                      <a:solidFill>
+                        <a:schemeClr val="bg2">
+                          <a:lumMod val="50000"/>
+                        </a:schemeClr>
+                      </a:solidFill>
+                      <a:prstDash val="solid"/>
+                      <a:round/>
+                      <a:headEnd type="none" w="med" len="med"/>
+                      <a:tailEnd type="none" w="med" len="med"/>
+                    </a:lnR>
+                    <a:lnT w="12700" cap="flat" cmpd="sng" algn="ctr">
+                      <a:solidFill>
+                        <a:schemeClr val="bg2">
+                          <a:lumMod val="50000"/>
+                        </a:schemeClr>
+                      </a:solidFill>
+                      <a:prstDash val="solid"/>
+                      <a:round/>
+                      <a:headEnd type="none" w="med" len="med"/>
+                      <a:tailEnd type="none" w="med" len="med"/>
+                    </a:lnT>
+                    <a:lnB w="12700" cap="flat" cmpd="sng" algn="ctr">
+                      <a:solidFill>
+                        <a:schemeClr val="bg2">
+                          <a:lumMod val="50000"/>
+                        </a:schemeClr>
+                      </a:solidFill>
+                      <a:prstDash val="solid"/>
+                      <a:round/>
+                      <a:headEnd type="none" w="med" len="med"/>
+                      <a:tailEnd type="none" w="med" len="med"/>
+                    </a:lnB>
+                    <a:solidFill>
+                      <a:schemeClr val="bg1"/>
+                    </a:solidFill>
+                  </a:tcPr>
+                </a:tc>
+                <a:extLst>
+                  <a:ext uri="{0D108BD9-81ED-4DB2-BD59-A6C34878D82A}">
+                    <a16:rowId xmlns:a16="http://schemas.microsoft.com/office/drawing/2014/main" val="10001"/>
+                  </a:ext>
+                </a:extLst>
+              </a:tr>
+              <a:tr h="558595">
+                <a:tc rowSpan="2">
+                  <a:txBody>
+                    <a:bodyPr/>
+                    <a:lstStyle/>
+                    <a:p>
+                      <a:pPr marL="0" marR="0" lvl="0" indent="0" algn="l" defTabSz="914400" rtl="0" eaLnBrk="1" fontAlgn="auto" latinLnBrk="1" hangingPunct="1">
+                        <a:lnSpc>
+                          <a:spcPct val="100000"/>
+                        </a:lnSpc>
+                        <a:spcBef>
+                          <a:spcPts val="0"/>
+                        </a:spcBef>
+                        <a:spcAft>
+                          <a:spcPts val="0"/>
+                        </a:spcAft>
+                        <a:buClrTx/>
+                        <a:buSzTx/>
+                        <a:buFontTx/>
+                        <a:buNone/>
+                        <a:tabLst/>
+                        <a:defRPr/>
+                      </a:pPr>
+                      <a:r>
+                        <a:rPr lang="en-US" altLang="ko-KR" sz="1100" b="0" dirty="0">
+                          <a:solidFill>
+                            <a:schemeClr val="tx1"/>
+                          </a:solidFill>
+                          <a:latin typeface="KoPubWorld돋움체 Medium" panose="00000600000000000000" pitchFamily="2" charset="-127"/>
+                          <a:ea typeface="KoPubWorld돋움체 Medium" panose="00000600000000000000" pitchFamily="2" charset="-127"/>
+                          <a:cs typeface="KoPubWorld돋움체 Medium" panose="00000600000000000000" pitchFamily="2" charset="-127"/>
+                        </a:rPr>
+                        <a:t>[</a:t>
+                      </a:r>
+                      <a:r>
+                        <a:rPr lang="ko-KR" altLang="en-US" sz="1100" b="0" dirty="0">
+                          <a:solidFill>
+                            <a:schemeClr val="tx1"/>
+                          </a:solidFill>
+                          <a:latin typeface="KoPubWorld돋움체 Medium" panose="00000600000000000000" pitchFamily="2" charset="-127"/>
+                          <a:ea typeface="KoPubWorld돋움체 Medium" panose="00000600000000000000" pitchFamily="2" charset="-127"/>
+                          <a:cs typeface="KoPubWorld돋움체 Medium" panose="00000600000000000000" pitchFamily="2" charset="-127"/>
+                        </a:rPr>
+                        <a:t>분석 세부주제</a:t>
+                      </a:r>
+                      <a:r>
+                        <a:rPr lang="en-US" altLang="ko-KR" sz="1100" b="0" dirty="0">
+                          <a:solidFill>
+                            <a:schemeClr val="tx1"/>
+                          </a:solidFill>
+                          <a:latin typeface="KoPubWorld돋움체 Medium" panose="00000600000000000000" pitchFamily="2" charset="-127"/>
+                          <a:ea typeface="KoPubWorld돋움체 Medium" panose="00000600000000000000" pitchFamily="2" charset="-127"/>
+                          <a:cs typeface="KoPubWorld돋움체 Medium" panose="00000600000000000000" pitchFamily="2" charset="-127"/>
+                        </a:rPr>
+                        <a:t>2]</a:t>
+                      </a:r>
+                    </a:p>
+                    <a:p>
+                      <a:pPr algn="l" latinLnBrk="1"/>
+                      <a:endParaRPr lang="ko-KR" altLang="en-US" sz="1100" b="0" dirty="0">
+                        <a:solidFill>
+                          <a:schemeClr val="tx1"/>
+                        </a:solidFill>
+                        <a:latin typeface="KoPubWorld돋움체 Medium" panose="00000600000000000000" pitchFamily="2" charset="-127"/>
+                        <a:ea typeface="KoPubWorld돋움체 Medium" panose="00000600000000000000" pitchFamily="2" charset="-127"/>
+                        <a:cs typeface="KoPubWorld돋움체 Medium" panose="00000600000000000000" pitchFamily="2" charset="-127"/>
+                      </a:endParaRPr>
+                    </a:p>
+                  </a:txBody>
+                  <a:tcPr marL="95991" marR="95991" marT="0" marB="0">
+                    <a:lnL w="12700" cap="flat" cmpd="sng" algn="ctr">
+                      <a:solidFill>
+                        <a:schemeClr val="bg2">
+                          <a:lumMod val="50000"/>
+                        </a:schemeClr>
+                      </a:solidFill>
+                      <a:prstDash val="solid"/>
+                      <a:round/>
+                      <a:headEnd type="none" w="med" len="med"/>
+                      <a:tailEnd type="none" w="med" len="med"/>
+                    </a:lnL>
+                    <a:lnR w="12700" cap="flat" cmpd="sng" algn="ctr">
+                      <a:solidFill>
+                        <a:schemeClr val="bg2">
+                          <a:lumMod val="50000"/>
+                        </a:schemeClr>
+                      </a:solidFill>
+                      <a:prstDash val="solid"/>
+                      <a:round/>
+                      <a:headEnd type="none" w="med" len="med"/>
+                      <a:tailEnd type="none" w="med" len="med"/>
+                    </a:lnR>
+                    <a:lnT w="12700" cap="flat" cmpd="sng" algn="ctr">
+                      <a:solidFill>
+                        <a:schemeClr val="bg2">
+                          <a:lumMod val="50000"/>
+                        </a:schemeClr>
+                      </a:solidFill>
+                      <a:prstDash val="solid"/>
+                      <a:round/>
+                      <a:headEnd type="none" w="med" len="med"/>
+                      <a:tailEnd type="none" w="med" len="med"/>
+                    </a:lnT>
+                    <a:lnB w="12700" cap="flat" cmpd="sng" algn="ctr">
+                      <a:solidFill>
+                        <a:schemeClr val="bg2">
+                          <a:lumMod val="50000"/>
+                        </a:schemeClr>
+                      </a:solidFill>
+                      <a:prstDash val="solid"/>
+                      <a:round/>
+                      <a:headEnd type="none" w="med" len="med"/>
+                      <a:tailEnd type="none" w="med" len="med"/>
+                    </a:lnB>
+                    <a:solidFill>
+                      <a:schemeClr val="bg1">
+                        <a:lumMod val="85000"/>
+                      </a:schemeClr>
+                    </a:solidFill>
+                  </a:tcPr>
+                </a:tc>
+                <a:tc>
+                  <a:txBody>
+                    <a:bodyPr/>
+                    <a:lstStyle/>
+                    <a:p>
+                      <a:pPr algn="ctr" latinLnBrk="1"/>
+                      <a:r>
+                        <a:rPr lang="ko-KR" altLang="en-US" sz="1050" b="0" dirty="0">
+                          <a:solidFill>
+                            <a:schemeClr val="tx1"/>
+                          </a:solidFill>
+                          <a:latin typeface="KoPubWorld돋움체 Medium" panose="00000600000000000000" pitchFamily="2" charset="-127"/>
+                          <a:ea typeface="KoPubWorld돋움체 Medium" panose="00000600000000000000" pitchFamily="2" charset="-127"/>
+                          <a:cs typeface="KoPubWorld돋움체 Medium" panose="00000600000000000000" pitchFamily="2" charset="-127"/>
+                        </a:rPr>
+                        <a:t>개선</a:t>
+                      </a:r>
+                      <a:endParaRPr lang="en-US" altLang="ko-KR" sz="1050" b="0" dirty="0">
+                        <a:solidFill>
+                          <a:schemeClr val="tx1"/>
+                        </a:solidFill>
+                        <a:latin typeface="KoPubWorld돋움체 Medium" panose="00000600000000000000" pitchFamily="2" charset="-127"/>
+                        <a:ea typeface="KoPubWorld돋움체 Medium" panose="00000600000000000000" pitchFamily="2" charset="-127"/>
+                        <a:cs typeface="KoPubWorld돋움체 Medium" panose="00000600000000000000" pitchFamily="2" charset="-127"/>
+                      </a:endParaRPr>
+                    </a:p>
+                    <a:p>
+                      <a:pPr algn="ctr" latinLnBrk="1"/>
+                      <a:r>
+                        <a:rPr lang="ko-KR" altLang="en-US" sz="1050" b="0" dirty="0" err="1">
+                          <a:solidFill>
+                            <a:schemeClr val="tx1"/>
+                          </a:solidFill>
+                          <a:latin typeface="KoPubWorld돋움체 Medium" panose="00000600000000000000" pitchFamily="2" charset="-127"/>
+                          <a:ea typeface="KoPubWorld돋움체 Medium" panose="00000600000000000000" pitchFamily="2" charset="-127"/>
+                          <a:cs typeface="KoPubWorld돋움체 Medium" panose="00000600000000000000" pitchFamily="2" charset="-127"/>
+                        </a:rPr>
+                        <a:t>필요점</a:t>
+                      </a:r>
+                      <a:endParaRPr lang="ko-KR" altLang="en-US" sz="1050" b="0" dirty="0">
+                        <a:solidFill>
+                          <a:schemeClr val="tx1"/>
+                        </a:solidFill>
+                        <a:latin typeface="KoPubWorld돋움체 Medium" panose="00000600000000000000" pitchFamily="2" charset="-127"/>
+                        <a:ea typeface="KoPubWorld돋움체 Medium" panose="00000600000000000000" pitchFamily="2" charset="-127"/>
+                        <a:cs typeface="KoPubWorld돋움체 Medium" panose="00000600000000000000" pitchFamily="2" charset="-127"/>
+                      </a:endParaRPr>
+                    </a:p>
+                    <a:p>
+                      <a:pPr algn="ctr" latinLnBrk="1"/>
+                      <a:endParaRPr lang="ko-KR" altLang="en-US" sz="1050" b="0" dirty="0">
+                        <a:solidFill>
+                          <a:schemeClr val="tx1"/>
+                        </a:solidFill>
+                        <a:latin typeface="KoPubWorld돋움체 Medium" panose="00000600000000000000" pitchFamily="2" charset="-127"/>
+                        <a:ea typeface="KoPubWorld돋움체 Medium" panose="00000600000000000000" pitchFamily="2" charset="-127"/>
+                        <a:cs typeface="KoPubWorld돋움체 Medium" panose="00000600000000000000" pitchFamily="2" charset="-127"/>
+                      </a:endParaRPr>
+                    </a:p>
+                  </a:txBody>
+                  <a:tcPr marL="95991" marR="95991" marT="0" marB="0" anchor="ctr">
+                    <a:lnL w="12700" cap="flat" cmpd="sng" algn="ctr">
+                      <a:solidFill>
+                        <a:schemeClr val="bg2">
+                          <a:lumMod val="50000"/>
+                        </a:schemeClr>
+                      </a:solidFill>
+                      <a:prstDash val="solid"/>
+                      <a:round/>
+                      <a:headEnd type="none" w="med" len="med"/>
+                      <a:tailEnd type="none" w="med" len="med"/>
+                    </a:lnL>
+                    <a:lnR w="12700" cap="flat" cmpd="sng" algn="ctr">
+                      <a:solidFill>
+                        <a:schemeClr val="bg2">
+                          <a:lumMod val="50000"/>
+                        </a:schemeClr>
+                      </a:solidFill>
+                      <a:prstDash val="solid"/>
+                      <a:round/>
+                      <a:headEnd type="none" w="med" len="med"/>
+                      <a:tailEnd type="none" w="med" len="med"/>
+                    </a:lnR>
+                    <a:lnT w="12700" cap="flat" cmpd="sng" algn="ctr">
+                      <a:solidFill>
+                        <a:schemeClr val="bg2">
+                          <a:lumMod val="50000"/>
+                        </a:schemeClr>
+                      </a:solidFill>
+                      <a:prstDash val="solid"/>
+                      <a:round/>
+                      <a:headEnd type="none" w="med" len="med"/>
+                      <a:tailEnd type="none" w="med" len="med"/>
+                    </a:lnT>
+                    <a:lnB w="12700" cap="flat" cmpd="sng" algn="ctr">
+                      <a:solidFill>
+                        <a:schemeClr val="bg2">
+                          <a:lumMod val="50000"/>
+                        </a:schemeClr>
+                      </a:solidFill>
+                      <a:prstDash val="solid"/>
+                      <a:round/>
+                      <a:headEnd type="none" w="med" len="med"/>
+                      <a:tailEnd type="none" w="med" len="med"/>
+                    </a:lnB>
+                    <a:solidFill>
+                      <a:schemeClr val="bg1">
+                        <a:lumMod val="85000"/>
+                      </a:schemeClr>
+                    </a:solidFill>
+                  </a:tcPr>
+                </a:tc>
+                <a:tc>
+                  <a:txBody>
+                    <a:bodyPr/>
+                    <a:lstStyle/>
+                    <a:p>
+                      <a:pPr algn="ctr" latinLnBrk="1"/>
+                      <a:endParaRPr lang="ko-KR" altLang="en-US" sz="1050" b="0" dirty="0">
+                        <a:solidFill>
+                          <a:schemeClr val="tx1"/>
+                        </a:solidFill>
+                        <a:latin typeface="KoPubWorld돋움체 Medium" panose="00000600000000000000" pitchFamily="2" charset="-127"/>
+                        <a:ea typeface="KoPubWorld돋움체 Medium" panose="00000600000000000000" pitchFamily="2" charset="-127"/>
+                        <a:cs typeface="KoPubWorld돋움체 Medium" panose="00000600000000000000" pitchFamily="2" charset="-127"/>
+                      </a:endParaRPr>
+                    </a:p>
+                  </a:txBody>
+                  <a:tcPr marL="95991" marR="95991" marT="0" marB="0" anchor="ctr">
+                    <a:lnL w="12700" cap="flat" cmpd="sng" algn="ctr">
+                      <a:solidFill>
+                        <a:schemeClr val="bg2">
+                          <a:lumMod val="50000"/>
+                        </a:schemeClr>
+                      </a:solidFill>
+                      <a:prstDash val="solid"/>
+                      <a:round/>
+                      <a:headEnd type="none" w="med" len="med"/>
+                      <a:tailEnd type="none" w="med" len="med"/>
+                    </a:lnL>
+                    <a:lnR w="12700" cap="flat" cmpd="sng" algn="ctr">
+                      <a:solidFill>
+                        <a:schemeClr val="bg2">
+                          <a:lumMod val="50000"/>
+                        </a:schemeClr>
+                      </a:solidFill>
+                      <a:prstDash val="solid"/>
+                      <a:round/>
+                      <a:headEnd type="none" w="med" len="med"/>
+                      <a:tailEnd type="none" w="med" len="med"/>
+                    </a:lnR>
+                    <a:lnT w="12700" cap="flat" cmpd="sng" algn="ctr">
+                      <a:solidFill>
+                        <a:schemeClr val="bg2">
+                          <a:lumMod val="50000"/>
+                        </a:schemeClr>
+                      </a:solidFill>
+                      <a:prstDash val="solid"/>
+                      <a:round/>
+                      <a:headEnd type="none" w="med" len="med"/>
+                      <a:tailEnd type="none" w="med" len="med"/>
+                    </a:lnT>
+                    <a:lnB w="12700" cap="flat" cmpd="sng" algn="ctr">
+                      <a:solidFill>
+                        <a:schemeClr val="bg2">
+                          <a:lumMod val="50000"/>
+                        </a:schemeClr>
+                      </a:solidFill>
+                      <a:prstDash val="solid"/>
+                      <a:round/>
+                      <a:headEnd type="none" w="med" len="med"/>
+                      <a:tailEnd type="none" w="med" len="med"/>
+                    </a:lnB>
+                    <a:solidFill>
+                      <a:schemeClr val="bg1"/>
+                    </a:solidFill>
+                  </a:tcPr>
+                </a:tc>
+                <a:tc>
+                  <a:txBody>
+                    <a:bodyPr/>
+                    <a:lstStyle/>
+                    <a:p>
+                      <a:pPr algn="ctr" latinLnBrk="1"/>
+                      <a:endParaRPr lang="ko-KR" altLang="en-US" sz="1050" b="0" dirty="0">
+                        <a:solidFill>
+                          <a:schemeClr val="tx1"/>
+                        </a:solidFill>
+                        <a:latin typeface="KoPubWorld돋움체 Medium" panose="00000600000000000000" pitchFamily="2" charset="-127"/>
+                        <a:ea typeface="KoPubWorld돋움체 Medium" panose="00000600000000000000" pitchFamily="2" charset="-127"/>
+                        <a:cs typeface="KoPubWorld돋움체 Medium" panose="00000600000000000000" pitchFamily="2" charset="-127"/>
+                      </a:endParaRPr>
+                    </a:p>
+                  </a:txBody>
+                  <a:tcPr marL="95991" marR="95991" marT="0" marB="0" anchor="ctr">
+                    <a:lnL w="12700" cap="flat" cmpd="sng" algn="ctr">
+                      <a:solidFill>
+                        <a:schemeClr val="bg2">
+                          <a:lumMod val="50000"/>
+                        </a:schemeClr>
+                      </a:solidFill>
+                      <a:prstDash val="solid"/>
+                      <a:round/>
+                      <a:headEnd type="none" w="med" len="med"/>
+                      <a:tailEnd type="none" w="med" len="med"/>
+                    </a:lnL>
+                    <a:lnR w="12700" cap="flat" cmpd="sng" algn="ctr">
+                      <a:solidFill>
+                        <a:schemeClr val="bg2">
+                          <a:lumMod val="50000"/>
+                        </a:schemeClr>
+                      </a:solidFill>
+                      <a:prstDash val="solid"/>
+                      <a:round/>
+                      <a:headEnd type="none" w="med" len="med"/>
+                      <a:tailEnd type="none" w="med" len="med"/>
+                    </a:lnR>
+                    <a:lnT w="12700" cap="flat" cmpd="sng" algn="ctr">
+                      <a:solidFill>
+                        <a:schemeClr val="bg2">
+                          <a:lumMod val="50000"/>
+                        </a:schemeClr>
+                      </a:solidFill>
+                      <a:prstDash val="solid"/>
+                      <a:round/>
+                      <a:headEnd type="none" w="med" len="med"/>
+                      <a:tailEnd type="none" w="med" len="med"/>
+                    </a:lnT>
+                    <a:lnB w="12700" cap="flat" cmpd="sng" algn="ctr">
+                      <a:solidFill>
+                        <a:schemeClr val="bg2">
+                          <a:lumMod val="50000"/>
+                        </a:schemeClr>
+                      </a:solidFill>
+                      <a:prstDash val="solid"/>
+                      <a:round/>
+                      <a:headEnd type="none" w="med" len="med"/>
+                      <a:tailEnd type="none" w="med" len="med"/>
+                    </a:lnB>
+                    <a:solidFill>
+                      <a:schemeClr val="bg1"/>
+                    </a:solidFill>
+                  </a:tcPr>
+                </a:tc>
+                <a:tc>
+                  <a:txBody>
+                    <a:bodyPr/>
+                    <a:lstStyle/>
+                    <a:p>
+                      <a:pPr algn="ctr" latinLnBrk="1"/>
+                      <a:endParaRPr lang="ko-KR" altLang="en-US" sz="1050" b="0" dirty="0">
+                        <a:solidFill>
+                          <a:schemeClr val="tx1"/>
+                        </a:solidFill>
+                        <a:latin typeface="KoPubWorld돋움체 Medium" panose="00000600000000000000" pitchFamily="2" charset="-127"/>
+                        <a:ea typeface="KoPubWorld돋움체 Medium" panose="00000600000000000000" pitchFamily="2" charset="-127"/>
+                        <a:cs typeface="KoPubWorld돋움체 Medium" panose="00000600000000000000" pitchFamily="2" charset="-127"/>
+                      </a:endParaRPr>
+                    </a:p>
+                  </a:txBody>
+                  <a:tcPr marL="95991" marR="95991" marT="0" marB="0" anchor="ctr">
+                    <a:lnL w="12700" cap="flat" cmpd="sng" algn="ctr">
+                      <a:solidFill>
+                        <a:schemeClr val="bg2">
+                          <a:lumMod val="50000"/>
+                        </a:schemeClr>
+                      </a:solidFill>
+                      <a:prstDash val="solid"/>
+                      <a:round/>
+                      <a:headEnd type="none" w="med" len="med"/>
+                      <a:tailEnd type="none" w="med" len="med"/>
+                    </a:lnL>
+                    <a:lnR w="12700" cap="flat" cmpd="sng" algn="ctr">
+                      <a:solidFill>
+                        <a:schemeClr val="bg2">
+                          <a:lumMod val="50000"/>
+                        </a:schemeClr>
+                      </a:solidFill>
+                      <a:prstDash val="solid"/>
+                      <a:round/>
+                      <a:headEnd type="none" w="med" len="med"/>
+                      <a:tailEnd type="none" w="med" len="med"/>
+                    </a:lnR>
+                    <a:lnT w="12700" cap="flat" cmpd="sng" algn="ctr">
+                      <a:solidFill>
+                        <a:schemeClr val="bg2">
+                          <a:lumMod val="50000"/>
+                        </a:schemeClr>
+                      </a:solidFill>
+                      <a:prstDash val="solid"/>
+                      <a:round/>
+                      <a:headEnd type="none" w="med" len="med"/>
+                      <a:tailEnd type="none" w="med" len="med"/>
+                    </a:lnT>
+                    <a:lnB w="12700" cap="flat" cmpd="sng" algn="ctr">
+                      <a:solidFill>
+                        <a:schemeClr val="bg2">
+                          <a:lumMod val="50000"/>
+                        </a:schemeClr>
+                      </a:solidFill>
+                      <a:prstDash val="solid"/>
+                      <a:round/>
+                      <a:headEnd type="none" w="med" len="med"/>
+                      <a:tailEnd type="none" w="med" len="med"/>
+                    </a:lnB>
+                    <a:solidFill>
+                      <a:schemeClr val="bg1"/>
+                    </a:solidFill>
+                  </a:tcPr>
+                </a:tc>
+                <a:tc>
+                  <a:txBody>
+                    <a:bodyPr/>
+                    <a:lstStyle/>
+                    <a:p>
+                      <a:pPr algn="ctr" latinLnBrk="1"/>
+                      <a:endParaRPr lang="ko-KR" altLang="en-US" sz="1200" b="0" dirty="0">
+                        <a:solidFill>
+                          <a:schemeClr val="tx1"/>
+                        </a:solidFill>
+                        <a:latin typeface="KoPubWorld돋움체 Medium" panose="00000600000000000000" pitchFamily="2" charset="-127"/>
+                        <a:ea typeface="KoPubWorld돋움체 Medium" panose="00000600000000000000" pitchFamily="2" charset="-127"/>
+                        <a:cs typeface="KoPubWorld돋움체 Medium" panose="00000600000000000000" pitchFamily="2" charset="-127"/>
+                      </a:endParaRPr>
+                    </a:p>
+                  </a:txBody>
+                  <a:tcPr marL="95991" marR="95991" marT="0" marB="0" anchor="ctr">
+                    <a:lnL w="12700" cap="flat" cmpd="sng" algn="ctr">
+                      <a:solidFill>
+                        <a:schemeClr val="bg2">
+                          <a:lumMod val="50000"/>
+                        </a:schemeClr>
+                      </a:solidFill>
+                      <a:prstDash val="solid"/>
+                      <a:round/>
+                      <a:headEnd type="none" w="med" len="med"/>
+                      <a:tailEnd type="none" w="med" len="med"/>
+                    </a:lnL>
+                    <a:lnR w="12700" cap="flat" cmpd="sng" algn="ctr">
+                      <a:solidFill>
+                        <a:schemeClr val="bg2">
+                          <a:lumMod val="50000"/>
+                        </a:schemeClr>
+                      </a:solidFill>
+                      <a:prstDash val="solid"/>
+                      <a:round/>
+                      <a:headEnd type="none" w="med" len="med"/>
+                      <a:tailEnd type="none" w="med" len="med"/>
+                    </a:lnR>
+                    <a:lnT w="12700" cap="flat" cmpd="sng" algn="ctr">
+                      <a:solidFill>
+                        <a:schemeClr val="bg2">
+                          <a:lumMod val="50000"/>
+                        </a:schemeClr>
+                      </a:solidFill>
+                      <a:prstDash val="solid"/>
+                      <a:round/>
+                      <a:headEnd type="none" w="med" len="med"/>
+                      <a:tailEnd type="none" w="med" len="med"/>
+                    </a:lnT>
+                    <a:lnB w="12700" cap="flat" cmpd="sng" algn="ctr">
+                      <a:solidFill>
+                        <a:schemeClr val="bg2">
+                          <a:lumMod val="50000"/>
+                        </a:schemeClr>
+                      </a:solidFill>
+                      <a:prstDash val="solid"/>
+                      <a:round/>
+                      <a:headEnd type="none" w="med" len="med"/>
+                      <a:tailEnd type="none" w="med" len="med"/>
+                    </a:lnB>
+                    <a:solidFill>
+                      <a:schemeClr val="bg1"/>
+                    </a:solidFill>
+                  </a:tcPr>
+                </a:tc>
+                <a:extLst>
+                  <a:ext uri="{0D108BD9-81ED-4DB2-BD59-A6C34878D82A}">
+                    <a16:rowId xmlns:a16="http://schemas.microsoft.com/office/drawing/2014/main" val="10002"/>
+                  </a:ext>
+                </a:extLst>
+              </a:tr>
+              <a:tr h="558492">
+                <a:tc vMerge="1">
+                  <a:txBody>
+                    <a:bodyPr/>
+                    <a:lstStyle/>
+                    <a:p>
+                      <a:pPr latinLnBrk="1"/>
+                      <a:endParaRPr lang="ko-KR" altLang="en-US" sz="1000" dirty="0">
+                        <a:solidFill>
+                          <a:schemeClr val="tx1"/>
+                        </a:solidFill>
+                      </a:endParaRPr>
+                    </a:p>
+                  </a:txBody>
+                  <a:tcPr anchor="ctr">
+                    <a:lnL w="12700" cap="flat" cmpd="sng" algn="ctr">
+                      <a:solidFill>
+                        <a:schemeClr val="bg1"/>
+                      </a:solidFill>
+                      <a:prstDash val="solid"/>
+                      <a:round/>
+                      <a:headEnd type="none" w="med" len="med"/>
+                      <a:tailEnd type="none" w="med" len="med"/>
+                    </a:lnL>
+                    <a:lnR w="12700" cap="flat" cmpd="sng" algn="ctr">
+                      <a:solidFill>
+                        <a:schemeClr val="tx1">
+                          <a:lumMod val="50000"/>
+                          <a:lumOff val="50000"/>
+                        </a:schemeClr>
+                      </a:solidFill>
+                      <a:prstDash val="solid"/>
+                      <a:round/>
+                      <a:headEnd type="none" w="med" len="med"/>
+                      <a:tailEnd type="none" w="med" len="med"/>
+                    </a:lnR>
+                    <a:lnT w="12700" cap="flat" cmpd="sng" algn="ctr">
+                      <a:solidFill>
+                        <a:schemeClr val="tx1">
+                          <a:lumMod val="50000"/>
+                          <a:lumOff val="50000"/>
+                        </a:schemeClr>
+                      </a:solidFill>
+                      <a:prstDash val="solid"/>
+                      <a:round/>
+                      <a:headEnd type="none" w="med" len="med"/>
+                      <a:tailEnd type="none" w="med" len="med"/>
+                    </a:lnT>
+                    <a:lnB w="12700" cap="flat" cmpd="sng" algn="ctr">
+                      <a:solidFill>
+                        <a:schemeClr val="tx1">
+                          <a:lumMod val="50000"/>
+                          <a:lumOff val="50000"/>
+                        </a:schemeClr>
+                      </a:solidFill>
+                      <a:prstDash val="solid"/>
+                      <a:round/>
+                      <a:headEnd type="none" w="med" len="med"/>
+                      <a:tailEnd type="none" w="med" len="med"/>
+                    </a:lnB>
+                    <a:solidFill>
+                      <a:schemeClr val="bg1"/>
+                    </a:solidFill>
+                  </a:tcPr>
+                </a:tc>
+                <a:tc>
+                  <a:txBody>
+                    <a:bodyPr/>
+                    <a:lstStyle/>
+                    <a:p>
+                      <a:pPr algn="ctr" latinLnBrk="1"/>
+                      <a:r>
+                        <a:rPr lang="ko-KR" altLang="en-US" sz="1050" b="0" dirty="0">
+                          <a:solidFill>
+                            <a:schemeClr val="tx1"/>
+                          </a:solidFill>
+                          <a:latin typeface="KoPubWorld돋움체 Medium" panose="00000600000000000000" pitchFamily="2" charset="-127"/>
+                          <a:ea typeface="KoPubWorld돋움체 Medium" panose="00000600000000000000" pitchFamily="2" charset="-127"/>
+                          <a:cs typeface="KoPubWorld돋움체 Medium" panose="00000600000000000000" pitchFamily="2" charset="-127"/>
+                        </a:rPr>
+                        <a:t>해결</a:t>
+                      </a:r>
+                      <a:endParaRPr lang="en-US" altLang="ko-KR" sz="1050" b="0" dirty="0">
+                        <a:solidFill>
+                          <a:schemeClr val="tx1"/>
+                        </a:solidFill>
+                        <a:latin typeface="KoPubWorld돋움체 Medium" panose="00000600000000000000" pitchFamily="2" charset="-127"/>
+                        <a:ea typeface="KoPubWorld돋움체 Medium" panose="00000600000000000000" pitchFamily="2" charset="-127"/>
+                        <a:cs typeface="KoPubWorld돋움체 Medium" panose="00000600000000000000" pitchFamily="2" charset="-127"/>
+                      </a:endParaRPr>
+                    </a:p>
+                    <a:p>
+                      <a:pPr algn="ctr" latinLnBrk="1"/>
+                      <a:r>
+                        <a:rPr lang="ko-KR" altLang="en-US" sz="1050" b="0" dirty="0">
+                          <a:solidFill>
+                            <a:schemeClr val="tx1"/>
+                          </a:solidFill>
+                          <a:latin typeface="KoPubWorld돋움체 Medium" panose="00000600000000000000" pitchFamily="2" charset="-127"/>
+                          <a:ea typeface="KoPubWorld돋움체 Medium" panose="00000600000000000000" pitchFamily="2" charset="-127"/>
+                          <a:cs typeface="KoPubWorld돋움체 Medium" panose="00000600000000000000" pitchFamily="2" charset="-127"/>
+                        </a:rPr>
+                        <a:t>방안</a:t>
+                      </a:r>
+                    </a:p>
+                  </a:txBody>
+                  <a:tcPr marL="95991" marR="95991" marT="0" marB="0" anchor="ctr">
+                    <a:lnL w="12700" cap="flat" cmpd="sng" algn="ctr">
+                      <a:solidFill>
+                        <a:schemeClr val="bg2">
+                          <a:lumMod val="50000"/>
+                        </a:schemeClr>
+                      </a:solidFill>
+                      <a:prstDash val="solid"/>
+                      <a:round/>
+                      <a:headEnd type="none" w="med" len="med"/>
+                      <a:tailEnd type="none" w="med" len="med"/>
+                    </a:lnL>
+                    <a:lnR w="12700" cap="flat" cmpd="sng" algn="ctr">
+                      <a:solidFill>
+                        <a:schemeClr val="bg2">
+                          <a:lumMod val="50000"/>
+                        </a:schemeClr>
+                      </a:solidFill>
+                      <a:prstDash val="solid"/>
+                      <a:round/>
+                      <a:headEnd type="none" w="med" len="med"/>
+                      <a:tailEnd type="none" w="med" len="med"/>
+                    </a:lnR>
+                    <a:lnT w="12700" cap="flat" cmpd="sng" algn="ctr">
+                      <a:solidFill>
+                        <a:schemeClr val="bg2">
+                          <a:lumMod val="50000"/>
+                        </a:schemeClr>
+                      </a:solidFill>
+                      <a:prstDash val="solid"/>
+                      <a:round/>
+                      <a:headEnd type="none" w="med" len="med"/>
+                      <a:tailEnd type="none" w="med" len="med"/>
+                    </a:lnT>
+                    <a:lnB w="12700" cap="flat" cmpd="sng" algn="ctr">
+                      <a:solidFill>
+                        <a:schemeClr val="bg2">
+                          <a:lumMod val="50000"/>
+                        </a:schemeClr>
+                      </a:solidFill>
+                      <a:prstDash val="solid"/>
+                      <a:round/>
+                      <a:headEnd type="none" w="med" len="med"/>
+                      <a:tailEnd type="none" w="med" len="med"/>
+                    </a:lnB>
+                    <a:solidFill>
+                      <a:schemeClr val="bg1">
+                        <a:lumMod val="85000"/>
+                      </a:schemeClr>
+                    </a:solidFill>
+                  </a:tcPr>
+                </a:tc>
+                <a:tc>
+                  <a:txBody>
+                    <a:bodyPr/>
+                    <a:lstStyle/>
+                    <a:p>
+                      <a:pPr algn="ctr" latinLnBrk="1"/>
+                      <a:endParaRPr lang="ko-KR" altLang="en-US" sz="1050" b="0" dirty="0">
+                        <a:solidFill>
+                          <a:schemeClr val="tx1"/>
+                        </a:solidFill>
+                        <a:latin typeface="KoPubWorld돋움체 Medium" panose="00000600000000000000" pitchFamily="2" charset="-127"/>
+                        <a:ea typeface="KoPubWorld돋움체 Medium" panose="00000600000000000000" pitchFamily="2" charset="-127"/>
+                        <a:cs typeface="KoPubWorld돋움체 Medium" panose="00000600000000000000" pitchFamily="2" charset="-127"/>
+                      </a:endParaRPr>
+                    </a:p>
+                  </a:txBody>
+                  <a:tcPr marL="95991" marR="95991" marT="0" marB="0" anchor="ctr">
+                    <a:lnL w="12700" cap="flat" cmpd="sng" algn="ctr">
+                      <a:solidFill>
+                        <a:schemeClr val="bg2">
+                          <a:lumMod val="50000"/>
+                        </a:schemeClr>
+                      </a:solidFill>
+                      <a:prstDash val="solid"/>
+                      <a:round/>
+                      <a:headEnd type="none" w="med" len="med"/>
+                      <a:tailEnd type="none" w="med" len="med"/>
+                    </a:lnL>
+                    <a:lnR w="12700" cap="flat" cmpd="sng" algn="ctr">
+                      <a:solidFill>
+                        <a:schemeClr val="bg2">
+                          <a:lumMod val="50000"/>
+                        </a:schemeClr>
+                      </a:solidFill>
+                      <a:prstDash val="solid"/>
+                      <a:round/>
+                      <a:headEnd type="none" w="med" len="med"/>
+                      <a:tailEnd type="none" w="med" len="med"/>
+                    </a:lnR>
+                    <a:lnT w="12700" cap="flat" cmpd="sng" algn="ctr">
+                      <a:solidFill>
+                        <a:schemeClr val="bg2">
+                          <a:lumMod val="50000"/>
+                        </a:schemeClr>
+                      </a:solidFill>
+                      <a:prstDash val="solid"/>
+                      <a:round/>
+                      <a:headEnd type="none" w="med" len="med"/>
+                      <a:tailEnd type="none" w="med" len="med"/>
+                    </a:lnT>
+                    <a:lnB w="12700" cap="flat" cmpd="sng" algn="ctr">
+                      <a:solidFill>
+                        <a:schemeClr val="bg2">
+                          <a:lumMod val="50000"/>
+                        </a:schemeClr>
+                      </a:solidFill>
+                      <a:prstDash val="solid"/>
+                      <a:round/>
+                      <a:headEnd type="none" w="med" len="med"/>
+                      <a:tailEnd type="none" w="med" len="med"/>
+                    </a:lnB>
+                    <a:solidFill>
+                      <a:schemeClr val="bg1"/>
+                    </a:solidFill>
+                  </a:tcPr>
+                </a:tc>
+                <a:tc>
+                  <a:txBody>
+                    <a:bodyPr/>
+                    <a:lstStyle/>
+                    <a:p>
+                      <a:pPr algn="ctr" latinLnBrk="1"/>
+                      <a:endParaRPr lang="ko-KR" altLang="en-US" sz="1050" b="0" dirty="0">
+                        <a:solidFill>
+                          <a:schemeClr val="tx1"/>
+                        </a:solidFill>
+                        <a:latin typeface="KoPubWorld돋움체 Medium" panose="00000600000000000000" pitchFamily="2" charset="-127"/>
+                        <a:ea typeface="KoPubWorld돋움체 Medium" panose="00000600000000000000" pitchFamily="2" charset="-127"/>
+                        <a:cs typeface="KoPubWorld돋움체 Medium" panose="00000600000000000000" pitchFamily="2" charset="-127"/>
+                      </a:endParaRPr>
+                    </a:p>
+                  </a:txBody>
+                  <a:tcPr marL="95991" marR="95991" marT="0" marB="0" anchor="ctr">
+                    <a:lnL w="12700" cap="flat" cmpd="sng" algn="ctr">
+                      <a:solidFill>
+                        <a:schemeClr val="bg2">
+                          <a:lumMod val="50000"/>
+                        </a:schemeClr>
+                      </a:solidFill>
+                      <a:prstDash val="solid"/>
+                      <a:round/>
+                      <a:headEnd type="none" w="med" len="med"/>
+                      <a:tailEnd type="none" w="med" len="med"/>
+                    </a:lnL>
+                    <a:lnR w="12700" cap="flat" cmpd="sng" algn="ctr">
+                      <a:solidFill>
+                        <a:schemeClr val="bg2">
+                          <a:lumMod val="50000"/>
+                        </a:schemeClr>
+                      </a:solidFill>
+                      <a:prstDash val="solid"/>
+                      <a:round/>
+                      <a:headEnd type="none" w="med" len="med"/>
+                      <a:tailEnd type="none" w="med" len="med"/>
+                    </a:lnR>
+                    <a:lnT w="12700" cap="flat" cmpd="sng" algn="ctr">
+                      <a:solidFill>
+                        <a:schemeClr val="bg2">
+                          <a:lumMod val="50000"/>
+                        </a:schemeClr>
+                      </a:solidFill>
+                      <a:prstDash val="solid"/>
+                      <a:round/>
+                      <a:headEnd type="none" w="med" len="med"/>
+                      <a:tailEnd type="none" w="med" len="med"/>
+                    </a:lnT>
+                    <a:lnB w="12700" cap="flat" cmpd="sng" algn="ctr">
+                      <a:solidFill>
+                        <a:schemeClr val="bg2">
+                          <a:lumMod val="50000"/>
+                        </a:schemeClr>
+                      </a:solidFill>
+                      <a:prstDash val="solid"/>
+                      <a:round/>
+                      <a:headEnd type="none" w="med" len="med"/>
+                      <a:tailEnd type="none" w="med" len="med"/>
+                    </a:lnB>
+                    <a:solidFill>
+                      <a:schemeClr val="bg1"/>
+                    </a:solidFill>
+                  </a:tcPr>
+                </a:tc>
+                <a:tc>
+                  <a:txBody>
+                    <a:bodyPr/>
+                    <a:lstStyle/>
+                    <a:p>
+                      <a:pPr algn="ctr" latinLnBrk="1"/>
+                      <a:endParaRPr lang="ko-KR" altLang="en-US" sz="1050" b="0" dirty="0">
+                        <a:solidFill>
+                          <a:schemeClr val="tx1"/>
+                        </a:solidFill>
+                        <a:latin typeface="KoPubWorld돋움체 Medium" panose="00000600000000000000" pitchFamily="2" charset="-127"/>
+                        <a:ea typeface="KoPubWorld돋움체 Medium" panose="00000600000000000000" pitchFamily="2" charset="-127"/>
+                        <a:cs typeface="KoPubWorld돋움체 Medium" panose="00000600000000000000" pitchFamily="2" charset="-127"/>
+                      </a:endParaRPr>
+                    </a:p>
+                  </a:txBody>
+                  <a:tcPr marL="95991" marR="95991" marT="0" marB="0" anchor="ctr">
+                    <a:lnL w="12700" cap="flat" cmpd="sng" algn="ctr">
+                      <a:solidFill>
+                        <a:schemeClr val="bg2">
+                          <a:lumMod val="50000"/>
+                        </a:schemeClr>
+                      </a:solidFill>
+                      <a:prstDash val="solid"/>
+                      <a:round/>
+                      <a:headEnd type="none" w="med" len="med"/>
+                      <a:tailEnd type="none" w="med" len="med"/>
+                    </a:lnL>
+                    <a:lnR w="12700" cap="flat" cmpd="sng" algn="ctr">
+                      <a:solidFill>
+                        <a:schemeClr val="bg2">
+                          <a:lumMod val="50000"/>
+                        </a:schemeClr>
+                      </a:solidFill>
+                      <a:prstDash val="solid"/>
+                      <a:round/>
+                      <a:headEnd type="none" w="med" len="med"/>
+                      <a:tailEnd type="none" w="med" len="med"/>
+                    </a:lnR>
+                    <a:lnT w="12700" cap="flat" cmpd="sng" algn="ctr">
+                      <a:solidFill>
+                        <a:schemeClr val="bg2">
+                          <a:lumMod val="50000"/>
+                        </a:schemeClr>
+                      </a:solidFill>
+                      <a:prstDash val="solid"/>
+                      <a:round/>
+                      <a:headEnd type="none" w="med" len="med"/>
+                      <a:tailEnd type="none" w="med" len="med"/>
+                    </a:lnT>
+                    <a:lnB w="12700" cap="flat" cmpd="sng" algn="ctr">
+                      <a:solidFill>
+                        <a:schemeClr val="bg2">
+                          <a:lumMod val="50000"/>
+                        </a:schemeClr>
+                      </a:solidFill>
+                      <a:prstDash val="solid"/>
+                      <a:round/>
+                      <a:headEnd type="none" w="med" len="med"/>
+                      <a:tailEnd type="none" w="med" len="med"/>
+                    </a:lnB>
+                    <a:solidFill>
+                      <a:schemeClr val="bg1"/>
+                    </a:solidFill>
+                  </a:tcPr>
+                </a:tc>
+                <a:tc>
+                  <a:txBody>
+                    <a:bodyPr/>
+                    <a:lstStyle/>
+                    <a:p>
+                      <a:pPr algn="ctr" latinLnBrk="1"/>
+                      <a:endParaRPr lang="ko-KR" altLang="en-US" sz="1200" b="0" dirty="0">
+                        <a:solidFill>
+                          <a:schemeClr val="tx1"/>
+                        </a:solidFill>
+                        <a:latin typeface="KoPubWorld돋움체 Medium" panose="00000600000000000000" pitchFamily="2" charset="-127"/>
+                        <a:ea typeface="KoPubWorld돋움체 Medium" panose="00000600000000000000" pitchFamily="2" charset="-127"/>
+                        <a:cs typeface="KoPubWorld돋움체 Medium" panose="00000600000000000000" pitchFamily="2" charset="-127"/>
+                      </a:endParaRPr>
+                    </a:p>
+                  </a:txBody>
+                  <a:tcPr marL="95991" marR="95991" marT="0" marB="0" anchor="ctr">
+                    <a:lnL w="12700" cap="flat" cmpd="sng" algn="ctr">
+                      <a:solidFill>
+                        <a:schemeClr val="bg2">
+                          <a:lumMod val="50000"/>
+                        </a:schemeClr>
+                      </a:solidFill>
+                      <a:prstDash val="solid"/>
+                      <a:round/>
+                      <a:headEnd type="none" w="med" len="med"/>
+                      <a:tailEnd type="none" w="med" len="med"/>
+                    </a:lnL>
+                    <a:lnR w="12700" cap="flat" cmpd="sng" algn="ctr">
+                      <a:solidFill>
+                        <a:schemeClr val="bg2">
+                          <a:lumMod val="50000"/>
+                        </a:schemeClr>
+                      </a:solidFill>
+                      <a:prstDash val="solid"/>
+                      <a:round/>
+                      <a:headEnd type="none" w="med" len="med"/>
+                      <a:tailEnd type="none" w="med" len="med"/>
+                    </a:lnR>
+                    <a:lnT w="12700" cap="flat" cmpd="sng" algn="ctr">
+                      <a:solidFill>
+                        <a:schemeClr val="bg2">
+                          <a:lumMod val="50000"/>
+                        </a:schemeClr>
+                      </a:solidFill>
+                      <a:prstDash val="solid"/>
+                      <a:round/>
+                      <a:headEnd type="none" w="med" len="med"/>
+                      <a:tailEnd type="none" w="med" len="med"/>
+                    </a:lnT>
+                    <a:lnB w="12700" cap="flat" cmpd="sng" algn="ctr">
+                      <a:solidFill>
+                        <a:schemeClr val="bg2">
+                          <a:lumMod val="50000"/>
+                        </a:schemeClr>
+                      </a:solidFill>
+                      <a:prstDash val="solid"/>
+                      <a:round/>
+                      <a:headEnd type="none" w="med" len="med"/>
+                      <a:tailEnd type="none" w="med" len="med"/>
+                    </a:lnB>
+                    <a:solidFill>
+                      <a:schemeClr val="bg1"/>
+                    </a:solidFill>
+                  </a:tcPr>
+                </a:tc>
+                <a:extLst>
+                  <a:ext uri="{0D108BD9-81ED-4DB2-BD59-A6C34878D82A}">
+                    <a16:rowId xmlns:a16="http://schemas.microsoft.com/office/drawing/2014/main" val="10003"/>
+                  </a:ext>
+                </a:extLst>
+              </a:tr>
+              <a:tr h="639131">
+                <a:tc rowSpan="2">
+                  <a:txBody>
+                    <a:bodyPr/>
+                    <a:lstStyle/>
+                    <a:p>
+                      <a:pPr marL="0" marR="0" lvl="0" indent="0" algn="l" defTabSz="914400" rtl="0" eaLnBrk="1" fontAlgn="auto" latinLnBrk="1" hangingPunct="1">
+                        <a:lnSpc>
+                          <a:spcPct val="100000"/>
+                        </a:lnSpc>
+                        <a:spcBef>
+                          <a:spcPts val="0"/>
+                        </a:spcBef>
+                        <a:spcAft>
+                          <a:spcPts val="0"/>
+                        </a:spcAft>
+                        <a:buClrTx/>
+                        <a:buSzTx/>
+                        <a:buFontTx/>
+                        <a:buNone/>
+                        <a:tabLst/>
+                        <a:defRPr/>
+                      </a:pPr>
+                      <a:r>
+                        <a:rPr lang="en-US" altLang="ko-KR" sz="1100" b="0" dirty="0">
+                          <a:solidFill>
+                            <a:schemeClr val="tx1"/>
+                          </a:solidFill>
+                          <a:latin typeface="KoPubWorld돋움체 Medium" panose="00000600000000000000" pitchFamily="2" charset="-127"/>
+                          <a:ea typeface="KoPubWorld돋움체 Medium" panose="00000600000000000000" pitchFamily="2" charset="-127"/>
+                          <a:cs typeface="KoPubWorld돋움체 Medium" panose="00000600000000000000" pitchFamily="2" charset="-127"/>
+                        </a:rPr>
+                        <a:t>[</a:t>
+                      </a:r>
+                      <a:r>
+                        <a:rPr lang="ko-KR" altLang="en-US" sz="1100" b="0" dirty="0">
+                          <a:solidFill>
+                            <a:schemeClr val="tx1"/>
+                          </a:solidFill>
+                          <a:latin typeface="KoPubWorld돋움체 Medium" panose="00000600000000000000" pitchFamily="2" charset="-127"/>
+                          <a:ea typeface="KoPubWorld돋움체 Medium" panose="00000600000000000000" pitchFamily="2" charset="-127"/>
+                          <a:cs typeface="KoPubWorld돋움체 Medium" panose="00000600000000000000" pitchFamily="2" charset="-127"/>
+                        </a:rPr>
+                        <a:t>분석 세부주제</a:t>
+                      </a:r>
+                      <a:r>
+                        <a:rPr lang="en-US" altLang="ko-KR" sz="1100" b="0" dirty="0">
+                          <a:solidFill>
+                            <a:schemeClr val="tx1"/>
+                          </a:solidFill>
+                          <a:latin typeface="KoPubWorld돋움체 Medium" panose="00000600000000000000" pitchFamily="2" charset="-127"/>
+                          <a:ea typeface="KoPubWorld돋움체 Medium" panose="00000600000000000000" pitchFamily="2" charset="-127"/>
+                          <a:cs typeface="KoPubWorld돋움체 Medium" panose="00000600000000000000" pitchFamily="2" charset="-127"/>
+                        </a:rPr>
+                        <a:t>3]</a:t>
+                      </a:r>
+                    </a:p>
+                    <a:p>
+                      <a:pPr algn="l" latinLnBrk="1"/>
+                      <a:endParaRPr lang="ko-KR" altLang="en-US" sz="1100" b="0" dirty="0">
+                        <a:solidFill>
+                          <a:schemeClr val="tx1"/>
+                        </a:solidFill>
+                        <a:latin typeface="KoPubWorld돋움체 Medium" panose="00000600000000000000" pitchFamily="2" charset="-127"/>
+                        <a:ea typeface="KoPubWorld돋움체 Medium" panose="00000600000000000000" pitchFamily="2" charset="-127"/>
+                        <a:cs typeface="KoPubWorld돋움체 Medium" panose="00000600000000000000" pitchFamily="2" charset="-127"/>
+                      </a:endParaRPr>
+                    </a:p>
+                  </a:txBody>
+                  <a:tcPr marL="95991" marR="95991" marT="0" marB="0">
+                    <a:lnL w="12700" cap="flat" cmpd="sng" algn="ctr">
+                      <a:solidFill>
+                        <a:schemeClr val="bg2">
+                          <a:lumMod val="50000"/>
+                        </a:schemeClr>
+                      </a:solidFill>
+                      <a:prstDash val="solid"/>
+                      <a:round/>
+                      <a:headEnd type="none" w="med" len="med"/>
+                      <a:tailEnd type="none" w="med" len="med"/>
+                    </a:lnL>
+                    <a:lnR w="12700" cap="flat" cmpd="sng" algn="ctr">
+                      <a:solidFill>
+                        <a:schemeClr val="bg2">
+                          <a:lumMod val="50000"/>
+                        </a:schemeClr>
+                      </a:solidFill>
+                      <a:prstDash val="solid"/>
+                      <a:round/>
+                      <a:headEnd type="none" w="med" len="med"/>
+                      <a:tailEnd type="none" w="med" len="med"/>
+                    </a:lnR>
+                    <a:lnT w="12700" cap="flat" cmpd="sng" algn="ctr">
+                      <a:solidFill>
+                        <a:schemeClr val="bg2">
+                          <a:lumMod val="50000"/>
+                        </a:schemeClr>
+                      </a:solidFill>
+                      <a:prstDash val="solid"/>
+                      <a:round/>
+                      <a:headEnd type="none" w="med" len="med"/>
+                      <a:tailEnd type="none" w="med" len="med"/>
+                    </a:lnT>
+                    <a:lnB w="12700" cap="flat" cmpd="sng" algn="ctr">
+                      <a:solidFill>
+                        <a:schemeClr val="bg2">
+                          <a:lumMod val="50000"/>
+                        </a:schemeClr>
+                      </a:solidFill>
+                      <a:prstDash val="solid"/>
+                      <a:round/>
+                      <a:headEnd type="none" w="med" len="med"/>
+                      <a:tailEnd type="none" w="med" len="med"/>
+                    </a:lnB>
+                    <a:solidFill>
+                      <a:schemeClr val="bg1">
+                        <a:lumMod val="85000"/>
+                      </a:schemeClr>
+                    </a:solidFill>
+                  </a:tcPr>
+                </a:tc>
+                <a:tc>
+                  <a:txBody>
+                    <a:bodyPr/>
+                    <a:lstStyle/>
+                    <a:p>
+                      <a:pPr algn="ctr" latinLnBrk="1"/>
+                      <a:r>
+                        <a:rPr lang="ko-KR" altLang="en-US" sz="1050" b="0" dirty="0">
+                          <a:solidFill>
+                            <a:schemeClr val="tx1"/>
+                          </a:solidFill>
+                          <a:latin typeface="KoPubWorld돋움체 Medium" panose="00000600000000000000" pitchFamily="2" charset="-127"/>
+                          <a:ea typeface="KoPubWorld돋움체 Medium" panose="00000600000000000000" pitchFamily="2" charset="-127"/>
+                          <a:cs typeface="KoPubWorld돋움체 Medium" panose="00000600000000000000" pitchFamily="2" charset="-127"/>
+                        </a:rPr>
+                        <a:t>개선</a:t>
+                      </a:r>
+                      <a:endParaRPr lang="en-US" altLang="ko-KR" sz="1050" b="0" dirty="0">
+                        <a:solidFill>
+                          <a:schemeClr val="tx1"/>
+                        </a:solidFill>
+                        <a:latin typeface="KoPubWorld돋움체 Medium" panose="00000600000000000000" pitchFamily="2" charset="-127"/>
+                        <a:ea typeface="KoPubWorld돋움체 Medium" panose="00000600000000000000" pitchFamily="2" charset="-127"/>
+                        <a:cs typeface="KoPubWorld돋움체 Medium" panose="00000600000000000000" pitchFamily="2" charset="-127"/>
+                      </a:endParaRPr>
+                    </a:p>
+                    <a:p>
+                      <a:pPr algn="ctr" latinLnBrk="1"/>
+                      <a:r>
+                        <a:rPr lang="ko-KR" altLang="en-US" sz="1050" b="0" dirty="0" err="1">
+                          <a:solidFill>
+                            <a:schemeClr val="tx1"/>
+                          </a:solidFill>
+                          <a:latin typeface="KoPubWorld돋움체 Medium" panose="00000600000000000000" pitchFamily="2" charset="-127"/>
+                          <a:ea typeface="KoPubWorld돋움체 Medium" panose="00000600000000000000" pitchFamily="2" charset="-127"/>
+                          <a:cs typeface="KoPubWorld돋움체 Medium" panose="00000600000000000000" pitchFamily="2" charset="-127"/>
+                        </a:rPr>
+                        <a:t>필요점</a:t>
+                      </a:r>
+                      <a:endParaRPr lang="ko-KR" altLang="en-US" sz="1050" b="0" dirty="0">
+                        <a:solidFill>
+                          <a:schemeClr val="tx1"/>
+                        </a:solidFill>
+                        <a:latin typeface="KoPubWorld돋움체 Medium" panose="00000600000000000000" pitchFamily="2" charset="-127"/>
+                        <a:ea typeface="KoPubWorld돋움체 Medium" panose="00000600000000000000" pitchFamily="2" charset="-127"/>
+                        <a:cs typeface="KoPubWorld돋움체 Medium" panose="00000600000000000000" pitchFamily="2" charset="-127"/>
+                      </a:endParaRPr>
+                    </a:p>
+                    <a:p>
+                      <a:pPr algn="ctr" latinLnBrk="1"/>
+                      <a:endParaRPr lang="ko-KR" altLang="en-US" sz="1050" b="0" dirty="0">
+                        <a:solidFill>
+                          <a:schemeClr val="tx1"/>
+                        </a:solidFill>
+                        <a:latin typeface="KoPubWorld돋움체 Medium" panose="00000600000000000000" pitchFamily="2" charset="-127"/>
+                        <a:ea typeface="KoPubWorld돋움체 Medium" panose="00000600000000000000" pitchFamily="2" charset="-127"/>
+                        <a:cs typeface="KoPubWorld돋움체 Medium" panose="00000600000000000000" pitchFamily="2" charset="-127"/>
+                      </a:endParaRPr>
+                    </a:p>
+                  </a:txBody>
+                  <a:tcPr marL="95991" marR="95991" marT="0" marB="0" anchor="ctr">
+                    <a:lnL w="12700" cap="flat" cmpd="sng" algn="ctr">
+                      <a:solidFill>
+                        <a:schemeClr val="bg2">
+                          <a:lumMod val="50000"/>
+                        </a:schemeClr>
+                      </a:solidFill>
+                      <a:prstDash val="solid"/>
+                      <a:round/>
+                      <a:headEnd type="none" w="med" len="med"/>
+                      <a:tailEnd type="none" w="med" len="med"/>
+                    </a:lnL>
+                    <a:lnR w="12700" cap="flat" cmpd="sng" algn="ctr">
+                      <a:solidFill>
+                        <a:schemeClr val="bg2">
+                          <a:lumMod val="50000"/>
+                        </a:schemeClr>
+                      </a:solidFill>
+                      <a:prstDash val="solid"/>
+                      <a:round/>
+                      <a:headEnd type="none" w="med" len="med"/>
+                      <a:tailEnd type="none" w="med" len="med"/>
+                    </a:lnR>
+                    <a:lnT w="12700" cap="flat" cmpd="sng" algn="ctr">
+                      <a:solidFill>
+                        <a:schemeClr val="bg2">
+                          <a:lumMod val="50000"/>
+                        </a:schemeClr>
+                      </a:solidFill>
+                      <a:prstDash val="solid"/>
+                      <a:round/>
+                      <a:headEnd type="none" w="med" len="med"/>
+                      <a:tailEnd type="none" w="med" len="med"/>
+                    </a:lnT>
+                    <a:lnB w="12700" cap="flat" cmpd="sng" algn="ctr">
+                      <a:solidFill>
+                        <a:schemeClr val="bg2">
+                          <a:lumMod val="50000"/>
+                        </a:schemeClr>
+                      </a:solidFill>
+                      <a:prstDash val="solid"/>
+                      <a:round/>
+                      <a:headEnd type="none" w="med" len="med"/>
+                      <a:tailEnd type="none" w="med" len="med"/>
+                    </a:lnB>
+                    <a:solidFill>
+                      <a:schemeClr val="bg1">
+                        <a:lumMod val="85000"/>
+                      </a:schemeClr>
+                    </a:solidFill>
+                  </a:tcPr>
+                </a:tc>
+                <a:tc>
+                  <a:txBody>
+                    <a:bodyPr/>
+                    <a:lstStyle/>
+                    <a:p>
+                      <a:pPr algn="ctr" latinLnBrk="1"/>
+                      <a:endParaRPr lang="ko-KR" altLang="en-US" sz="1050" b="0" dirty="0">
+                        <a:solidFill>
+                          <a:schemeClr val="tx1"/>
+                        </a:solidFill>
+                        <a:latin typeface="KoPubWorld돋움체 Medium" panose="00000600000000000000" pitchFamily="2" charset="-127"/>
+                        <a:ea typeface="KoPubWorld돋움체 Medium" panose="00000600000000000000" pitchFamily="2" charset="-127"/>
+                        <a:cs typeface="KoPubWorld돋움체 Medium" panose="00000600000000000000" pitchFamily="2" charset="-127"/>
+                      </a:endParaRPr>
+                    </a:p>
+                  </a:txBody>
+                  <a:tcPr marL="95991" marR="95991" marT="0" marB="0" anchor="ctr">
+                    <a:lnL w="12700" cap="flat" cmpd="sng" algn="ctr">
+                      <a:solidFill>
+                        <a:schemeClr val="bg2">
+                          <a:lumMod val="50000"/>
+                        </a:schemeClr>
+                      </a:solidFill>
+                      <a:prstDash val="solid"/>
+                      <a:round/>
+                      <a:headEnd type="none" w="med" len="med"/>
+                      <a:tailEnd type="none" w="med" len="med"/>
+                    </a:lnL>
+                    <a:lnR w="12700" cap="flat" cmpd="sng" algn="ctr">
+                      <a:solidFill>
+                        <a:schemeClr val="bg2">
+                          <a:lumMod val="50000"/>
+                        </a:schemeClr>
+                      </a:solidFill>
+                      <a:prstDash val="solid"/>
+                      <a:round/>
+                      <a:headEnd type="none" w="med" len="med"/>
+                      <a:tailEnd type="none" w="med" len="med"/>
+                    </a:lnR>
+                    <a:lnT w="12700" cap="flat" cmpd="sng" algn="ctr">
+                      <a:solidFill>
+                        <a:schemeClr val="bg2">
+                          <a:lumMod val="50000"/>
+                        </a:schemeClr>
+                      </a:solidFill>
+                      <a:prstDash val="solid"/>
+                      <a:round/>
+                      <a:headEnd type="none" w="med" len="med"/>
+                      <a:tailEnd type="none" w="med" len="med"/>
+                    </a:lnT>
+                    <a:lnB w="12700" cap="flat" cmpd="sng" algn="ctr">
+                      <a:solidFill>
+                        <a:schemeClr val="bg2">
+                          <a:lumMod val="50000"/>
+                        </a:schemeClr>
+                      </a:solidFill>
+                      <a:prstDash val="solid"/>
+                      <a:round/>
+                      <a:headEnd type="none" w="med" len="med"/>
+                      <a:tailEnd type="none" w="med" len="med"/>
+                    </a:lnB>
+                    <a:solidFill>
+                      <a:schemeClr val="bg1"/>
+                    </a:solidFill>
+                  </a:tcPr>
+                </a:tc>
+                <a:tc>
+                  <a:txBody>
+                    <a:bodyPr/>
+                    <a:lstStyle/>
+                    <a:p>
+                      <a:pPr algn="ctr" latinLnBrk="1"/>
+                      <a:endParaRPr lang="ko-KR" altLang="en-US" sz="1050" b="0" dirty="0">
+                        <a:solidFill>
+                          <a:schemeClr val="tx1"/>
+                        </a:solidFill>
+                        <a:latin typeface="KoPubWorld돋움체 Medium" panose="00000600000000000000" pitchFamily="2" charset="-127"/>
+                        <a:ea typeface="KoPubWorld돋움체 Medium" panose="00000600000000000000" pitchFamily="2" charset="-127"/>
+                        <a:cs typeface="KoPubWorld돋움체 Medium" panose="00000600000000000000" pitchFamily="2" charset="-127"/>
+                      </a:endParaRPr>
+                    </a:p>
+                  </a:txBody>
+                  <a:tcPr marL="95991" marR="95991" marT="0" marB="0" anchor="ctr">
+                    <a:lnL w="12700" cap="flat" cmpd="sng" algn="ctr">
+                      <a:solidFill>
+                        <a:schemeClr val="bg2">
+                          <a:lumMod val="50000"/>
+                        </a:schemeClr>
+                      </a:solidFill>
+                      <a:prstDash val="solid"/>
+                      <a:round/>
+                      <a:headEnd type="none" w="med" len="med"/>
+                      <a:tailEnd type="none" w="med" len="med"/>
+                    </a:lnL>
+                    <a:lnR w="12700" cap="flat" cmpd="sng" algn="ctr">
+                      <a:solidFill>
+                        <a:schemeClr val="bg2">
+                          <a:lumMod val="50000"/>
+                        </a:schemeClr>
+                      </a:solidFill>
+                      <a:prstDash val="solid"/>
+                      <a:round/>
+                      <a:headEnd type="none" w="med" len="med"/>
+                      <a:tailEnd type="none" w="med" len="med"/>
+                    </a:lnR>
+                    <a:lnT w="12700" cap="flat" cmpd="sng" algn="ctr">
+                      <a:solidFill>
+                        <a:schemeClr val="bg2">
+                          <a:lumMod val="50000"/>
+                        </a:schemeClr>
+                      </a:solidFill>
+                      <a:prstDash val="solid"/>
+                      <a:round/>
+                      <a:headEnd type="none" w="med" len="med"/>
+                      <a:tailEnd type="none" w="med" len="med"/>
+                    </a:lnT>
+                    <a:lnB w="12700" cap="flat" cmpd="sng" algn="ctr">
+                      <a:solidFill>
+                        <a:schemeClr val="bg2">
+                          <a:lumMod val="50000"/>
+                        </a:schemeClr>
+                      </a:solidFill>
+                      <a:prstDash val="solid"/>
+                      <a:round/>
+                      <a:headEnd type="none" w="med" len="med"/>
+                      <a:tailEnd type="none" w="med" len="med"/>
+                    </a:lnB>
+                    <a:solidFill>
+                      <a:schemeClr val="bg1"/>
+                    </a:solidFill>
+                  </a:tcPr>
+                </a:tc>
+                <a:tc>
+                  <a:txBody>
+                    <a:bodyPr/>
+                    <a:lstStyle/>
+                    <a:p>
+                      <a:pPr algn="ctr" latinLnBrk="1"/>
+                      <a:endParaRPr lang="ko-KR" altLang="en-US" sz="1050" b="0" dirty="0">
+                        <a:solidFill>
+                          <a:schemeClr val="tx1"/>
+                        </a:solidFill>
+                        <a:latin typeface="KoPubWorld돋움체 Medium" panose="00000600000000000000" pitchFamily="2" charset="-127"/>
+                        <a:ea typeface="KoPubWorld돋움체 Medium" panose="00000600000000000000" pitchFamily="2" charset="-127"/>
+                        <a:cs typeface="KoPubWorld돋움체 Medium" panose="00000600000000000000" pitchFamily="2" charset="-127"/>
+                      </a:endParaRPr>
+                    </a:p>
+                  </a:txBody>
+                  <a:tcPr marL="95991" marR="95991" marT="0" marB="0" anchor="ctr">
+                    <a:lnL w="12700" cap="flat" cmpd="sng" algn="ctr">
+                      <a:solidFill>
+                        <a:schemeClr val="bg2">
+                          <a:lumMod val="50000"/>
+                        </a:schemeClr>
+                      </a:solidFill>
+                      <a:prstDash val="solid"/>
+                      <a:round/>
+                      <a:headEnd type="none" w="med" len="med"/>
+                      <a:tailEnd type="none" w="med" len="med"/>
+                    </a:lnL>
+                    <a:lnR w="12700" cap="flat" cmpd="sng" algn="ctr">
+                      <a:solidFill>
+                        <a:schemeClr val="bg2">
+                          <a:lumMod val="50000"/>
+                        </a:schemeClr>
+                      </a:solidFill>
+                      <a:prstDash val="solid"/>
+                      <a:round/>
+                      <a:headEnd type="none" w="med" len="med"/>
+                      <a:tailEnd type="none" w="med" len="med"/>
+                    </a:lnR>
+                    <a:lnT w="12700" cap="flat" cmpd="sng" algn="ctr">
+                      <a:solidFill>
+                        <a:schemeClr val="bg2">
+                          <a:lumMod val="50000"/>
+                        </a:schemeClr>
+                      </a:solidFill>
+                      <a:prstDash val="solid"/>
+                      <a:round/>
+                      <a:headEnd type="none" w="med" len="med"/>
+                      <a:tailEnd type="none" w="med" len="med"/>
+                    </a:lnT>
+                    <a:lnB w="12700" cap="flat" cmpd="sng" algn="ctr">
+                      <a:solidFill>
+                        <a:schemeClr val="bg2">
+                          <a:lumMod val="50000"/>
+                        </a:schemeClr>
+                      </a:solidFill>
+                      <a:prstDash val="solid"/>
+                      <a:round/>
+                      <a:headEnd type="none" w="med" len="med"/>
+                      <a:tailEnd type="none" w="med" len="med"/>
+                    </a:lnB>
+                    <a:solidFill>
+                      <a:schemeClr val="bg1"/>
+                    </a:solidFill>
+                  </a:tcPr>
+                </a:tc>
+                <a:tc>
+                  <a:txBody>
+                    <a:bodyPr/>
+                    <a:lstStyle/>
+                    <a:p>
+                      <a:pPr algn="ctr" latinLnBrk="1"/>
+                      <a:endParaRPr lang="ko-KR" altLang="en-US" sz="1200" b="0" dirty="0">
+                        <a:solidFill>
+                          <a:schemeClr val="tx1"/>
+                        </a:solidFill>
+                        <a:latin typeface="KoPubWorld돋움체 Medium" panose="00000600000000000000" pitchFamily="2" charset="-127"/>
+                        <a:ea typeface="KoPubWorld돋움체 Medium" panose="00000600000000000000" pitchFamily="2" charset="-127"/>
+                        <a:cs typeface="KoPubWorld돋움체 Medium" panose="00000600000000000000" pitchFamily="2" charset="-127"/>
+                      </a:endParaRPr>
+                    </a:p>
+                  </a:txBody>
+                  <a:tcPr marL="95991" marR="95991" marT="0" marB="0" anchor="ctr">
+                    <a:lnL w="12700" cap="flat" cmpd="sng" algn="ctr">
+                      <a:solidFill>
+                        <a:schemeClr val="bg2">
+                          <a:lumMod val="50000"/>
+                        </a:schemeClr>
+                      </a:solidFill>
+                      <a:prstDash val="solid"/>
+                      <a:round/>
+                      <a:headEnd type="none" w="med" len="med"/>
+                      <a:tailEnd type="none" w="med" len="med"/>
+                    </a:lnL>
+                    <a:lnR w="12700" cap="flat" cmpd="sng" algn="ctr">
+                      <a:solidFill>
+                        <a:schemeClr val="bg2">
+                          <a:lumMod val="50000"/>
+                        </a:schemeClr>
+                      </a:solidFill>
+                      <a:prstDash val="solid"/>
+                      <a:round/>
+                      <a:headEnd type="none" w="med" len="med"/>
+                      <a:tailEnd type="none" w="med" len="med"/>
+                    </a:lnR>
+                    <a:lnT w="12700" cap="flat" cmpd="sng" algn="ctr">
+                      <a:solidFill>
+                        <a:schemeClr val="bg2">
+                          <a:lumMod val="50000"/>
+                        </a:schemeClr>
+                      </a:solidFill>
+                      <a:prstDash val="solid"/>
+                      <a:round/>
+                      <a:headEnd type="none" w="med" len="med"/>
+                      <a:tailEnd type="none" w="med" len="med"/>
+                    </a:lnT>
+                    <a:lnB w="12700" cap="flat" cmpd="sng" algn="ctr">
+                      <a:solidFill>
+                        <a:schemeClr val="bg2">
+                          <a:lumMod val="50000"/>
+                        </a:schemeClr>
+                      </a:solidFill>
+                      <a:prstDash val="solid"/>
+                      <a:round/>
+                      <a:headEnd type="none" w="med" len="med"/>
+                      <a:tailEnd type="none" w="med" len="med"/>
+                    </a:lnB>
+                    <a:solidFill>
+                      <a:schemeClr val="bg1"/>
+                    </a:solidFill>
+                  </a:tcPr>
+                </a:tc>
+                <a:extLst>
+                  <a:ext uri="{0D108BD9-81ED-4DB2-BD59-A6C34878D82A}">
+                    <a16:rowId xmlns:a16="http://schemas.microsoft.com/office/drawing/2014/main" val="10004"/>
+                  </a:ext>
+                </a:extLst>
+              </a:tr>
+              <a:tr h="639131">
+                <a:tc vMerge="1">
+                  <a:txBody>
+                    <a:bodyPr/>
+                    <a:lstStyle/>
+                    <a:p>
+                      <a:pPr latinLnBrk="1"/>
+                      <a:endParaRPr lang="ko-KR" altLang="en-US" sz="1000" dirty="0">
+                        <a:solidFill>
+                          <a:schemeClr val="tx1"/>
+                        </a:solidFill>
+                      </a:endParaRPr>
+                    </a:p>
+                  </a:txBody>
+                  <a:tcPr anchor="ctr">
+                    <a:lnL w="12700" cap="flat" cmpd="sng" algn="ctr">
+                      <a:solidFill>
+                        <a:schemeClr val="bg1"/>
+                      </a:solidFill>
+                      <a:prstDash val="solid"/>
+                      <a:round/>
+                      <a:headEnd type="none" w="med" len="med"/>
+                      <a:tailEnd type="none" w="med" len="med"/>
+                    </a:lnL>
+                    <a:lnR w="12700" cap="flat" cmpd="sng" algn="ctr">
+                      <a:solidFill>
+                        <a:schemeClr val="tx1">
+                          <a:lumMod val="50000"/>
+                          <a:lumOff val="50000"/>
+                        </a:schemeClr>
+                      </a:solidFill>
+                      <a:prstDash val="solid"/>
+                      <a:round/>
+                      <a:headEnd type="none" w="med" len="med"/>
+                      <a:tailEnd type="none" w="med" len="med"/>
+                    </a:lnR>
+                    <a:lnT w="12700" cap="flat" cmpd="sng" algn="ctr">
+                      <a:solidFill>
+                        <a:schemeClr val="tx1">
+                          <a:lumMod val="50000"/>
+                          <a:lumOff val="50000"/>
+                        </a:schemeClr>
+                      </a:solidFill>
+                      <a:prstDash val="solid"/>
+                      <a:round/>
+                      <a:headEnd type="none" w="med" len="med"/>
+                      <a:tailEnd type="none" w="med" len="med"/>
+                    </a:lnT>
+                    <a:lnB w="12700" cap="flat" cmpd="sng" algn="ctr">
+                      <a:solidFill>
+                        <a:schemeClr val="tx1">
+                          <a:lumMod val="50000"/>
+                          <a:lumOff val="50000"/>
+                        </a:schemeClr>
+                      </a:solidFill>
+                      <a:prstDash val="solid"/>
+                      <a:round/>
+                      <a:headEnd type="none" w="med" len="med"/>
+                      <a:tailEnd type="none" w="med" len="med"/>
+                    </a:lnB>
+                    <a:solidFill>
+                      <a:schemeClr val="bg1"/>
+                    </a:solidFill>
+                  </a:tcPr>
+                </a:tc>
+                <a:tc>
+                  <a:txBody>
+                    <a:bodyPr/>
+                    <a:lstStyle/>
+                    <a:p>
+                      <a:pPr algn="ctr" latinLnBrk="1"/>
+                      <a:r>
+                        <a:rPr lang="ko-KR" altLang="en-US" sz="1050" b="0" dirty="0">
+                          <a:solidFill>
+                            <a:schemeClr val="tx1"/>
+                          </a:solidFill>
+                          <a:latin typeface="KoPubWorld돋움체 Medium" panose="00000600000000000000" pitchFamily="2" charset="-127"/>
+                          <a:ea typeface="KoPubWorld돋움체 Medium" panose="00000600000000000000" pitchFamily="2" charset="-127"/>
+                          <a:cs typeface="KoPubWorld돋움체 Medium" panose="00000600000000000000" pitchFamily="2" charset="-127"/>
+                        </a:rPr>
+                        <a:t>해결</a:t>
+                      </a:r>
+                      <a:endParaRPr lang="en-US" altLang="ko-KR" sz="1050" b="0" dirty="0">
+                        <a:solidFill>
+                          <a:schemeClr val="tx1"/>
+                        </a:solidFill>
+                        <a:latin typeface="KoPubWorld돋움체 Medium" panose="00000600000000000000" pitchFamily="2" charset="-127"/>
+                        <a:ea typeface="KoPubWorld돋움체 Medium" panose="00000600000000000000" pitchFamily="2" charset="-127"/>
+                        <a:cs typeface="KoPubWorld돋움체 Medium" panose="00000600000000000000" pitchFamily="2" charset="-127"/>
+                      </a:endParaRPr>
+                    </a:p>
+                    <a:p>
+                      <a:pPr algn="ctr" latinLnBrk="1"/>
+                      <a:r>
+                        <a:rPr lang="ko-KR" altLang="en-US" sz="1050" b="0" dirty="0">
+                          <a:solidFill>
+                            <a:schemeClr val="tx1"/>
+                          </a:solidFill>
+                          <a:latin typeface="KoPubWorld돋움체 Medium" panose="00000600000000000000" pitchFamily="2" charset="-127"/>
+                          <a:ea typeface="KoPubWorld돋움체 Medium" panose="00000600000000000000" pitchFamily="2" charset="-127"/>
+                          <a:cs typeface="KoPubWorld돋움체 Medium" panose="00000600000000000000" pitchFamily="2" charset="-127"/>
+                        </a:rPr>
+                        <a:t>방안</a:t>
+                      </a:r>
+                    </a:p>
+                  </a:txBody>
+                  <a:tcPr marL="95991" marR="95991" marT="0" marB="0" anchor="ctr">
+                    <a:lnL w="12700" cap="flat" cmpd="sng" algn="ctr">
+                      <a:solidFill>
+                        <a:schemeClr val="bg2">
+                          <a:lumMod val="50000"/>
+                        </a:schemeClr>
+                      </a:solidFill>
+                      <a:prstDash val="solid"/>
+                      <a:round/>
+                      <a:headEnd type="none" w="med" len="med"/>
+                      <a:tailEnd type="none" w="med" len="med"/>
+                    </a:lnL>
+                    <a:lnR w="12700" cap="flat" cmpd="sng" algn="ctr">
+                      <a:solidFill>
+                        <a:schemeClr val="bg2">
+                          <a:lumMod val="50000"/>
+                        </a:schemeClr>
+                      </a:solidFill>
+                      <a:prstDash val="solid"/>
+                      <a:round/>
+                      <a:headEnd type="none" w="med" len="med"/>
+                      <a:tailEnd type="none" w="med" len="med"/>
+                    </a:lnR>
+                    <a:lnT w="12700" cap="flat" cmpd="sng" algn="ctr">
+                      <a:solidFill>
+                        <a:schemeClr val="bg2">
+                          <a:lumMod val="50000"/>
+                        </a:schemeClr>
+                      </a:solidFill>
+                      <a:prstDash val="solid"/>
+                      <a:round/>
+                      <a:headEnd type="none" w="med" len="med"/>
+                      <a:tailEnd type="none" w="med" len="med"/>
+                    </a:lnT>
+                    <a:lnB w="12700" cap="flat" cmpd="sng" algn="ctr">
+                      <a:solidFill>
+                        <a:schemeClr val="bg2">
+                          <a:lumMod val="50000"/>
+                        </a:schemeClr>
+                      </a:solidFill>
+                      <a:prstDash val="solid"/>
+                      <a:round/>
+                      <a:headEnd type="none" w="med" len="med"/>
+                      <a:tailEnd type="none" w="med" len="med"/>
+                    </a:lnB>
+                    <a:solidFill>
+                      <a:schemeClr val="bg1">
+                        <a:lumMod val="85000"/>
+                      </a:schemeClr>
+                    </a:solidFill>
+                  </a:tcPr>
+                </a:tc>
+                <a:tc>
+                  <a:txBody>
+                    <a:bodyPr/>
+                    <a:lstStyle/>
+                    <a:p>
+                      <a:pPr algn="ctr" latinLnBrk="1"/>
+                      <a:endParaRPr lang="ko-KR" altLang="en-US" sz="1050" b="0" dirty="0">
+                        <a:solidFill>
+                          <a:schemeClr val="tx1"/>
+                        </a:solidFill>
+                        <a:latin typeface="KoPubWorld돋움체 Medium" panose="00000600000000000000" pitchFamily="2" charset="-127"/>
+                        <a:ea typeface="KoPubWorld돋움체 Medium" panose="00000600000000000000" pitchFamily="2" charset="-127"/>
+                        <a:cs typeface="KoPubWorld돋움체 Medium" panose="00000600000000000000" pitchFamily="2" charset="-127"/>
+                      </a:endParaRPr>
+                    </a:p>
+                  </a:txBody>
+                  <a:tcPr marL="95991" marR="95991" marT="0" marB="0" anchor="ctr">
+                    <a:lnL w="12700" cap="flat" cmpd="sng" algn="ctr">
+                      <a:solidFill>
+                        <a:schemeClr val="bg2">
+                          <a:lumMod val="50000"/>
+                        </a:schemeClr>
+                      </a:solidFill>
+                      <a:prstDash val="solid"/>
+                      <a:round/>
+                      <a:headEnd type="none" w="med" len="med"/>
+                      <a:tailEnd type="none" w="med" len="med"/>
+                    </a:lnL>
+                    <a:lnR w="12700" cap="flat" cmpd="sng" algn="ctr">
+                      <a:solidFill>
+                        <a:schemeClr val="bg2">
+                          <a:lumMod val="50000"/>
+                        </a:schemeClr>
+                      </a:solidFill>
+                      <a:prstDash val="solid"/>
+                      <a:round/>
+                      <a:headEnd type="none" w="med" len="med"/>
+                      <a:tailEnd type="none" w="med" len="med"/>
+                    </a:lnR>
+                    <a:lnT w="12700" cap="flat" cmpd="sng" algn="ctr">
+                      <a:solidFill>
+                        <a:schemeClr val="bg2">
+                          <a:lumMod val="50000"/>
+                        </a:schemeClr>
+                      </a:solidFill>
+                      <a:prstDash val="solid"/>
+                      <a:round/>
+                      <a:headEnd type="none" w="med" len="med"/>
+                      <a:tailEnd type="none" w="med" len="med"/>
+                    </a:lnT>
+                    <a:lnB w="12700" cap="flat" cmpd="sng" algn="ctr">
+                      <a:solidFill>
+                        <a:schemeClr val="bg2">
+                          <a:lumMod val="50000"/>
+                        </a:schemeClr>
+                      </a:solidFill>
+                      <a:prstDash val="solid"/>
+                      <a:round/>
+                      <a:headEnd type="none" w="med" len="med"/>
+                      <a:tailEnd type="none" w="med" len="med"/>
+                    </a:lnB>
+                    <a:solidFill>
+                      <a:schemeClr val="bg1"/>
+                    </a:solidFill>
+                  </a:tcPr>
+                </a:tc>
+                <a:tc>
+                  <a:txBody>
+                    <a:bodyPr/>
+                    <a:lstStyle/>
+                    <a:p>
+                      <a:pPr algn="ctr" latinLnBrk="1"/>
+                      <a:endParaRPr lang="ko-KR" altLang="en-US" sz="1050" b="0" dirty="0">
+                        <a:solidFill>
+                          <a:schemeClr val="tx1"/>
+                        </a:solidFill>
+                        <a:latin typeface="KoPubWorld돋움체 Medium" panose="00000600000000000000" pitchFamily="2" charset="-127"/>
+                        <a:ea typeface="KoPubWorld돋움체 Medium" panose="00000600000000000000" pitchFamily="2" charset="-127"/>
+                        <a:cs typeface="KoPubWorld돋움체 Medium" panose="00000600000000000000" pitchFamily="2" charset="-127"/>
+                      </a:endParaRPr>
+                    </a:p>
+                  </a:txBody>
+                  <a:tcPr marL="95991" marR="95991" marT="0" marB="0" anchor="ctr">
+                    <a:lnL w="12700" cap="flat" cmpd="sng" algn="ctr">
+                      <a:solidFill>
+                        <a:schemeClr val="bg2">
+                          <a:lumMod val="50000"/>
+                        </a:schemeClr>
+                      </a:solidFill>
+                      <a:prstDash val="solid"/>
+                      <a:round/>
+                      <a:headEnd type="none" w="med" len="med"/>
+                      <a:tailEnd type="none" w="med" len="med"/>
+                    </a:lnL>
+                    <a:lnR w="12700" cap="flat" cmpd="sng" algn="ctr">
+                      <a:solidFill>
+                        <a:schemeClr val="bg2">
+                          <a:lumMod val="50000"/>
+                        </a:schemeClr>
+                      </a:solidFill>
+                      <a:prstDash val="solid"/>
+                      <a:round/>
+                      <a:headEnd type="none" w="med" len="med"/>
+                      <a:tailEnd type="none" w="med" len="med"/>
+                    </a:lnR>
+                    <a:lnT w="12700" cap="flat" cmpd="sng" algn="ctr">
+                      <a:solidFill>
+                        <a:schemeClr val="bg2">
+                          <a:lumMod val="50000"/>
+                        </a:schemeClr>
+                      </a:solidFill>
+                      <a:prstDash val="solid"/>
+                      <a:round/>
+                      <a:headEnd type="none" w="med" len="med"/>
+                      <a:tailEnd type="none" w="med" len="med"/>
+                    </a:lnT>
+                    <a:lnB w="12700" cap="flat" cmpd="sng" algn="ctr">
+                      <a:solidFill>
+                        <a:schemeClr val="bg2">
+                          <a:lumMod val="50000"/>
+                        </a:schemeClr>
+                      </a:solidFill>
+                      <a:prstDash val="solid"/>
+                      <a:round/>
+                      <a:headEnd type="none" w="med" len="med"/>
+                      <a:tailEnd type="none" w="med" len="med"/>
+                    </a:lnB>
+                    <a:solidFill>
+                      <a:schemeClr val="bg1"/>
+                    </a:solidFill>
+                  </a:tcPr>
+                </a:tc>
+                <a:tc>
+                  <a:txBody>
+                    <a:bodyPr/>
+                    <a:lstStyle/>
+                    <a:p>
+                      <a:pPr algn="ctr" latinLnBrk="1"/>
+                      <a:endParaRPr lang="ko-KR" altLang="en-US" sz="1050" b="0" dirty="0">
+                        <a:solidFill>
+                          <a:schemeClr val="tx1"/>
+                        </a:solidFill>
+                        <a:latin typeface="KoPubWorld돋움체 Medium" panose="00000600000000000000" pitchFamily="2" charset="-127"/>
+                        <a:ea typeface="KoPubWorld돋움체 Medium" panose="00000600000000000000" pitchFamily="2" charset="-127"/>
+                        <a:cs typeface="KoPubWorld돋움체 Medium" panose="00000600000000000000" pitchFamily="2" charset="-127"/>
+                      </a:endParaRPr>
+                    </a:p>
+                  </a:txBody>
+                  <a:tcPr marL="95991" marR="95991" marT="0" marB="0" anchor="ctr">
+                    <a:lnL w="12700" cap="flat" cmpd="sng" algn="ctr">
+                      <a:solidFill>
+                        <a:schemeClr val="bg2">
+                          <a:lumMod val="50000"/>
+                        </a:schemeClr>
+                      </a:solidFill>
+                      <a:prstDash val="solid"/>
+                      <a:round/>
+                      <a:headEnd type="none" w="med" len="med"/>
+                      <a:tailEnd type="none" w="med" len="med"/>
+                    </a:lnL>
+                    <a:lnR w="12700" cap="flat" cmpd="sng" algn="ctr">
+                      <a:solidFill>
+                        <a:schemeClr val="bg2">
+                          <a:lumMod val="50000"/>
+                        </a:schemeClr>
+                      </a:solidFill>
+                      <a:prstDash val="solid"/>
+                      <a:round/>
+                      <a:headEnd type="none" w="med" len="med"/>
+                      <a:tailEnd type="none" w="med" len="med"/>
+                    </a:lnR>
+                    <a:lnT w="12700" cap="flat" cmpd="sng" algn="ctr">
+                      <a:solidFill>
+                        <a:schemeClr val="bg2">
+                          <a:lumMod val="50000"/>
+                        </a:schemeClr>
+                      </a:solidFill>
+                      <a:prstDash val="solid"/>
+                      <a:round/>
+                      <a:headEnd type="none" w="med" len="med"/>
+                      <a:tailEnd type="none" w="med" len="med"/>
+                    </a:lnT>
+                    <a:lnB w="12700" cap="flat" cmpd="sng" algn="ctr">
+                      <a:solidFill>
+                        <a:schemeClr val="bg2">
+                          <a:lumMod val="50000"/>
+                        </a:schemeClr>
+                      </a:solidFill>
+                      <a:prstDash val="solid"/>
+                      <a:round/>
+                      <a:headEnd type="none" w="med" len="med"/>
+                      <a:tailEnd type="none" w="med" len="med"/>
+                    </a:lnB>
+                    <a:solidFill>
+                      <a:schemeClr val="bg1"/>
+                    </a:solidFill>
+                  </a:tcPr>
+                </a:tc>
+                <a:tc>
+                  <a:txBody>
+                    <a:bodyPr/>
+                    <a:lstStyle/>
+                    <a:p>
+                      <a:pPr algn="ctr" latinLnBrk="1"/>
+                      <a:endParaRPr lang="ko-KR" altLang="en-US" sz="1200" b="0" dirty="0">
+                        <a:solidFill>
+                          <a:schemeClr val="tx1"/>
+                        </a:solidFill>
+                        <a:latin typeface="KoPubWorld돋움체 Medium" panose="00000600000000000000" pitchFamily="2" charset="-127"/>
+                        <a:ea typeface="KoPubWorld돋움체 Medium" panose="00000600000000000000" pitchFamily="2" charset="-127"/>
+                        <a:cs typeface="KoPubWorld돋움체 Medium" panose="00000600000000000000" pitchFamily="2" charset="-127"/>
+                      </a:endParaRPr>
+                    </a:p>
+                  </a:txBody>
+                  <a:tcPr marL="95991" marR="95991" marT="0" marB="0" anchor="ctr">
+                    <a:lnL w="12700" cap="flat" cmpd="sng" algn="ctr">
+                      <a:solidFill>
+                        <a:schemeClr val="bg2">
+                          <a:lumMod val="50000"/>
+                        </a:schemeClr>
+                      </a:solidFill>
+                      <a:prstDash val="solid"/>
+                      <a:round/>
+                      <a:headEnd type="none" w="med" len="med"/>
+                      <a:tailEnd type="none" w="med" len="med"/>
+                    </a:lnL>
+                    <a:lnR w="12700" cap="flat" cmpd="sng" algn="ctr">
+                      <a:solidFill>
+                        <a:schemeClr val="bg2">
+                          <a:lumMod val="50000"/>
+                        </a:schemeClr>
+                      </a:solidFill>
+                      <a:prstDash val="solid"/>
+                      <a:round/>
+                      <a:headEnd type="none" w="med" len="med"/>
+                      <a:tailEnd type="none" w="med" len="med"/>
+                    </a:lnR>
+                    <a:lnT w="12700" cap="flat" cmpd="sng" algn="ctr">
+                      <a:solidFill>
+                        <a:schemeClr val="bg2">
+                          <a:lumMod val="50000"/>
+                        </a:schemeClr>
+                      </a:solidFill>
+                      <a:prstDash val="solid"/>
+                      <a:round/>
+                      <a:headEnd type="none" w="med" len="med"/>
+                      <a:tailEnd type="none" w="med" len="med"/>
+                    </a:lnT>
+                    <a:lnB w="12700" cap="flat" cmpd="sng" algn="ctr">
+                      <a:solidFill>
+                        <a:schemeClr val="bg2">
+                          <a:lumMod val="50000"/>
+                        </a:schemeClr>
+                      </a:solidFill>
+                      <a:prstDash val="solid"/>
+                      <a:round/>
+                      <a:headEnd type="none" w="med" len="med"/>
+                      <a:tailEnd type="none" w="med" len="med"/>
+                    </a:lnB>
+                    <a:solidFill>
+                      <a:schemeClr val="bg1"/>
+                    </a:solidFill>
+                  </a:tcPr>
+                </a:tc>
+                <a:extLst>
+                  <a:ext uri="{0D108BD9-81ED-4DB2-BD59-A6C34878D82A}">
+                    <a16:rowId xmlns:a16="http://schemas.microsoft.com/office/drawing/2014/main" val="10005"/>
+                  </a:ext>
+                </a:extLst>
+              </a:tr>
+              <a:tr h="558595">
+                <a:tc rowSpan="2">
+                  <a:txBody>
+                    <a:bodyPr/>
+                    <a:lstStyle/>
+                    <a:p>
+                      <a:pPr marL="0" marR="0" lvl="0" indent="0" algn="l" defTabSz="914400" rtl="0" eaLnBrk="1" fontAlgn="auto" latinLnBrk="1" hangingPunct="1">
+                        <a:lnSpc>
+                          <a:spcPct val="100000"/>
+                        </a:lnSpc>
+                        <a:spcBef>
+                          <a:spcPts val="0"/>
+                        </a:spcBef>
+                        <a:spcAft>
+                          <a:spcPts val="0"/>
+                        </a:spcAft>
+                        <a:buClrTx/>
+                        <a:buSzTx/>
+                        <a:buFontTx/>
+                        <a:buNone/>
+                        <a:tabLst/>
+                        <a:defRPr/>
+                      </a:pPr>
+                      <a:r>
+                        <a:rPr lang="en-US" altLang="ko-KR" sz="1200" b="0" dirty="0">
+                          <a:solidFill>
+                            <a:schemeClr val="tx1"/>
+                          </a:solidFill>
+                          <a:latin typeface="KoPubWorld돋움체 Medium" panose="00000600000000000000" pitchFamily="2" charset="-127"/>
+                          <a:ea typeface="KoPubWorld돋움체 Medium" panose="00000600000000000000" pitchFamily="2" charset="-127"/>
+                          <a:cs typeface="KoPubWorld돋움체 Medium" panose="00000600000000000000" pitchFamily="2" charset="-127"/>
+                        </a:rPr>
+                        <a:t>[</a:t>
+                      </a:r>
+                      <a:r>
+                        <a:rPr lang="ko-KR" altLang="en-US" sz="1200" b="0" dirty="0">
+                          <a:solidFill>
+                            <a:schemeClr val="tx1"/>
+                          </a:solidFill>
+                          <a:latin typeface="KoPubWorld돋움체 Medium" panose="00000600000000000000" pitchFamily="2" charset="-127"/>
+                          <a:ea typeface="KoPubWorld돋움체 Medium" panose="00000600000000000000" pitchFamily="2" charset="-127"/>
+                          <a:cs typeface="KoPubWorld돋움체 Medium" panose="00000600000000000000" pitchFamily="2" charset="-127"/>
+                        </a:rPr>
+                        <a:t>분석 세부주제</a:t>
+                      </a:r>
+                      <a:r>
+                        <a:rPr lang="en-US" altLang="ko-KR" sz="1200" b="0" dirty="0">
+                          <a:solidFill>
+                            <a:schemeClr val="tx1"/>
+                          </a:solidFill>
+                          <a:latin typeface="KoPubWorld돋움체 Medium" panose="00000600000000000000" pitchFamily="2" charset="-127"/>
+                          <a:ea typeface="KoPubWorld돋움체 Medium" panose="00000600000000000000" pitchFamily="2" charset="-127"/>
+                          <a:cs typeface="KoPubWorld돋움체 Medium" panose="00000600000000000000" pitchFamily="2" charset="-127"/>
+                        </a:rPr>
+                        <a:t>4]</a:t>
+                      </a:r>
+                    </a:p>
+                    <a:p>
+                      <a:pPr algn="l" latinLnBrk="1"/>
+                      <a:endParaRPr lang="ko-KR" altLang="en-US" sz="1200" b="0" dirty="0">
+                        <a:solidFill>
+                          <a:schemeClr val="tx1"/>
+                        </a:solidFill>
+                        <a:latin typeface="KoPubWorld돋움체 Medium" panose="00000600000000000000" pitchFamily="2" charset="-127"/>
+                        <a:ea typeface="KoPubWorld돋움체 Medium" panose="00000600000000000000" pitchFamily="2" charset="-127"/>
+                        <a:cs typeface="KoPubWorld돋움체 Medium" panose="00000600000000000000" pitchFamily="2" charset="-127"/>
+                      </a:endParaRPr>
+                    </a:p>
+                  </a:txBody>
+                  <a:tcPr marL="95991" marR="95991" marT="0" marB="0">
+                    <a:lnL w="12700" cap="flat" cmpd="sng" algn="ctr">
+                      <a:solidFill>
+                        <a:schemeClr val="bg2">
+                          <a:lumMod val="50000"/>
+                        </a:schemeClr>
+                      </a:solidFill>
+                      <a:prstDash val="solid"/>
+                      <a:round/>
+                      <a:headEnd type="none" w="med" len="med"/>
+                      <a:tailEnd type="none" w="med" len="med"/>
+                    </a:lnL>
+                    <a:lnR w="12700" cap="flat" cmpd="sng" algn="ctr">
+                      <a:solidFill>
+                        <a:schemeClr val="bg2">
+                          <a:lumMod val="50000"/>
+                        </a:schemeClr>
+                      </a:solidFill>
+                      <a:prstDash val="solid"/>
+                      <a:round/>
+                      <a:headEnd type="none" w="med" len="med"/>
+                      <a:tailEnd type="none" w="med" len="med"/>
+                    </a:lnR>
+                    <a:lnT w="12700" cap="flat" cmpd="sng" algn="ctr">
+                      <a:solidFill>
+                        <a:schemeClr val="bg2">
+                          <a:lumMod val="50000"/>
+                        </a:schemeClr>
+                      </a:solidFill>
+                      <a:prstDash val="solid"/>
+                      <a:round/>
+                      <a:headEnd type="none" w="med" len="med"/>
+                      <a:tailEnd type="none" w="med" len="med"/>
+                    </a:lnT>
+                    <a:lnB w="12700" cap="flat" cmpd="sng" algn="ctr">
+                      <a:solidFill>
+                        <a:schemeClr val="bg2">
+                          <a:lumMod val="50000"/>
+                        </a:schemeClr>
+                      </a:solidFill>
+                      <a:prstDash val="solid"/>
+                      <a:round/>
+                      <a:headEnd type="none" w="med" len="med"/>
+                      <a:tailEnd type="none" w="med" len="med"/>
+                    </a:lnB>
+                    <a:solidFill>
+                      <a:schemeClr val="bg1">
+                        <a:lumMod val="85000"/>
+                      </a:schemeClr>
+                    </a:solidFill>
+                  </a:tcPr>
+                </a:tc>
+                <a:tc>
+                  <a:txBody>
+                    <a:bodyPr/>
+                    <a:lstStyle/>
+                    <a:p>
+                      <a:pPr algn="ctr" latinLnBrk="1"/>
+                      <a:r>
+                        <a:rPr lang="ko-KR" altLang="en-US" sz="1050" b="0" dirty="0">
+                          <a:solidFill>
+                            <a:schemeClr val="tx1"/>
+                          </a:solidFill>
+                          <a:latin typeface="KoPubWorld돋움체 Medium" panose="00000600000000000000" pitchFamily="2" charset="-127"/>
+                          <a:ea typeface="KoPubWorld돋움체 Medium" panose="00000600000000000000" pitchFamily="2" charset="-127"/>
+                          <a:cs typeface="KoPubWorld돋움체 Medium" panose="00000600000000000000" pitchFamily="2" charset="-127"/>
+                        </a:rPr>
+                        <a:t>개선</a:t>
+                      </a:r>
+                      <a:endParaRPr lang="en-US" altLang="ko-KR" sz="1050" b="0" dirty="0">
+                        <a:solidFill>
+                          <a:schemeClr val="tx1"/>
+                        </a:solidFill>
+                        <a:latin typeface="KoPubWorld돋움체 Medium" panose="00000600000000000000" pitchFamily="2" charset="-127"/>
+                        <a:ea typeface="KoPubWorld돋움체 Medium" panose="00000600000000000000" pitchFamily="2" charset="-127"/>
+                        <a:cs typeface="KoPubWorld돋움체 Medium" panose="00000600000000000000" pitchFamily="2" charset="-127"/>
+                      </a:endParaRPr>
+                    </a:p>
+                    <a:p>
+                      <a:pPr algn="ctr" latinLnBrk="1"/>
+                      <a:r>
+                        <a:rPr lang="ko-KR" altLang="en-US" sz="1050" b="0" dirty="0" err="1">
+                          <a:solidFill>
+                            <a:schemeClr val="tx1"/>
+                          </a:solidFill>
+                          <a:latin typeface="KoPubWorld돋움체 Medium" panose="00000600000000000000" pitchFamily="2" charset="-127"/>
+                          <a:ea typeface="KoPubWorld돋움체 Medium" panose="00000600000000000000" pitchFamily="2" charset="-127"/>
+                          <a:cs typeface="KoPubWorld돋움체 Medium" panose="00000600000000000000" pitchFamily="2" charset="-127"/>
+                        </a:rPr>
+                        <a:t>필요점</a:t>
+                      </a:r>
+                      <a:endParaRPr lang="ko-KR" altLang="en-US" sz="1050" b="0" dirty="0">
+                        <a:solidFill>
+                          <a:schemeClr val="tx1"/>
+                        </a:solidFill>
+                        <a:latin typeface="KoPubWorld돋움체 Medium" panose="00000600000000000000" pitchFamily="2" charset="-127"/>
+                        <a:ea typeface="KoPubWorld돋움체 Medium" panose="00000600000000000000" pitchFamily="2" charset="-127"/>
+                        <a:cs typeface="KoPubWorld돋움체 Medium" panose="00000600000000000000" pitchFamily="2" charset="-127"/>
+                      </a:endParaRPr>
+                    </a:p>
+                    <a:p>
+                      <a:pPr algn="ctr" latinLnBrk="1"/>
+                      <a:endParaRPr lang="ko-KR" altLang="en-US" sz="1050" b="0" dirty="0">
+                        <a:solidFill>
+                          <a:schemeClr val="tx1"/>
+                        </a:solidFill>
+                        <a:latin typeface="KoPubWorld돋움체 Medium" panose="00000600000000000000" pitchFamily="2" charset="-127"/>
+                        <a:ea typeface="KoPubWorld돋움체 Medium" panose="00000600000000000000" pitchFamily="2" charset="-127"/>
+                        <a:cs typeface="KoPubWorld돋움체 Medium" panose="00000600000000000000" pitchFamily="2" charset="-127"/>
+                      </a:endParaRPr>
+                    </a:p>
+                  </a:txBody>
+                  <a:tcPr marL="95991" marR="95991" marT="0" marB="0" anchor="ctr">
+                    <a:lnL w="12700" cap="flat" cmpd="sng" algn="ctr">
+                      <a:solidFill>
+                        <a:schemeClr val="bg2">
+                          <a:lumMod val="50000"/>
+                        </a:schemeClr>
+                      </a:solidFill>
+                      <a:prstDash val="solid"/>
+                      <a:round/>
+                      <a:headEnd type="none" w="med" len="med"/>
+                      <a:tailEnd type="none" w="med" len="med"/>
+                    </a:lnL>
+                    <a:lnR w="12700" cap="flat" cmpd="sng" algn="ctr">
+                      <a:solidFill>
+                        <a:schemeClr val="bg2">
+                          <a:lumMod val="50000"/>
+                        </a:schemeClr>
+                      </a:solidFill>
+                      <a:prstDash val="solid"/>
+                      <a:round/>
+                      <a:headEnd type="none" w="med" len="med"/>
+                      <a:tailEnd type="none" w="med" len="med"/>
+                    </a:lnR>
+                    <a:lnT w="12700" cap="flat" cmpd="sng" algn="ctr">
+                      <a:solidFill>
+                        <a:schemeClr val="bg2">
+                          <a:lumMod val="50000"/>
+                        </a:schemeClr>
+                      </a:solidFill>
+                      <a:prstDash val="solid"/>
+                      <a:round/>
+                      <a:headEnd type="none" w="med" len="med"/>
+                      <a:tailEnd type="none" w="med" len="med"/>
+                    </a:lnT>
+                    <a:lnB w="12700" cap="flat" cmpd="sng" algn="ctr">
+                      <a:solidFill>
+                        <a:schemeClr val="bg2">
+                          <a:lumMod val="50000"/>
+                        </a:schemeClr>
+                      </a:solidFill>
+                      <a:prstDash val="solid"/>
+                      <a:round/>
+                      <a:headEnd type="none" w="med" len="med"/>
+                      <a:tailEnd type="none" w="med" len="med"/>
+                    </a:lnB>
+                    <a:solidFill>
+                      <a:schemeClr val="bg1">
+                        <a:lumMod val="85000"/>
+                      </a:schemeClr>
+                    </a:solidFill>
+                  </a:tcPr>
+                </a:tc>
+                <a:tc>
+                  <a:txBody>
+                    <a:bodyPr/>
+                    <a:lstStyle/>
+                    <a:p>
+                      <a:pPr algn="ctr" latinLnBrk="1"/>
+                      <a:endParaRPr lang="ko-KR" altLang="en-US" sz="1050" b="0" dirty="0">
+                        <a:solidFill>
+                          <a:schemeClr val="tx1"/>
+                        </a:solidFill>
+                        <a:latin typeface="KoPubWorld돋움체 Medium" panose="00000600000000000000" pitchFamily="2" charset="-127"/>
+                        <a:ea typeface="KoPubWorld돋움체 Medium" panose="00000600000000000000" pitchFamily="2" charset="-127"/>
+                        <a:cs typeface="KoPubWorld돋움체 Medium" panose="00000600000000000000" pitchFamily="2" charset="-127"/>
+                      </a:endParaRPr>
+                    </a:p>
+                  </a:txBody>
+                  <a:tcPr marL="95991" marR="95991" marT="0" marB="0" anchor="ctr">
+                    <a:lnL w="12700" cap="flat" cmpd="sng" algn="ctr">
+                      <a:solidFill>
+                        <a:schemeClr val="bg2">
+                          <a:lumMod val="50000"/>
+                        </a:schemeClr>
+                      </a:solidFill>
+                      <a:prstDash val="solid"/>
+                      <a:round/>
+                      <a:headEnd type="none" w="med" len="med"/>
+                      <a:tailEnd type="none" w="med" len="med"/>
+                    </a:lnL>
+                    <a:lnR w="12700" cap="flat" cmpd="sng" algn="ctr">
+                      <a:solidFill>
+                        <a:schemeClr val="bg2">
+                          <a:lumMod val="50000"/>
+                        </a:schemeClr>
+                      </a:solidFill>
+                      <a:prstDash val="solid"/>
+                      <a:round/>
+                      <a:headEnd type="none" w="med" len="med"/>
+                      <a:tailEnd type="none" w="med" len="med"/>
+                    </a:lnR>
+                    <a:lnT w="12700" cap="flat" cmpd="sng" algn="ctr">
+                      <a:solidFill>
+                        <a:schemeClr val="bg2">
+                          <a:lumMod val="50000"/>
+                        </a:schemeClr>
+                      </a:solidFill>
+                      <a:prstDash val="solid"/>
+                      <a:round/>
+                      <a:headEnd type="none" w="med" len="med"/>
+                      <a:tailEnd type="none" w="med" len="med"/>
+                    </a:lnT>
+                    <a:lnB w="12700" cap="flat" cmpd="sng" algn="ctr">
+                      <a:solidFill>
+                        <a:schemeClr val="bg2">
+                          <a:lumMod val="50000"/>
+                        </a:schemeClr>
+                      </a:solidFill>
+                      <a:prstDash val="solid"/>
+                      <a:round/>
+                      <a:headEnd type="none" w="med" len="med"/>
+                      <a:tailEnd type="none" w="med" len="med"/>
+                    </a:lnB>
+                    <a:solidFill>
+                      <a:schemeClr val="bg1"/>
+                    </a:solidFill>
+                  </a:tcPr>
+                </a:tc>
+                <a:tc>
+                  <a:txBody>
+                    <a:bodyPr/>
+                    <a:lstStyle/>
+                    <a:p>
+                      <a:pPr algn="ctr" latinLnBrk="1"/>
+                      <a:endParaRPr lang="ko-KR" altLang="en-US" sz="1050" b="0" dirty="0">
+                        <a:solidFill>
+                          <a:schemeClr val="tx1"/>
+                        </a:solidFill>
+                        <a:latin typeface="KoPubWorld돋움체 Medium" panose="00000600000000000000" pitchFamily="2" charset="-127"/>
+                        <a:ea typeface="KoPubWorld돋움체 Medium" panose="00000600000000000000" pitchFamily="2" charset="-127"/>
+                        <a:cs typeface="KoPubWorld돋움체 Medium" panose="00000600000000000000" pitchFamily="2" charset="-127"/>
+                      </a:endParaRPr>
+                    </a:p>
+                  </a:txBody>
+                  <a:tcPr marL="95991" marR="95991" marT="0" marB="0" anchor="ctr">
+                    <a:lnL w="12700" cap="flat" cmpd="sng" algn="ctr">
+                      <a:solidFill>
+                        <a:schemeClr val="bg2">
+                          <a:lumMod val="50000"/>
+                        </a:schemeClr>
+                      </a:solidFill>
+                      <a:prstDash val="solid"/>
+                      <a:round/>
+                      <a:headEnd type="none" w="med" len="med"/>
+                      <a:tailEnd type="none" w="med" len="med"/>
+                    </a:lnL>
+                    <a:lnR w="12700" cap="flat" cmpd="sng" algn="ctr">
+                      <a:solidFill>
+                        <a:schemeClr val="bg2">
+                          <a:lumMod val="50000"/>
+                        </a:schemeClr>
+                      </a:solidFill>
+                      <a:prstDash val="solid"/>
+                      <a:round/>
+                      <a:headEnd type="none" w="med" len="med"/>
+                      <a:tailEnd type="none" w="med" len="med"/>
+                    </a:lnR>
+                    <a:lnT w="12700" cap="flat" cmpd="sng" algn="ctr">
+                      <a:solidFill>
+                        <a:schemeClr val="bg2">
+                          <a:lumMod val="50000"/>
+                        </a:schemeClr>
+                      </a:solidFill>
+                      <a:prstDash val="solid"/>
+                      <a:round/>
+                      <a:headEnd type="none" w="med" len="med"/>
+                      <a:tailEnd type="none" w="med" len="med"/>
+                    </a:lnT>
+                    <a:lnB w="12700" cap="flat" cmpd="sng" algn="ctr">
+                      <a:solidFill>
+                        <a:schemeClr val="bg2">
+                          <a:lumMod val="50000"/>
+                        </a:schemeClr>
+                      </a:solidFill>
+                      <a:prstDash val="solid"/>
+                      <a:round/>
+                      <a:headEnd type="none" w="med" len="med"/>
+                      <a:tailEnd type="none" w="med" len="med"/>
+                    </a:lnB>
+                    <a:solidFill>
+                      <a:schemeClr val="bg1"/>
+                    </a:solidFill>
+                  </a:tcPr>
+                </a:tc>
+                <a:tc>
+                  <a:txBody>
+                    <a:bodyPr/>
+                    <a:lstStyle/>
+                    <a:p>
+                      <a:pPr algn="ctr" latinLnBrk="1"/>
+                      <a:endParaRPr lang="ko-KR" altLang="en-US" sz="1050" b="0" dirty="0">
+                        <a:solidFill>
+                          <a:schemeClr val="tx1"/>
+                        </a:solidFill>
+                        <a:latin typeface="KoPubWorld돋움체 Medium" panose="00000600000000000000" pitchFamily="2" charset="-127"/>
+                        <a:ea typeface="KoPubWorld돋움체 Medium" panose="00000600000000000000" pitchFamily="2" charset="-127"/>
+                        <a:cs typeface="KoPubWorld돋움체 Medium" panose="00000600000000000000" pitchFamily="2" charset="-127"/>
+                      </a:endParaRPr>
+                    </a:p>
+                  </a:txBody>
+                  <a:tcPr marL="95991" marR="95991" marT="0" marB="0" anchor="ctr">
+                    <a:lnL w="12700" cap="flat" cmpd="sng" algn="ctr">
+                      <a:solidFill>
+                        <a:schemeClr val="bg2">
+                          <a:lumMod val="50000"/>
+                        </a:schemeClr>
+                      </a:solidFill>
+                      <a:prstDash val="solid"/>
+                      <a:round/>
+                      <a:headEnd type="none" w="med" len="med"/>
+                      <a:tailEnd type="none" w="med" len="med"/>
+                    </a:lnL>
+                    <a:lnR w="12700" cap="flat" cmpd="sng" algn="ctr">
+                      <a:solidFill>
+                        <a:schemeClr val="bg2">
+                          <a:lumMod val="50000"/>
+                        </a:schemeClr>
+                      </a:solidFill>
+                      <a:prstDash val="solid"/>
+                      <a:round/>
+                      <a:headEnd type="none" w="med" len="med"/>
+                      <a:tailEnd type="none" w="med" len="med"/>
+                    </a:lnR>
+                    <a:lnT w="12700" cap="flat" cmpd="sng" algn="ctr">
+                      <a:solidFill>
+                        <a:schemeClr val="bg2">
+                          <a:lumMod val="50000"/>
+                        </a:schemeClr>
+                      </a:solidFill>
+                      <a:prstDash val="solid"/>
+                      <a:round/>
+                      <a:headEnd type="none" w="med" len="med"/>
+                      <a:tailEnd type="none" w="med" len="med"/>
+                    </a:lnT>
+                    <a:lnB w="12700" cap="flat" cmpd="sng" algn="ctr">
+                      <a:solidFill>
+                        <a:schemeClr val="bg2">
+                          <a:lumMod val="50000"/>
+                        </a:schemeClr>
+                      </a:solidFill>
+                      <a:prstDash val="solid"/>
+                      <a:round/>
+                      <a:headEnd type="none" w="med" len="med"/>
+                      <a:tailEnd type="none" w="med" len="med"/>
+                    </a:lnB>
+                    <a:solidFill>
+                      <a:schemeClr val="bg1"/>
+                    </a:solidFill>
+                  </a:tcPr>
+                </a:tc>
+                <a:tc>
+                  <a:txBody>
+                    <a:bodyPr/>
+                    <a:lstStyle/>
+                    <a:p>
+                      <a:pPr algn="ctr" latinLnBrk="1"/>
+                      <a:endParaRPr lang="ko-KR" altLang="en-US" sz="1200" b="0" dirty="0">
+                        <a:solidFill>
+                          <a:schemeClr val="tx1"/>
+                        </a:solidFill>
+                        <a:latin typeface="KoPubWorld돋움체 Medium" panose="00000600000000000000" pitchFamily="2" charset="-127"/>
+                        <a:ea typeface="KoPubWorld돋움체 Medium" panose="00000600000000000000" pitchFamily="2" charset="-127"/>
+                        <a:cs typeface="KoPubWorld돋움체 Medium" panose="00000600000000000000" pitchFamily="2" charset="-127"/>
+                      </a:endParaRPr>
+                    </a:p>
+                  </a:txBody>
+                  <a:tcPr marL="95991" marR="95991" marT="0" marB="0" anchor="ctr">
+                    <a:lnL w="12700" cap="flat" cmpd="sng" algn="ctr">
+                      <a:solidFill>
+                        <a:schemeClr val="bg2">
+                          <a:lumMod val="50000"/>
+                        </a:schemeClr>
+                      </a:solidFill>
+                      <a:prstDash val="solid"/>
+                      <a:round/>
+                      <a:headEnd type="none" w="med" len="med"/>
+                      <a:tailEnd type="none" w="med" len="med"/>
+                    </a:lnL>
+                    <a:lnR w="12700" cap="flat" cmpd="sng" algn="ctr">
+                      <a:solidFill>
+                        <a:schemeClr val="bg2">
+                          <a:lumMod val="50000"/>
+                        </a:schemeClr>
+                      </a:solidFill>
+                      <a:prstDash val="solid"/>
+                      <a:round/>
+                      <a:headEnd type="none" w="med" len="med"/>
+                      <a:tailEnd type="none" w="med" len="med"/>
+                    </a:lnR>
+                    <a:lnT w="12700" cap="flat" cmpd="sng" algn="ctr">
+                      <a:solidFill>
+                        <a:schemeClr val="bg2">
+                          <a:lumMod val="50000"/>
+                        </a:schemeClr>
+                      </a:solidFill>
+                      <a:prstDash val="solid"/>
+                      <a:round/>
+                      <a:headEnd type="none" w="med" len="med"/>
+                      <a:tailEnd type="none" w="med" len="med"/>
+                    </a:lnT>
+                    <a:lnB w="12700" cap="flat" cmpd="sng" algn="ctr">
+                      <a:solidFill>
+                        <a:schemeClr val="bg2">
+                          <a:lumMod val="50000"/>
+                        </a:schemeClr>
+                      </a:solidFill>
+                      <a:prstDash val="solid"/>
+                      <a:round/>
+                      <a:headEnd type="none" w="med" len="med"/>
+                      <a:tailEnd type="none" w="med" len="med"/>
+                    </a:lnB>
+                    <a:solidFill>
+                      <a:schemeClr val="bg1"/>
+                    </a:solidFill>
+                  </a:tcPr>
+                </a:tc>
+                <a:extLst>
+                  <a:ext uri="{0D108BD9-81ED-4DB2-BD59-A6C34878D82A}">
+                    <a16:rowId xmlns:a16="http://schemas.microsoft.com/office/drawing/2014/main" val="10006"/>
+                  </a:ext>
+                </a:extLst>
+              </a:tr>
+              <a:tr h="558492">
+                <a:tc vMerge="1">
+                  <a:txBody>
+                    <a:bodyPr/>
+                    <a:lstStyle/>
+                    <a:p>
+                      <a:pPr latinLnBrk="1"/>
+                      <a:endParaRPr lang="ko-KR" altLang="en-US" sz="1000" dirty="0">
+                        <a:solidFill>
+                          <a:schemeClr val="tx1"/>
+                        </a:solidFill>
+                      </a:endParaRPr>
+                    </a:p>
+                  </a:txBody>
+                  <a:tcPr anchor="ctr">
+                    <a:lnL w="12700" cap="flat" cmpd="sng" algn="ctr">
+                      <a:solidFill>
+                        <a:schemeClr val="bg1"/>
+                      </a:solidFill>
+                      <a:prstDash val="solid"/>
+                      <a:round/>
+                      <a:headEnd type="none" w="med" len="med"/>
+                      <a:tailEnd type="none" w="med" len="med"/>
+                    </a:lnL>
+                    <a:lnR w="12700" cap="flat" cmpd="sng" algn="ctr">
+                      <a:solidFill>
+                        <a:schemeClr val="tx1">
+                          <a:lumMod val="50000"/>
+                          <a:lumOff val="50000"/>
+                        </a:schemeClr>
+                      </a:solidFill>
+                      <a:prstDash val="solid"/>
+                      <a:round/>
+                      <a:headEnd type="none" w="med" len="med"/>
+                      <a:tailEnd type="none" w="med" len="med"/>
+                    </a:lnR>
+                    <a:lnT w="12700" cap="flat" cmpd="sng" algn="ctr">
+                      <a:solidFill>
+                        <a:schemeClr val="tx1">
+                          <a:lumMod val="50000"/>
+                          <a:lumOff val="50000"/>
+                        </a:schemeClr>
+                      </a:solidFill>
+                      <a:prstDash val="solid"/>
+                      <a:round/>
+                      <a:headEnd type="none" w="med" len="med"/>
+                      <a:tailEnd type="none" w="med" len="med"/>
+                    </a:lnT>
+                    <a:lnB w="12700" cap="flat" cmpd="sng" algn="ctr">
+                      <a:solidFill>
+                        <a:schemeClr val="bg1"/>
+                      </a:solidFill>
+                      <a:prstDash val="solid"/>
+                      <a:round/>
+                      <a:headEnd type="none" w="med" len="med"/>
+                      <a:tailEnd type="none" w="med" len="med"/>
+                    </a:lnB>
+                    <a:solidFill>
+                      <a:schemeClr val="bg1"/>
+                    </a:solidFill>
+                  </a:tcPr>
+                </a:tc>
+                <a:tc>
+                  <a:txBody>
+                    <a:bodyPr/>
+                    <a:lstStyle/>
+                    <a:p>
+                      <a:pPr algn="ctr" latinLnBrk="1"/>
+                      <a:r>
+                        <a:rPr lang="ko-KR" altLang="en-US" sz="1050" b="0" dirty="0">
+                          <a:solidFill>
+                            <a:schemeClr val="tx1"/>
+                          </a:solidFill>
+                          <a:latin typeface="KoPubWorld돋움체 Medium" panose="00000600000000000000" pitchFamily="2" charset="-127"/>
+                          <a:ea typeface="KoPubWorld돋움체 Medium" panose="00000600000000000000" pitchFamily="2" charset="-127"/>
+                          <a:cs typeface="KoPubWorld돋움체 Medium" panose="00000600000000000000" pitchFamily="2" charset="-127"/>
+                        </a:rPr>
+                        <a:t>해결</a:t>
+                      </a:r>
+                      <a:endParaRPr lang="en-US" altLang="ko-KR" sz="1050" b="0" dirty="0">
+                        <a:solidFill>
+                          <a:schemeClr val="tx1"/>
+                        </a:solidFill>
+                        <a:latin typeface="KoPubWorld돋움체 Medium" panose="00000600000000000000" pitchFamily="2" charset="-127"/>
+                        <a:ea typeface="KoPubWorld돋움체 Medium" panose="00000600000000000000" pitchFamily="2" charset="-127"/>
+                        <a:cs typeface="KoPubWorld돋움체 Medium" panose="00000600000000000000" pitchFamily="2" charset="-127"/>
+                      </a:endParaRPr>
+                    </a:p>
+                    <a:p>
+                      <a:pPr algn="ctr" latinLnBrk="1"/>
+                      <a:r>
+                        <a:rPr lang="ko-KR" altLang="en-US" sz="1050" b="0" dirty="0">
+                          <a:solidFill>
+                            <a:schemeClr val="tx1"/>
+                          </a:solidFill>
+                          <a:latin typeface="KoPubWorld돋움체 Medium" panose="00000600000000000000" pitchFamily="2" charset="-127"/>
+                          <a:ea typeface="KoPubWorld돋움체 Medium" panose="00000600000000000000" pitchFamily="2" charset="-127"/>
+                          <a:cs typeface="KoPubWorld돋움체 Medium" panose="00000600000000000000" pitchFamily="2" charset="-127"/>
+                        </a:rPr>
+                        <a:t>방안</a:t>
+                      </a:r>
+                    </a:p>
+                  </a:txBody>
+                  <a:tcPr marL="95991" marR="95991" marT="0" marB="0" anchor="ctr">
+                    <a:lnL w="12700" cap="flat" cmpd="sng" algn="ctr">
+                      <a:solidFill>
+                        <a:schemeClr val="bg2">
+                          <a:lumMod val="50000"/>
+                        </a:schemeClr>
+                      </a:solidFill>
+                      <a:prstDash val="solid"/>
+                      <a:round/>
+                      <a:headEnd type="none" w="med" len="med"/>
+                      <a:tailEnd type="none" w="med" len="med"/>
+                    </a:lnL>
+                    <a:lnR w="12700" cap="flat" cmpd="sng" algn="ctr">
+                      <a:solidFill>
+                        <a:schemeClr val="bg2">
+                          <a:lumMod val="50000"/>
+                        </a:schemeClr>
+                      </a:solidFill>
+                      <a:prstDash val="solid"/>
+                      <a:round/>
+                      <a:headEnd type="none" w="med" len="med"/>
+                      <a:tailEnd type="none" w="med" len="med"/>
+                    </a:lnR>
+                    <a:lnT w="12700" cap="flat" cmpd="sng" algn="ctr">
+                      <a:solidFill>
+                        <a:schemeClr val="bg2">
+                          <a:lumMod val="50000"/>
+                        </a:schemeClr>
+                      </a:solidFill>
+                      <a:prstDash val="solid"/>
+                      <a:round/>
+                      <a:headEnd type="none" w="med" len="med"/>
+                      <a:tailEnd type="none" w="med" len="med"/>
+                    </a:lnT>
+                    <a:lnB w="12700" cap="flat" cmpd="sng" algn="ctr">
+                      <a:solidFill>
+                        <a:schemeClr val="bg2">
+                          <a:lumMod val="50000"/>
+                        </a:schemeClr>
+                      </a:solidFill>
+                      <a:prstDash val="solid"/>
+                      <a:round/>
+                      <a:headEnd type="none" w="med" len="med"/>
+                      <a:tailEnd type="none" w="med" len="med"/>
+                    </a:lnB>
+                    <a:solidFill>
+                      <a:schemeClr val="bg1">
+                        <a:lumMod val="85000"/>
+                      </a:schemeClr>
+                    </a:solidFill>
+                  </a:tcPr>
+                </a:tc>
+                <a:tc>
+                  <a:txBody>
+                    <a:bodyPr/>
+                    <a:lstStyle/>
+                    <a:p>
+                      <a:pPr algn="ctr" latinLnBrk="1"/>
+                      <a:endParaRPr lang="ko-KR" altLang="en-US" sz="1050" b="0" dirty="0">
+                        <a:solidFill>
+                          <a:schemeClr val="tx1"/>
+                        </a:solidFill>
+                        <a:latin typeface="KoPubWorld돋움체 Medium" panose="00000600000000000000" pitchFamily="2" charset="-127"/>
+                        <a:ea typeface="KoPubWorld돋움체 Medium" panose="00000600000000000000" pitchFamily="2" charset="-127"/>
+                        <a:cs typeface="KoPubWorld돋움체 Medium" panose="00000600000000000000" pitchFamily="2" charset="-127"/>
+                      </a:endParaRPr>
+                    </a:p>
+                  </a:txBody>
+                  <a:tcPr marL="95991" marR="95991" marT="0" marB="0" anchor="ctr">
+                    <a:lnL w="12700" cap="flat" cmpd="sng" algn="ctr">
+                      <a:solidFill>
+                        <a:schemeClr val="bg2">
+                          <a:lumMod val="50000"/>
+                        </a:schemeClr>
+                      </a:solidFill>
+                      <a:prstDash val="solid"/>
+                      <a:round/>
+                      <a:headEnd type="none" w="med" len="med"/>
+                      <a:tailEnd type="none" w="med" len="med"/>
+                    </a:lnL>
+                    <a:lnR w="12700" cap="flat" cmpd="sng" algn="ctr">
+                      <a:solidFill>
+                        <a:schemeClr val="bg2">
+                          <a:lumMod val="50000"/>
+                        </a:schemeClr>
+                      </a:solidFill>
+                      <a:prstDash val="solid"/>
+                      <a:round/>
+                      <a:headEnd type="none" w="med" len="med"/>
+                      <a:tailEnd type="none" w="med" len="med"/>
+                    </a:lnR>
+                    <a:lnT w="12700" cap="flat" cmpd="sng" algn="ctr">
+                      <a:solidFill>
+                        <a:schemeClr val="bg2">
+                          <a:lumMod val="50000"/>
+                        </a:schemeClr>
+                      </a:solidFill>
+                      <a:prstDash val="solid"/>
+                      <a:round/>
+                      <a:headEnd type="none" w="med" len="med"/>
+                      <a:tailEnd type="none" w="med" len="med"/>
+                    </a:lnT>
+                    <a:lnB w="12700" cap="flat" cmpd="sng" algn="ctr">
+                      <a:solidFill>
+                        <a:schemeClr val="bg2">
+                          <a:lumMod val="50000"/>
+                        </a:schemeClr>
+                      </a:solidFill>
+                      <a:prstDash val="solid"/>
+                      <a:round/>
+                      <a:headEnd type="none" w="med" len="med"/>
+                      <a:tailEnd type="none" w="med" len="med"/>
+                    </a:lnB>
+                    <a:solidFill>
+                      <a:schemeClr val="bg1"/>
+                    </a:solidFill>
+                  </a:tcPr>
+                </a:tc>
+                <a:tc>
+                  <a:txBody>
+                    <a:bodyPr/>
+                    <a:lstStyle/>
+                    <a:p>
+                      <a:pPr algn="ctr" latinLnBrk="1"/>
+                      <a:endParaRPr lang="ko-KR" altLang="en-US" sz="1050" b="0" dirty="0">
+                        <a:solidFill>
+                          <a:schemeClr val="tx1"/>
+                        </a:solidFill>
+                        <a:latin typeface="KoPubWorld돋움체 Medium" panose="00000600000000000000" pitchFamily="2" charset="-127"/>
+                        <a:ea typeface="KoPubWorld돋움체 Medium" panose="00000600000000000000" pitchFamily="2" charset="-127"/>
+                        <a:cs typeface="KoPubWorld돋움체 Medium" panose="00000600000000000000" pitchFamily="2" charset="-127"/>
+                      </a:endParaRPr>
+                    </a:p>
+                  </a:txBody>
+                  <a:tcPr marL="95991" marR="95991" marT="0" marB="0" anchor="ctr">
+                    <a:lnL w="12700" cap="flat" cmpd="sng" algn="ctr">
+                      <a:solidFill>
+                        <a:schemeClr val="bg2">
+                          <a:lumMod val="50000"/>
+                        </a:schemeClr>
+                      </a:solidFill>
+                      <a:prstDash val="solid"/>
+                      <a:round/>
+                      <a:headEnd type="none" w="med" len="med"/>
+                      <a:tailEnd type="none" w="med" len="med"/>
+                    </a:lnL>
+                    <a:lnR w="12700" cap="flat" cmpd="sng" algn="ctr">
+                      <a:solidFill>
+                        <a:schemeClr val="bg2">
+                          <a:lumMod val="50000"/>
+                        </a:schemeClr>
+                      </a:solidFill>
+                      <a:prstDash val="solid"/>
+                      <a:round/>
+                      <a:headEnd type="none" w="med" len="med"/>
+                      <a:tailEnd type="none" w="med" len="med"/>
+                    </a:lnR>
+                    <a:lnT w="12700" cap="flat" cmpd="sng" algn="ctr">
+                      <a:solidFill>
+                        <a:schemeClr val="bg2">
+                          <a:lumMod val="50000"/>
+                        </a:schemeClr>
+                      </a:solidFill>
+                      <a:prstDash val="solid"/>
+                      <a:round/>
+                      <a:headEnd type="none" w="med" len="med"/>
+                      <a:tailEnd type="none" w="med" len="med"/>
+                    </a:lnT>
+                    <a:lnB w="12700" cap="flat" cmpd="sng" algn="ctr">
+                      <a:solidFill>
+                        <a:schemeClr val="bg2">
+                          <a:lumMod val="50000"/>
+                        </a:schemeClr>
+                      </a:solidFill>
+                      <a:prstDash val="solid"/>
+                      <a:round/>
+                      <a:headEnd type="none" w="med" len="med"/>
+                      <a:tailEnd type="none" w="med" len="med"/>
+                    </a:lnB>
+                    <a:solidFill>
+                      <a:schemeClr val="bg1"/>
+                    </a:solidFill>
+                  </a:tcPr>
+                </a:tc>
+                <a:tc>
+                  <a:txBody>
+                    <a:bodyPr/>
+                    <a:lstStyle/>
+                    <a:p>
+                      <a:pPr algn="ctr" latinLnBrk="1"/>
+                      <a:endParaRPr lang="ko-KR" altLang="en-US" sz="1050" b="0" dirty="0">
+                        <a:solidFill>
+                          <a:schemeClr val="tx1"/>
+                        </a:solidFill>
+                        <a:latin typeface="KoPubWorld돋움체 Medium" panose="00000600000000000000" pitchFamily="2" charset="-127"/>
+                        <a:ea typeface="KoPubWorld돋움체 Medium" panose="00000600000000000000" pitchFamily="2" charset="-127"/>
+                        <a:cs typeface="KoPubWorld돋움체 Medium" panose="00000600000000000000" pitchFamily="2" charset="-127"/>
+                      </a:endParaRPr>
+                    </a:p>
+                  </a:txBody>
+                  <a:tcPr marL="95991" marR="95991" marT="0" marB="0" anchor="ctr">
+                    <a:lnL w="12700" cap="flat" cmpd="sng" algn="ctr">
+                      <a:solidFill>
+                        <a:schemeClr val="bg2">
+                          <a:lumMod val="50000"/>
+                        </a:schemeClr>
+                      </a:solidFill>
+                      <a:prstDash val="solid"/>
+                      <a:round/>
+                      <a:headEnd type="none" w="med" len="med"/>
+                      <a:tailEnd type="none" w="med" len="med"/>
+                    </a:lnL>
+                    <a:lnR w="12700" cap="flat" cmpd="sng" algn="ctr">
+                      <a:solidFill>
+                        <a:schemeClr val="bg2">
+                          <a:lumMod val="50000"/>
+                        </a:schemeClr>
+                      </a:solidFill>
+                      <a:prstDash val="solid"/>
+                      <a:round/>
+                      <a:headEnd type="none" w="med" len="med"/>
+                      <a:tailEnd type="none" w="med" len="med"/>
+                    </a:lnR>
+                    <a:lnT w="12700" cap="flat" cmpd="sng" algn="ctr">
+                      <a:solidFill>
+                        <a:schemeClr val="bg2">
+                          <a:lumMod val="50000"/>
+                        </a:schemeClr>
+                      </a:solidFill>
+                      <a:prstDash val="solid"/>
+                      <a:round/>
+                      <a:headEnd type="none" w="med" len="med"/>
+                      <a:tailEnd type="none" w="med" len="med"/>
+                    </a:lnT>
+                    <a:lnB w="12700" cap="flat" cmpd="sng" algn="ctr">
+                      <a:solidFill>
+                        <a:schemeClr val="bg2">
+                          <a:lumMod val="50000"/>
+                        </a:schemeClr>
+                      </a:solidFill>
+                      <a:prstDash val="solid"/>
+                      <a:round/>
+                      <a:headEnd type="none" w="med" len="med"/>
+                      <a:tailEnd type="none" w="med" len="med"/>
+                    </a:lnB>
+                    <a:solidFill>
+                      <a:schemeClr val="bg1"/>
+                    </a:solidFill>
+                  </a:tcPr>
+                </a:tc>
+                <a:tc>
+                  <a:txBody>
+                    <a:bodyPr/>
+                    <a:lstStyle/>
+                    <a:p>
+                      <a:pPr algn="ctr" latinLnBrk="1"/>
+                      <a:endParaRPr lang="ko-KR" altLang="en-US" sz="1200" b="0" dirty="0">
+                        <a:solidFill>
+                          <a:schemeClr val="tx1"/>
+                        </a:solidFill>
+                        <a:latin typeface="KoPubWorld돋움체 Medium" panose="00000600000000000000" pitchFamily="2" charset="-127"/>
+                        <a:ea typeface="KoPubWorld돋움체 Medium" panose="00000600000000000000" pitchFamily="2" charset="-127"/>
+                        <a:cs typeface="KoPubWorld돋움체 Medium" panose="00000600000000000000" pitchFamily="2" charset="-127"/>
+                      </a:endParaRPr>
+                    </a:p>
+                  </a:txBody>
+                  <a:tcPr marL="95991" marR="95991" marT="0" marB="0" anchor="ctr">
+                    <a:lnL w="12700" cap="flat" cmpd="sng" algn="ctr">
+                      <a:solidFill>
+                        <a:schemeClr val="bg2">
+                          <a:lumMod val="50000"/>
+                        </a:schemeClr>
+                      </a:solidFill>
+                      <a:prstDash val="solid"/>
+                      <a:round/>
+                      <a:headEnd type="none" w="med" len="med"/>
+                      <a:tailEnd type="none" w="med" len="med"/>
+                    </a:lnL>
+                    <a:lnR w="12700" cap="flat" cmpd="sng" algn="ctr">
+                      <a:solidFill>
+                        <a:schemeClr val="bg2">
+                          <a:lumMod val="50000"/>
+                        </a:schemeClr>
+                      </a:solidFill>
+                      <a:prstDash val="solid"/>
+                      <a:round/>
+                      <a:headEnd type="none" w="med" len="med"/>
+                      <a:tailEnd type="none" w="med" len="med"/>
+                    </a:lnR>
+                    <a:lnT w="12700" cap="flat" cmpd="sng" algn="ctr">
+                      <a:solidFill>
+                        <a:schemeClr val="bg2">
+                          <a:lumMod val="50000"/>
+                        </a:schemeClr>
+                      </a:solidFill>
+                      <a:prstDash val="solid"/>
+                      <a:round/>
+                      <a:headEnd type="none" w="med" len="med"/>
+                      <a:tailEnd type="none" w="med" len="med"/>
+                    </a:lnT>
+                    <a:lnB w="12700" cap="flat" cmpd="sng" algn="ctr">
+                      <a:solidFill>
+                        <a:schemeClr val="bg2">
+                          <a:lumMod val="50000"/>
+                        </a:schemeClr>
+                      </a:solidFill>
+                      <a:prstDash val="solid"/>
+                      <a:round/>
+                      <a:headEnd type="none" w="med" len="med"/>
+                      <a:tailEnd type="none" w="med" len="med"/>
+                    </a:lnB>
+                    <a:solidFill>
+                      <a:schemeClr val="bg1"/>
+                    </a:solidFill>
+                  </a:tcPr>
+                </a:tc>
+                <a:extLst>
+                  <a:ext uri="{0D108BD9-81ED-4DB2-BD59-A6C34878D82A}">
+                    <a16:rowId xmlns:a16="http://schemas.microsoft.com/office/drawing/2014/main" val="10007"/>
+                  </a:ext>
+                </a:extLst>
+              </a:tr>
+            </a:tbl>
+          </a:graphicData>
+        </a:graphic>
+      </p:graphicFrame>
+    </p:spTree>
+    <p:extLst>
+      <p:ext uri="{BB962C8B-B14F-4D97-AF65-F5344CB8AC3E}">
+        <p14:creationId xmlns:p14="http://schemas.microsoft.com/office/powerpoint/2010/main" val="510990718"/>
+      </p:ext>
+    </p:extLst>
+  </p:cSld>
+  <p:clrMapOvr>
+    <a:masterClrMapping/>
+  </p:clrMapOvr>
+</p:sld>
+</file>
+
 <file path=ppt/theme/theme1.xml><?xml version="1.0" encoding="utf-8"?>
 <a:theme xmlns:a="http://schemas.openxmlformats.org/drawingml/2006/main" name="Office 테마">
   <a:themeElements>
